--- a/Gestų kalbos atpažinimas naudojant internetinę kamerą.pptx
+++ b/Gestų kalbos atpažinimas naudojant internetinę kamerą.pptx
@@ -5,10 +5,10 @@
     <p:sldMasterId id="2147483648" r:id="rId1"/>
   </p:sldMasterIdLst>
   <p:notesMasterIdLst>
-    <p:notesMasterId r:id="rId13"/>
+    <p:notesMasterId r:id="rId27"/>
   </p:notesMasterIdLst>
   <p:handoutMasterIdLst>
-    <p:handoutMasterId r:id="rId14"/>
+    <p:handoutMasterId r:id="rId28"/>
   </p:handoutMasterIdLst>
   <p:sldIdLst>
     <p:sldId id="256" r:id="rId2"/>
@@ -20,8 +20,22 @@
     <p:sldId id="264" r:id="rId8"/>
     <p:sldId id="266" r:id="rId9"/>
     <p:sldId id="265" r:id="rId10"/>
-    <p:sldId id="260" r:id="rId11"/>
-    <p:sldId id="261" r:id="rId12"/>
+    <p:sldId id="267" r:id="rId11"/>
+    <p:sldId id="268" r:id="rId12"/>
+    <p:sldId id="270" r:id="rId13"/>
+    <p:sldId id="269" r:id="rId14"/>
+    <p:sldId id="271" r:id="rId15"/>
+    <p:sldId id="272" r:id="rId16"/>
+    <p:sldId id="278" r:id="rId17"/>
+    <p:sldId id="279" r:id="rId18"/>
+    <p:sldId id="274" r:id="rId19"/>
+    <p:sldId id="273" r:id="rId20"/>
+    <p:sldId id="275" r:id="rId21"/>
+    <p:sldId id="276" r:id="rId22"/>
+    <p:sldId id="277" r:id="rId23"/>
+    <p:sldId id="260" r:id="rId24"/>
+    <p:sldId id="280" r:id="rId25"/>
+    <p:sldId id="261" r:id="rId26"/>
   </p:sldIdLst>
   <p:sldSz cx="9144000" cy="6858000" type="screen4x3"/>
   <p:notesSz cx="6858000" cy="9144000"/>
@@ -150,6 +164,14 @@
       </a:defRPr>
     </a:lvl9pPr>
   </p:defaultTextStyle>
+  <p:extLst>
+    <p:ext uri="{EFAFB233-063F-42B5-8137-9DF3F51BA10A}">
+      <p15:sldGuideLst xmlns:p15="http://schemas.microsoft.com/office/powerpoint/2012/main"/>
+    </p:ext>
+    <p:ext uri="{2D200454-40CA-4A62-9FC3-DE9A4176ACB9}">
+      <p15:notesGuideLst xmlns:p15="http://schemas.microsoft.com/office/powerpoint/2012/main"/>
+    </p:ext>
+  </p:extLst>
 </p:presentation>
 </file>
 
@@ -626,7 +648,7 @@
         <p:nvSpPr>
           <p:cNvPr id="78852" name="Rectangle 4"/>
           <p:cNvSpPr>
-            <a:spLocks noRot="1" noChangeArrowheads="1" noTextEdit="1"/>
+            <a:spLocks noGrp="1" noRot="1" noChangeAspect="1" noChangeArrowheads="1" noTextEdit="1"/>
           </p:cNvSpPr>
           <p:nvPr>
             <p:ph type="sldImg" idx="2"/>
@@ -3433,7 +3455,6 @@
               <a:rPr lang="en-US" altLang="lt-LT" smtClean="0"/>
               <a:t>Click to edit Master title style</a:t>
             </a:r>
-            <a:endParaRPr lang="en-US" altLang="lt-LT" smtClean="0"/>
           </a:p>
         </p:txBody>
       </p:sp>
@@ -3530,7 +3551,6 @@
               <a:rPr lang="en-US" altLang="lt-LT" smtClean="0"/>
               <a:t>Fifth level</a:t>
             </a:r>
-            <a:endParaRPr lang="en-US" altLang="lt-LT" smtClean="0"/>
           </a:p>
         </p:txBody>
       </p:sp>
@@ -4270,7 +4290,7 @@
           <a:p>
             <a:r>
               <a:rPr lang="lt-LT" dirty="0" smtClean="0"/>
-              <a:t>Rezultatai</a:t>
+              <a:t>Konvoliucinių neuroninių tinklų sluoksniai</a:t>
             </a:r>
             <a:endParaRPr lang="lt-LT" dirty="0"/>
           </a:p>
@@ -4291,7 +4311,26 @@
           <a:bodyPr/>
           <a:lstStyle/>
           <a:p>
-            <a:endParaRPr lang="lt-LT"/>
+            <a:r>
+              <a:rPr lang="lt-LT" b="1" dirty="0" smtClean="0"/>
+              <a:t>Telkimo sluoksnis </a:t>
+            </a:r>
+            <a:r>
+              <a:rPr lang="lt-LT" dirty="0" smtClean="0"/>
+              <a:t>– sumažina duotąją matricą. Dažniausiai – vidutinės arba maksimalios reikšmės telkimas;</a:t>
+            </a:r>
+            <a:endParaRPr lang="lt-LT" b="1" dirty="0" smtClean="0"/>
+          </a:p>
+          <a:p>
+            <a:r>
+              <a:rPr lang="lt-LT" b="1" dirty="0" smtClean="0"/>
+              <a:t>Konvoliucinis sluoksnis </a:t>
+            </a:r>
+            <a:r>
+              <a:rPr lang="lt-LT" dirty="0" smtClean="0"/>
+              <a:t>– naujos matricos gavimas naudojantis konvoliuciniu filtru.</a:t>
+            </a:r>
+            <a:endParaRPr lang="lt-LT" b="1" dirty="0"/>
           </a:p>
         </p:txBody>
       </p:sp>
@@ -4344,20 +4383,13 @@
     </p:spTree>
     <p:extLst>
       <p:ext uri="{BB962C8B-B14F-4D97-AF65-F5344CB8AC3E}">
-        <p14:creationId xmlns:p14="http://schemas.microsoft.com/office/powerpoint/2010/main" val="363007004"/>
+        <p14:creationId xmlns:p14="http://schemas.microsoft.com/office/powerpoint/2010/main" val="3460386851"/>
       </p:ext>
     </p:extLst>
   </p:cSld>
   <p:clrMapOvr>
     <a:masterClrMapping/>
   </p:clrMapOvr>
-  <p:timing>
-    <p:tnLst>
-      <p:par>
-        <p:cTn id="1" dur="indefinite" restart="never" nodeType="tmRoot"/>
-      </p:par>
-    </p:tnLst>
-  </p:timing>
 </p:sld>
 </file>
 
@@ -4395,7 +4427,7 @@
           <a:p>
             <a:r>
               <a:rPr lang="lt-LT" dirty="0" smtClean="0"/>
-              <a:t>Išvados</a:t>
+              <a:t>Bandymai</a:t>
             </a:r>
             <a:endParaRPr lang="lt-LT" dirty="0"/>
           </a:p>
@@ -4416,7 +4448,34 @@
           <a:bodyPr/>
           <a:lstStyle/>
           <a:p>
-            <a:endParaRPr lang="lt-LT"/>
+            <a:r>
+              <a:rPr lang="lt-LT" dirty="0" smtClean="0"/>
+              <a:t>Duomenys;</a:t>
+            </a:r>
+          </a:p>
+          <a:p>
+            <a:r>
+              <a:rPr lang="lt-LT" dirty="0" smtClean="0"/>
+              <a:t>Įprastiniai metodai;</a:t>
+            </a:r>
+          </a:p>
+          <a:p>
+            <a:r>
+              <a:rPr lang="lt-LT" dirty="0" smtClean="0"/>
+              <a:t>Konvoliucinio neuroninio tinklo modelis.</a:t>
+            </a:r>
+          </a:p>
+          <a:p>
+            <a:endParaRPr lang="lt-LT" dirty="0" smtClean="0"/>
+          </a:p>
+          <a:p>
+            <a:endParaRPr lang="lt-LT" dirty="0"/>
+          </a:p>
+          <a:p>
+            <a:r>
+              <a:rPr lang="lt-LT" dirty="0" smtClean="0"/>
+              <a:t>Pasinaudota Python programavimo kalba.</a:t>
+            </a:r>
           </a:p>
         </p:txBody>
       </p:sp>
@@ -4469,7 +4528,1773 @@
     </p:spTree>
     <p:extLst>
       <p:ext uri="{BB962C8B-B14F-4D97-AF65-F5344CB8AC3E}">
-        <p14:creationId xmlns:p14="http://schemas.microsoft.com/office/powerpoint/2010/main" val="889969444"/>
+        <p14:creationId xmlns:p14="http://schemas.microsoft.com/office/powerpoint/2010/main" val="2210381755"/>
+      </p:ext>
+    </p:extLst>
+  </p:cSld>
+  <p:clrMapOvr>
+    <a:masterClrMapping/>
+  </p:clrMapOvr>
+</p:sld>
+</file>
+
+<file path=ppt/slides/slide12.xml><?xml version="1.0" encoding="utf-8"?>
+<p:sld xmlns:a="http://schemas.openxmlformats.org/drawingml/2006/main" xmlns:r="http://schemas.openxmlformats.org/officeDocument/2006/relationships" xmlns:p="http://schemas.openxmlformats.org/presentationml/2006/main">
+  <p:cSld>
+    <p:spTree>
+      <p:nvGrpSpPr>
+        <p:cNvPr id="1" name=""/>
+        <p:cNvGrpSpPr/>
+        <p:nvPr/>
+      </p:nvGrpSpPr>
+      <p:grpSpPr>
+        <a:xfrm>
+          <a:off x="0" y="0"/>
+          <a:ext cx="0" cy="0"/>
+          <a:chOff x="0" y="0"/>
+          <a:chExt cx="0" cy="0"/>
+        </a:xfrm>
+      </p:grpSpPr>
+      <p:sp>
+        <p:nvSpPr>
+          <p:cNvPr id="2" name="Title 1"/>
+          <p:cNvSpPr>
+            <a:spLocks noGrp="1"/>
+          </p:cNvSpPr>
+          <p:nvPr>
+            <p:ph type="title"/>
+          </p:nvPr>
+        </p:nvSpPr>
+        <p:spPr/>
+        <p:txBody>
+          <a:bodyPr/>
+          <a:lstStyle/>
+          <a:p>
+            <a:r>
+              <a:rPr lang="lt-LT" dirty="0" smtClean="0"/>
+              <a:t>Duomenys</a:t>
+            </a:r>
+            <a:endParaRPr lang="lt-LT" dirty="0"/>
+          </a:p>
+        </p:txBody>
+      </p:sp>
+      <p:sp>
+        <p:nvSpPr>
+          <p:cNvPr id="3" name="Content Placeholder 2"/>
+          <p:cNvSpPr>
+            <a:spLocks noGrp="1"/>
+          </p:cNvSpPr>
+          <p:nvPr>
+            <p:ph idx="1"/>
+          </p:nvPr>
+        </p:nvSpPr>
+        <p:spPr/>
+        <p:txBody>
+          <a:bodyPr/>
+          <a:lstStyle/>
+          <a:p>
+            <a:r>
+              <a:rPr lang="lt-LT" dirty="0" smtClean="0"/>
+              <a:t>24-ių ASL abėcėlės raidžių gestai;</a:t>
+            </a:r>
+          </a:p>
+          <a:p>
+            <a:r>
+              <a:rPr lang="lt-LT" dirty="0" smtClean="0"/>
+              <a:t>Kiekvienai raidei – katalogas;</a:t>
+            </a:r>
+          </a:p>
+          <a:p>
+            <a:endParaRPr lang="lt-LT" dirty="0"/>
+          </a:p>
+        </p:txBody>
+      </p:sp>
+      <p:sp>
+        <p:nvSpPr>
+          <p:cNvPr id="4" name="Date Placeholder 3"/>
+          <p:cNvSpPr>
+            <a:spLocks noGrp="1"/>
+          </p:cNvSpPr>
+          <p:nvPr>
+            <p:ph type="dt" sz="half" idx="10"/>
+          </p:nvPr>
+        </p:nvSpPr>
+        <p:spPr/>
+        <p:txBody>
+          <a:bodyPr/>
+          <a:lstStyle/>
+          <a:p>
+            <a:r>
+              <a:rPr lang="lt-LT" altLang="lt-LT" smtClean="0"/>
+              <a:t>2017-06-26</a:t>
+            </a:r>
+            <a:endParaRPr lang="en-US" altLang="lt-LT"/>
+          </a:p>
+        </p:txBody>
+      </p:sp>
+      <p:sp>
+        <p:nvSpPr>
+          <p:cNvPr id="5" name="Footer Placeholder 4"/>
+          <p:cNvSpPr>
+            <a:spLocks noGrp="1"/>
+          </p:cNvSpPr>
+          <p:nvPr>
+            <p:ph type="ftr" sz="quarter" idx="11"/>
+          </p:nvPr>
+        </p:nvSpPr>
+        <p:spPr/>
+        <p:txBody>
+          <a:bodyPr/>
+          <a:lstStyle/>
+          <a:p>
+            <a:r>
+              <a:rPr lang="lt-LT" altLang="lt-LT" smtClean="0"/>
+              <a:t>VU, MIF</a:t>
+            </a:r>
+            <a:endParaRPr lang="en-US" altLang="lt-LT"/>
+          </a:p>
+        </p:txBody>
+      </p:sp>
+    </p:spTree>
+    <p:extLst>
+      <p:ext uri="{BB962C8B-B14F-4D97-AF65-F5344CB8AC3E}">
+        <p14:creationId xmlns:p14="http://schemas.microsoft.com/office/powerpoint/2010/main" val="1721791269"/>
+      </p:ext>
+    </p:extLst>
+  </p:cSld>
+  <p:clrMapOvr>
+    <a:masterClrMapping/>
+  </p:clrMapOvr>
+</p:sld>
+</file>
+
+<file path=ppt/slides/slide13.xml><?xml version="1.0" encoding="utf-8"?>
+<p:sld xmlns:a="http://schemas.openxmlformats.org/drawingml/2006/main" xmlns:r="http://schemas.openxmlformats.org/officeDocument/2006/relationships" xmlns:p="http://schemas.openxmlformats.org/presentationml/2006/main">
+  <p:cSld>
+    <p:spTree>
+      <p:nvGrpSpPr>
+        <p:cNvPr id="1" name=""/>
+        <p:cNvGrpSpPr/>
+        <p:nvPr/>
+      </p:nvGrpSpPr>
+      <p:grpSpPr>
+        <a:xfrm>
+          <a:off x="0" y="0"/>
+          <a:ext cx="0" cy="0"/>
+          <a:chOff x="0" y="0"/>
+          <a:chExt cx="0" cy="0"/>
+        </a:xfrm>
+      </p:grpSpPr>
+      <p:sp>
+        <p:nvSpPr>
+          <p:cNvPr id="2" name="Title 1"/>
+          <p:cNvSpPr>
+            <a:spLocks noGrp="1"/>
+          </p:cNvSpPr>
+          <p:nvPr>
+            <p:ph type="title"/>
+          </p:nvPr>
+        </p:nvSpPr>
+        <p:spPr/>
+        <p:txBody>
+          <a:bodyPr/>
+          <a:lstStyle/>
+          <a:p>
+            <a:r>
+              <a:rPr lang="lt-LT" dirty="0" smtClean="0"/>
+              <a:t>Įprastiniai metodai</a:t>
+            </a:r>
+            <a:endParaRPr lang="lt-LT" dirty="0"/>
+          </a:p>
+        </p:txBody>
+      </p:sp>
+      <p:sp>
+        <p:nvSpPr>
+          <p:cNvPr id="3" name="Content Placeholder 2"/>
+          <p:cNvSpPr>
+            <a:spLocks noGrp="1"/>
+          </p:cNvSpPr>
+          <p:nvPr>
+            <p:ph idx="1"/>
+          </p:nvPr>
+        </p:nvSpPr>
+        <p:spPr/>
+        <p:txBody>
+          <a:bodyPr/>
+          <a:lstStyle/>
+          <a:p>
+            <a:r>
+              <a:rPr lang="lt-LT" dirty="0" smtClean="0"/>
+              <a:t>OpenCV;</a:t>
+            </a:r>
+          </a:p>
+          <a:p>
+            <a:r>
+              <a:rPr lang="lt-LT" dirty="0" smtClean="0"/>
+              <a:t>Trukmė: ~5 valandas;</a:t>
+            </a:r>
+          </a:p>
+          <a:p>
+            <a:r>
+              <a:rPr lang="lt-LT" dirty="0" smtClean="0"/>
+              <a:t>400 kadrų kiekvienai ASL raidei;</a:t>
+            </a:r>
+          </a:p>
+          <a:p>
+            <a:r>
+              <a:rPr lang="lt-LT" dirty="0" smtClean="0"/>
+              <a:t>95-98% tikslumas po apmokymo;</a:t>
+            </a:r>
+          </a:p>
+          <a:p>
+            <a:endParaRPr lang="lt-LT" dirty="0"/>
+          </a:p>
+        </p:txBody>
+      </p:sp>
+      <p:sp>
+        <p:nvSpPr>
+          <p:cNvPr id="4" name="Date Placeholder 3"/>
+          <p:cNvSpPr>
+            <a:spLocks noGrp="1"/>
+          </p:cNvSpPr>
+          <p:nvPr>
+            <p:ph type="dt" sz="half" idx="10"/>
+          </p:nvPr>
+        </p:nvSpPr>
+        <p:spPr/>
+        <p:txBody>
+          <a:bodyPr/>
+          <a:lstStyle/>
+          <a:p>
+            <a:r>
+              <a:rPr lang="lt-LT" altLang="lt-LT" smtClean="0"/>
+              <a:t>2017-06-26</a:t>
+            </a:r>
+            <a:endParaRPr lang="en-US" altLang="lt-LT"/>
+          </a:p>
+        </p:txBody>
+      </p:sp>
+      <p:sp>
+        <p:nvSpPr>
+          <p:cNvPr id="5" name="Footer Placeholder 4"/>
+          <p:cNvSpPr>
+            <a:spLocks noGrp="1"/>
+          </p:cNvSpPr>
+          <p:nvPr>
+            <p:ph type="ftr" sz="quarter" idx="11"/>
+          </p:nvPr>
+        </p:nvSpPr>
+        <p:spPr/>
+        <p:txBody>
+          <a:bodyPr/>
+          <a:lstStyle/>
+          <a:p>
+            <a:r>
+              <a:rPr lang="lt-LT" altLang="lt-LT" smtClean="0"/>
+              <a:t>VU, MIF</a:t>
+            </a:r>
+            <a:endParaRPr lang="en-US" altLang="lt-LT"/>
+          </a:p>
+        </p:txBody>
+      </p:sp>
+    </p:spTree>
+    <p:extLst>
+      <p:ext uri="{BB962C8B-B14F-4D97-AF65-F5344CB8AC3E}">
+        <p14:creationId xmlns:p14="http://schemas.microsoft.com/office/powerpoint/2010/main" val="2589070294"/>
+      </p:ext>
+    </p:extLst>
+  </p:cSld>
+  <p:clrMapOvr>
+    <a:masterClrMapping/>
+  </p:clrMapOvr>
+</p:sld>
+</file>
+
+<file path=ppt/slides/slide14.xml><?xml version="1.0" encoding="utf-8"?>
+<p:sld xmlns:a="http://schemas.openxmlformats.org/drawingml/2006/main" xmlns:r="http://schemas.openxmlformats.org/officeDocument/2006/relationships" xmlns:p="http://schemas.openxmlformats.org/presentationml/2006/main">
+  <p:cSld>
+    <p:spTree>
+      <p:nvGrpSpPr>
+        <p:cNvPr id="1" name=""/>
+        <p:cNvGrpSpPr/>
+        <p:nvPr/>
+      </p:nvGrpSpPr>
+      <p:grpSpPr>
+        <a:xfrm>
+          <a:off x="0" y="0"/>
+          <a:ext cx="0" cy="0"/>
+          <a:chOff x="0" y="0"/>
+          <a:chExt cx="0" cy="0"/>
+        </a:xfrm>
+      </p:grpSpPr>
+      <p:sp>
+        <p:nvSpPr>
+          <p:cNvPr id="2" name="Title 1"/>
+          <p:cNvSpPr>
+            <a:spLocks noGrp="1"/>
+          </p:cNvSpPr>
+          <p:nvPr>
+            <p:ph type="title"/>
+          </p:nvPr>
+        </p:nvSpPr>
+        <p:spPr/>
+        <p:txBody>
+          <a:bodyPr/>
+          <a:lstStyle/>
+          <a:p>
+            <a:r>
+              <a:rPr lang="lt-LT" dirty="0" smtClean="0"/>
+              <a:t>Kadro konvertacija</a:t>
+            </a:r>
+            <a:endParaRPr lang="lt-LT" dirty="0"/>
+          </a:p>
+        </p:txBody>
+      </p:sp>
+      <p:sp>
+        <p:nvSpPr>
+          <p:cNvPr id="3" name="Content Placeholder 2"/>
+          <p:cNvSpPr>
+            <a:spLocks noGrp="1"/>
+          </p:cNvSpPr>
+          <p:nvPr>
+            <p:ph idx="1"/>
+          </p:nvPr>
+        </p:nvSpPr>
+        <p:spPr/>
+        <p:txBody>
+          <a:bodyPr/>
+          <a:lstStyle/>
+          <a:p>
+            <a:endParaRPr lang="lt-LT" dirty="0"/>
+          </a:p>
+        </p:txBody>
+      </p:sp>
+      <p:sp>
+        <p:nvSpPr>
+          <p:cNvPr id="4" name="Date Placeholder 3"/>
+          <p:cNvSpPr>
+            <a:spLocks noGrp="1"/>
+          </p:cNvSpPr>
+          <p:nvPr>
+            <p:ph type="dt" sz="half" idx="10"/>
+          </p:nvPr>
+        </p:nvSpPr>
+        <p:spPr/>
+        <p:txBody>
+          <a:bodyPr/>
+          <a:lstStyle/>
+          <a:p>
+            <a:r>
+              <a:rPr lang="lt-LT" altLang="lt-LT" smtClean="0"/>
+              <a:t>2017-06-26</a:t>
+            </a:r>
+            <a:endParaRPr lang="en-US" altLang="lt-LT"/>
+          </a:p>
+        </p:txBody>
+      </p:sp>
+      <p:sp>
+        <p:nvSpPr>
+          <p:cNvPr id="5" name="Footer Placeholder 4"/>
+          <p:cNvSpPr>
+            <a:spLocks noGrp="1"/>
+          </p:cNvSpPr>
+          <p:nvPr>
+            <p:ph type="ftr" sz="quarter" idx="11"/>
+          </p:nvPr>
+        </p:nvSpPr>
+        <p:spPr/>
+        <p:txBody>
+          <a:bodyPr/>
+          <a:lstStyle/>
+          <a:p>
+            <a:r>
+              <a:rPr lang="lt-LT" altLang="lt-LT" smtClean="0"/>
+              <a:t>VU, MIF</a:t>
+            </a:r>
+            <a:endParaRPr lang="en-US" altLang="lt-LT"/>
+          </a:p>
+        </p:txBody>
+      </p:sp>
+      <p:pic>
+        <p:nvPicPr>
+          <p:cNvPr id="6" name="Picture 5"/>
+          <p:cNvPicPr>
+            <a:picLocks noChangeAspect="1"/>
+          </p:cNvPicPr>
+          <p:nvPr/>
+        </p:nvPicPr>
+        <p:blipFill>
+          <a:blip r:embed="rId2" cstate="print">
+            <a:extLst>
+              <a:ext uri="{28A0092B-C50C-407E-A947-70E740481C1C}">
+                <a14:useLocalDpi xmlns:a14="http://schemas.microsoft.com/office/drawing/2010/main" val="0"/>
+              </a:ext>
+            </a:extLst>
+          </a:blip>
+          <a:stretch>
+            <a:fillRect/>
+          </a:stretch>
+        </p:blipFill>
+        <p:spPr>
+          <a:xfrm>
+            <a:off x="627620" y="1624748"/>
+            <a:ext cx="2423931" cy="1817948"/>
+          </a:xfrm>
+          <a:prstGeom prst="rect">
+            <a:avLst/>
+          </a:prstGeom>
+        </p:spPr>
+      </p:pic>
+      <p:pic>
+        <p:nvPicPr>
+          <p:cNvPr id="7" name="Picture 6"/>
+          <p:cNvPicPr>
+            <a:picLocks noChangeAspect="1"/>
+          </p:cNvPicPr>
+          <p:nvPr/>
+        </p:nvPicPr>
+        <p:blipFill>
+          <a:blip r:embed="rId3" cstate="print">
+            <a:extLst>
+              <a:ext uri="{28A0092B-C50C-407E-A947-70E740481C1C}">
+                <a14:useLocalDpi xmlns:a14="http://schemas.microsoft.com/office/drawing/2010/main" val="0"/>
+              </a:ext>
+            </a:extLst>
+          </a:blip>
+          <a:stretch>
+            <a:fillRect/>
+          </a:stretch>
+        </p:blipFill>
+        <p:spPr>
+          <a:xfrm>
+            <a:off x="3367295" y="3931935"/>
+            <a:ext cx="2420009" cy="1815007"/>
+          </a:xfrm>
+          <a:prstGeom prst="rect">
+            <a:avLst/>
+          </a:prstGeom>
+        </p:spPr>
+      </p:pic>
+      <p:pic>
+        <p:nvPicPr>
+          <p:cNvPr id="8" name="Picture 7"/>
+          <p:cNvPicPr>
+            <a:picLocks noChangeAspect="1"/>
+          </p:cNvPicPr>
+          <p:nvPr/>
+        </p:nvPicPr>
+        <p:blipFill>
+          <a:blip r:embed="rId4" cstate="print">
+            <a:extLst>
+              <a:ext uri="{28A0092B-C50C-407E-A947-70E740481C1C}">
+                <a14:useLocalDpi xmlns:a14="http://schemas.microsoft.com/office/drawing/2010/main" val="0"/>
+              </a:ext>
+            </a:extLst>
+          </a:blip>
+          <a:stretch>
+            <a:fillRect/>
+          </a:stretch>
+        </p:blipFill>
+        <p:spPr>
+          <a:xfrm>
+            <a:off x="627620" y="3941174"/>
+            <a:ext cx="2418514" cy="1813886"/>
+          </a:xfrm>
+          <a:prstGeom prst="rect">
+            <a:avLst/>
+          </a:prstGeom>
+        </p:spPr>
+      </p:pic>
+      <p:pic>
+        <p:nvPicPr>
+          <p:cNvPr id="9" name="Picture 8"/>
+          <p:cNvPicPr>
+            <a:picLocks noChangeAspect="1"/>
+          </p:cNvPicPr>
+          <p:nvPr/>
+        </p:nvPicPr>
+        <p:blipFill>
+          <a:blip r:embed="rId5" cstate="print">
+            <a:extLst>
+              <a:ext uri="{28A0092B-C50C-407E-A947-70E740481C1C}">
+                <a14:useLocalDpi xmlns:a14="http://schemas.microsoft.com/office/drawing/2010/main" val="0"/>
+              </a:ext>
+            </a:extLst>
+          </a:blip>
+          <a:stretch>
+            <a:fillRect/>
+          </a:stretch>
+        </p:blipFill>
+        <p:spPr>
+          <a:xfrm>
+            <a:off x="6108033" y="1605224"/>
+            <a:ext cx="2440166" cy="1830125"/>
+          </a:xfrm>
+          <a:prstGeom prst="rect">
+            <a:avLst/>
+          </a:prstGeom>
+        </p:spPr>
+      </p:pic>
+      <p:pic>
+        <p:nvPicPr>
+          <p:cNvPr id="10" name="Picture 9"/>
+          <p:cNvPicPr>
+            <a:picLocks noChangeAspect="1"/>
+          </p:cNvPicPr>
+          <p:nvPr/>
+        </p:nvPicPr>
+        <p:blipFill>
+          <a:blip r:embed="rId6" cstate="print">
+            <a:extLst>
+              <a:ext uri="{28A0092B-C50C-407E-A947-70E740481C1C}">
+                <a14:useLocalDpi xmlns:a14="http://schemas.microsoft.com/office/drawing/2010/main" val="0"/>
+              </a:ext>
+            </a:extLst>
+          </a:blip>
+          <a:stretch>
+            <a:fillRect/>
+          </a:stretch>
+        </p:blipFill>
+        <p:spPr>
+          <a:xfrm>
+            <a:off x="3367295" y="1620342"/>
+            <a:ext cx="2420009" cy="1815007"/>
+          </a:xfrm>
+          <a:prstGeom prst="rect">
+            <a:avLst/>
+          </a:prstGeom>
+        </p:spPr>
+      </p:pic>
+      <p:pic>
+        <p:nvPicPr>
+          <p:cNvPr id="11" name="Picture 10"/>
+          <p:cNvPicPr>
+            <a:picLocks noChangeAspect="1"/>
+          </p:cNvPicPr>
+          <p:nvPr/>
+        </p:nvPicPr>
+        <p:blipFill>
+          <a:blip r:embed="rId7" cstate="print">
+            <a:extLst>
+              <a:ext uri="{28A0092B-C50C-407E-A947-70E740481C1C}">
+                <a14:useLocalDpi xmlns:a14="http://schemas.microsoft.com/office/drawing/2010/main" val="0"/>
+              </a:ext>
+            </a:extLst>
+          </a:blip>
+          <a:stretch>
+            <a:fillRect/>
+          </a:stretch>
+        </p:blipFill>
+        <p:spPr>
+          <a:xfrm>
+            <a:off x="6108033" y="3933055"/>
+            <a:ext cx="2440166" cy="1830125"/>
+          </a:xfrm>
+          <a:prstGeom prst="rect">
+            <a:avLst/>
+          </a:prstGeom>
+        </p:spPr>
+      </p:pic>
+      <p:sp>
+        <p:nvSpPr>
+          <p:cNvPr id="12" name="TextBox 11"/>
+          <p:cNvSpPr txBox="1"/>
+          <p:nvPr/>
+        </p:nvSpPr>
+        <p:spPr>
+          <a:xfrm>
+            <a:off x="671198" y="3481263"/>
+            <a:ext cx="2374936" cy="307777"/>
+          </a:xfrm>
+          <a:prstGeom prst="rect">
+            <a:avLst/>
+          </a:prstGeom>
+          <a:noFill/>
+        </p:spPr>
+        <p:txBody>
+          <a:bodyPr wrap="square" rtlCol="0">
+            <a:spAutoFit/>
+          </a:bodyPr>
+          <a:lstStyle/>
+          <a:p>
+            <a:pPr algn="ctr"/>
+            <a:r>
+              <a:rPr lang="lt-LT" sz="1400" dirty="0" smtClean="0">
+                <a:latin typeface="+mn-lt"/>
+              </a:rPr>
+              <a:t>Orginalus paveikslėlis</a:t>
+            </a:r>
+            <a:endParaRPr lang="lt-LT" sz="1400" dirty="0">
+              <a:latin typeface="+mn-lt"/>
+            </a:endParaRPr>
+          </a:p>
+        </p:txBody>
+      </p:sp>
+      <p:sp>
+        <p:nvSpPr>
+          <p:cNvPr id="13" name="TextBox 12"/>
+          <p:cNvSpPr txBox="1"/>
+          <p:nvPr/>
+        </p:nvSpPr>
+        <p:spPr>
+          <a:xfrm>
+            <a:off x="3379528" y="3481263"/>
+            <a:ext cx="2415024" cy="307777"/>
+          </a:xfrm>
+          <a:prstGeom prst="rect">
+            <a:avLst/>
+          </a:prstGeom>
+          <a:noFill/>
+        </p:spPr>
+        <p:txBody>
+          <a:bodyPr wrap="square" rtlCol="0">
+            <a:spAutoFit/>
+          </a:bodyPr>
+          <a:lstStyle/>
+          <a:p>
+            <a:pPr algn="ctr"/>
+            <a:r>
+              <a:rPr lang="lt-LT" sz="1400" dirty="0" smtClean="0">
+                <a:latin typeface="+mn-lt"/>
+              </a:rPr>
+              <a:t>Pritaikyta G</a:t>
+            </a:r>
+            <a:r>
+              <a:rPr lang="lt-LT" sz="900" dirty="0" smtClean="0">
+                <a:latin typeface="+mn-lt"/>
+              </a:rPr>
+              <a:t>x</a:t>
+            </a:r>
+            <a:endParaRPr lang="lt-LT" sz="1400" dirty="0">
+              <a:latin typeface="+mn-lt"/>
+            </a:endParaRPr>
+          </a:p>
+        </p:txBody>
+      </p:sp>
+      <p:sp>
+        <p:nvSpPr>
+          <p:cNvPr id="14" name="TextBox 13"/>
+          <p:cNvSpPr txBox="1"/>
+          <p:nvPr/>
+        </p:nvSpPr>
+        <p:spPr>
+          <a:xfrm>
+            <a:off x="6115281" y="3481263"/>
+            <a:ext cx="2432918" cy="307777"/>
+          </a:xfrm>
+          <a:prstGeom prst="rect">
+            <a:avLst/>
+          </a:prstGeom>
+          <a:noFill/>
+        </p:spPr>
+        <p:txBody>
+          <a:bodyPr wrap="square" rtlCol="0">
+            <a:spAutoFit/>
+          </a:bodyPr>
+          <a:lstStyle/>
+          <a:p>
+            <a:pPr algn="ctr"/>
+            <a:r>
+              <a:rPr lang="lt-LT" sz="1400" dirty="0" smtClean="0">
+                <a:latin typeface="+mn-lt"/>
+              </a:rPr>
+              <a:t>Pritaikyta G</a:t>
+            </a:r>
+            <a:r>
+              <a:rPr lang="lt-LT" sz="900" dirty="0">
+                <a:latin typeface="+mn-lt"/>
+              </a:rPr>
+              <a:t>y</a:t>
+            </a:r>
+            <a:endParaRPr lang="lt-LT" sz="1400" dirty="0">
+              <a:latin typeface="+mn-lt"/>
+            </a:endParaRPr>
+          </a:p>
+        </p:txBody>
+      </p:sp>
+      <p:sp>
+        <p:nvSpPr>
+          <p:cNvPr id="15" name="TextBox 14"/>
+          <p:cNvSpPr txBox="1"/>
+          <p:nvPr/>
+        </p:nvSpPr>
+        <p:spPr>
+          <a:xfrm>
+            <a:off x="631110" y="5785519"/>
+            <a:ext cx="2415024" cy="307777"/>
+          </a:xfrm>
+          <a:prstGeom prst="rect">
+            <a:avLst/>
+          </a:prstGeom>
+          <a:noFill/>
+        </p:spPr>
+        <p:txBody>
+          <a:bodyPr wrap="square" rtlCol="0">
+            <a:spAutoFit/>
+          </a:bodyPr>
+          <a:lstStyle/>
+          <a:p>
+            <a:pPr algn="ctr"/>
+            <a:r>
+              <a:rPr lang="lt-LT" sz="1400" dirty="0" smtClean="0">
+                <a:latin typeface="+mn-lt"/>
+              </a:rPr>
+              <a:t>Pritaikyta G</a:t>
+            </a:r>
+            <a:endParaRPr lang="lt-LT" sz="1400" dirty="0">
+              <a:latin typeface="+mn-lt"/>
+            </a:endParaRPr>
+          </a:p>
+        </p:txBody>
+      </p:sp>
+      <p:sp>
+        <p:nvSpPr>
+          <p:cNvPr id="16" name="TextBox 15"/>
+          <p:cNvSpPr txBox="1"/>
+          <p:nvPr/>
+        </p:nvSpPr>
+        <p:spPr>
+          <a:xfrm>
+            <a:off x="3364488" y="5785519"/>
+            <a:ext cx="2415024" cy="307777"/>
+          </a:xfrm>
+          <a:prstGeom prst="rect">
+            <a:avLst/>
+          </a:prstGeom>
+          <a:noFill/>
+        </p:spPr>
+        <p:txBody>
+          <a:bodyPr wrap="square" rtlCol="0">
+            <a:spAutoFit/>
+          </a:bodyPr>
+          <a:lstStyle/>
+          <a:p>
+            <a:pPr algn="ctr"/>
+            <a:r>
+              <a:rPr lang="lt-LT" sz="1400" dirty="0" smtClean="0">
+                <a:latin typeface="+mn-lt"/>
+              </a:rPr>
+              <a:t>Be fono</a:t>
+            </a:r>
+            <a:endParaRPr lang="lt-LT" sz="1400" dirty="0">
+              <a:latin typeface="+mn-lt"/>
+            </a:endParaRPr>
+          </a:p>
+        </p:txBody>
+      </p:sp>
+      <p:sp>
+        <p:nvSpPr>
+          <p:cNvPr id="17" name="TextBox 16"/>
+          <p:cNvSpPr txBox="1"/>
+          <p:nvPr/>
+        </p:nvSpPr>
+        <p:spPr>
+          <a:xfrm>
+            <a:off x="6115281" y="5785519"/>
+            <a:ext cx="2415024" cy="307777"/>
+          </a:xfrm>
+          <a:prstGeom prst="rect">
+            <a:avLst/>
+          </a:prstGeom>
+          <a:noFill/>
+        </p:spPr>
+        <p:txBody>
+          <a:bodyPr wrap="square" rtlCol="0">
+            <a:spAutoFit/>
+          </a:bodyPr>
+          <a:lstStyle/>
+          <a:p>
+            <a:pPr algn="ctr"/>
+            <a:r>
+              <a:rPr lang="lt-LT" sz="1400" dirty="0" smtClean="0">
+                <a:latin typeface="+mn-lt"/>
+              </a:rPr>
+              <a:t>Dviejų spalvų</a:t>
+            </a:r>
+            <a:endParaRPr lang="lt-LT" sz="1400" dirty="0">
+              <a:latin typeface="+mn-lt"/>
+            </a:endParaRPr>
+          </a:p>
+        </p:txBody>
+      </p:sp>
+    </p:spTree>
+    <p:extLst>
+      <p:ext uri="{BB962C8B-B14F-4D97-AF65-F5344CB8AC3E}">
+        <p14:creationId xmlns:p14="http://schemas.microsoft.com/office/powerpoint/2010/main" val="44939332"/>
+      </p:ext>
+    </p:extLst>
+  </p:cSld>
+  <p:clrMapOvr>
+    <a:masterClrMapping/>
+  </p:clrMapOvr>
+</p:sld>
+</file>
+
+<file path=ppt/slides/slide15.xml><?xml version="1.0" encoding="utf-8"?>
+<p:sld xmlns:a="http://schemas.openxmlformats.org/drawingml/2006/main" xmlns:r="http://schemas.openxmlformats.org/officeDocument/2006/relationships" xmlns:p="http://schemas.openxmlformats.org/presentationml/2006/main">
+  <p:cSld>
+    <p:spTree>
+      <p:nvGrpSpPr>
+        <p:cNvPr id="1" name=""/>
+        <p:cNvGrpSpPr/>
+        <p:nvPr/>
+      </p:nvGrpSpPr>
+      <p:grpSpPr>
+        <a:xfrm>
+          <a:off x="0" y="0"/>
+          <a:ext cx="0" cy="0"/>
+          <a:chOff x="0" y="0"/>
+          <a:chExt cx="0" cy="0"/>
+        </a:xfrm>
+      </p:grpSpPr>
+      <p:sp>
+        <p:nvSpPr>
+          <p:cNvPr id="2" name="Title 1"/>
+          <p:cNvSpPr>
+            <a:spLocks noGrp="1"/>
+          </p:cNvSpPr>
+          <p:nvPr>
+            <p:ph type="title"/>
+          </p:nvPr>
+        </p:nvSpPr>
+        <p:spPr/>
+        <p:txBody>
+          <a:bodyPr/>
+          <a:lstStyle/>
+          <a:p>
+            <a:r>
+              <a:rPr lang="lt-LT" dirty="0" smtClean="0"/>
+              <a:t>Konvoliucinio tinklo modelis</a:t>
+            </a:r>
+            <a:endParaRPr lang="lt-LT" dirty="0"/>
+          </a:p>
+        </p:txBody>
+      </p:sp>
+      <p:sp>
+        <p:nvSpPr>
+          <p:cNvPr id="3" name="Content Placeholder 2"/>
+          <p:cNvSpPr>
+            <a:spLocks noGrp="1"/>
+          </p:cNvSpPr>
+          <p:nvPr>
+            <p:ph idx="1"/>
+          </p:nvPr>
+        </p:nvSpPr>
+        <p:spPr/>
+        <p:txBody>
+          <a:bodyPr/>
+          <a:lstStyle/>
+          <a:p>
+            <a:r>
+              <a:rPr lang="lt-LT" dirty="0" smtClean="0"/>
+              <a:t>1+5 bandymai;</a:t>
+            </a:r>
+          </a:p>
+          <a:p>
+            <a:r>
+              <a:rPr lang="lt-LT" dirty="0" smtClean="0"/>
+              <a:t>Skirtingi apmokymai;</a:t>
+            </a:r>
+          </a:p>
+          <a:p>
+            <a:r>
+              <a:rPr lang="lt-LT" dirty="0" smtClean="0"/>
+              <a:t>Skirtingi duomenų kiekiai;</a:t>
+            </a:r>
+            <a:endParaRPr lang="lt-LT" dirty="0"/>
+          </a:p>
+        </p:txBody>
+      </p:sp>
+      <p:sp>
+        <p:nvSpPr>
+          <p:cNvPr id="4" name="Date Placeholder 3"/>
+          <p:cNvSpPr>
+            <a:spLocks noGrp="1"/>
+          </p:cNvSpPr>
+          <p:nvPr>
+            <p:ph type="dt" sz="half" idx="10"/>
+          </p:nvPr>
+        </p:nvSpPr>
+        <p:spPr/>
+        <p:txBody>
+          <a:bodyPr/>
+          <a:lstStyle/>
+          <a:p>
+            <a:r>
+              <a:rPr lang="lt-LT" altLang="lt-LT" dirty="0" smtClean="0"/>
+              <a:t>2017-06-26</a:t>
+            </a:r>
+            <a:endParaRPr lang="en-US" altLang="lt-LT" dirty="0"/>
+          </a:p>
+        </p:txBody>
+      </p:sp>
+      <p:sp>
+        <p:nvSpPr>
+          <p:cNvPr id="5" name="Footer Placeholder 4"/>
+          <p:cNvSpPr>
+            <a:spLocks noGrp="1"/>
+          </p:cNvSpPr>
+          <p:nvPr>
+            <p:ph type="ftr" sz="quarter" idx="11"/>
+          </p:nvPr>
+        </p:nvSpPr>
+        <p:spPr/>
+        <p:txBody>
+          <a:bodyPr/>
+          <a:lstStyle/>
+          <a:p>
+            <a:r>
+              <a:rPr lang="lt-LT" altLang="lt-LT" smtClean="0"/>
+              <a:t>VU, MIF</a:t>
+            </a:r>
+            <a:endParaRPr lang="en-US" altLang="lt-LT"/>
+          </a:p>
+        </p:txBody>
+      </p:sp>
+      <p:pic>
+        <p:nvPicPr>
+          <p:cNvPr id="6" name="Picture 5"/>
+          <p:cNvPicPr>
+            <a:picLocks noChangeAspect="1"/>
+          </p:cNvPicPr>
+          <p:nvPr/>
+        </p:nvPicPr>
+        <p:blipFill>
+          <a:blip r:embed="rId2" cstate="print">
+            <a:extLst>
+              <a:ext uri="{28A0092B-C50C-407E-A947-70E740481C1C}">
+                <a14:useLocalDpi xmlns:a14="http://schemas.microsoft.com/office/drawing/2010/main" val="0"/>
+              </a:ext>
+            </a:extLst>
+          </a:blip>
+          <a:stretch>
+            <a:fillRect/>
+          </a:stretch>
+        </p:blipFill>
+        <p:spPr>
+          <a:xfrm>
+            <a:off x="5436096" y="3717032"/>
+            <a:ext cx="2087893" cy="1565920"/>
+          </a:xfrm>
+          <a:prstGeom prst="rect">
+            <a:avLst/>
+          </a:prstGeom>
+        </p:spPr>
+      </p:pic>
+      <p:pic>
+        <p:nvPicPr>
+          <p:cNvPr id="7" name="Picture 6"/>
+          <p:cNvPicPr>
+            <a:picLocks noChangeAspect="1"/>
+          </p:cNvPicPr>
+          <p:nvPr/>
+        </p:nvPicPr>
+        <p:blipFill>
+          <a:blip r:embed="rId3" cstate="print">
+            <a:extLst>
+              <a:ext uri="{28A0092B-C50C-407E-A947-70E740481C1C}">
+                <a14:useLocalDpi xmlns:a14="http://schemas.microsoft.com/office/drawing/2010/main" val="0"/>
+              </a:ext>
+            </a:extLst>
+          </a:blip>
+          <a:stretch>
+            <a:fillRect/>
+          </a:stretch>
+        </p:blipFill>
+        <p:spPr>
+          <a:xfrm>
+            <a:off x="1619672" y="3717032"/>
+            <a:ext cx="2087893" cy="1565920"/>
+          </a:xfrm>
+          <a:prstGeom prst="rect">
+            <a:avLst/>
+          </a:prstGeom>
+        </p:spPr>
+      </p:pic>
+      <p:sp>
+        <p:nvSpPr>
+          <p:cNvPr id="8" name="TextBox 7"/>
+          <p:cNvSpPr txBox="1"/>
+          <p:nvPr/>
+        </p:nvSpPr>
+        <p:spPr>
+          <a:xfrm>
+            <a:off x="1619672" y="5396780"/>
+            <a:ext cx="2087893" cy="307777"/>
+          </a:xfrm>
+          <a:prstGeom prst="rect">
+            <a:avLst/>
+          </a:prstGeom>
+          <a:noFill/>
+        </p:spPr>
+        <p:txBody>
+          <a:bodyPr wrap="square" rtlCol="0">
+            <a:spAutoFit/>
+          </a:bodyPr>
+          <a:lstStyle/>
+          <a:p>
+            <a:pPr algn="ctr"/>
+            <a:r>
+              <a:rPr lang="lt-LT" sz="1400" dirty="0" smtClean="0">
+                <a:latin typeface="+mn-lt"/>
+              </a:rPr>
+              <a:t>K raidės gestas</a:t>
+            </a:r>
+            <a:endParaRPr lang="lt-LT" sz="1400" dirty="0">
+              <a:latin typeface="+mn-lt"/>
+            </a:endParaRPr>
+          </a:p>
+        </p:txBody>
+      </p:sp>
+      <p:sp>
+        <p:nvSpPr>
+          <p:cNvPr id="9" name="TextBox 8"/>
+          <p:cNvSpPr txBox="1"/>
+          <p:nvPr/>
+        </p:nvSpPr>
+        <p:spPr>
+          <a:xfrm>
+            <a:off x="5436095" y="5396780"/>
+            <a:ext cx="2087893" cy="307777"/>
+          </a:xfrm>
+          <a:prstGeom prst="rect">
+            <a:avLst/>
+          </a:prstGeom>
+          <a:noFill/>
+        </p:spPr>
+        <p:txBody>
+          <a:bodyPr wrap="square" rtlCol="0">
+            <a:spAutoFit/>
+          </a:bodyPr>
+          <a:lstStyle/>
+          <a:p>
+            <a:pPr algn="ctr"/>
+            <a:r>
+              <a:rPr lang="lt-LT" sz="1400" dirty="0" smtClean="0">
+                <a:latin typeface="+mn-lt"/>
+              </a:rPr>
+              <a:t>K raidės gestas</a:t>
+            </a:r>
+            <a:endParaRPr lang="lt-LT" sz="1400" dirty="0">
+              <a:latin typeface="+mn-lt"/>
+            </a:endParaRPr>
+          </a:p>
+        </p:txBody>
+      </p:sp>
+    </p:spTree>
+    <p:extLst>
+      <p:ext uri="{BB962C8B-B14F-4D97-AF65-F5344CB8AC3E}">
+        <p14:creationId xmlns:p14="http://schemas.microsoft.com/office/powerpoint/2010/main" val="2185863440"/>
+      </p:ext>
+    </p:extLst>
+  </p:cSld>
+  <p:clrMapOvr>
+    <a:masterClrMapping/>
+  </p:clrMapOvr>
+</p:sld>
+</file>
+
+<file path=ppt/slides/slide16.xml><?xml version="1.0" encoding="utf-8"?>
+<p:sld xmlns:a="http://schemas.openxmlformats.org/drawingml/2006/main" xmlns:r="http://schemas.openxmlformats.org/officeDocument/2006/relationships" xmlns:p="http://schemas.openxmlformats.org/presentationml/2006/main">
+  <p:cSld>
+    <p:spTree>
+      <p:nvGrpSpPr>
+        <p:cNvPr id="1" name=""/>
+        <p:cNvGrpSpPr/>
+        <p:nvPr/>
+      </p:nvGrpSpPr>
+      <p:grpSpPr>
+        <a:xfrm>
+          <a:off x="0" y="0"/>
+          <a:ext cx="0" cy="0"/>
+          <a:chOff x="0" y="0"/>
+          <a:chExt cx="0" cy="0"/>
+        </a:xfrm>
+      </p:grpSpPr>
+      <p:sp>
+        <p:nvSpPr>
+          <p:cNvPr id="2" name="Title 1"/>
+          <p:cNvSpPr>
+            <a:spLocks noGrp="1"/>
+          </p:cNvSpPr>
+          <p:nvPr>
+            <p:ph type="title"/>
+          </p:nvPr>
+        </p:nvSpPr>
+        <p:spPr/>
+        <p:txBody>
+          <a:bodyPr/>
+          <a:lstStyle/>
+          <a:p>
+            <a:r>
+              <a:rPr lang="lt-LT" dirty="0" smtClean="0"/>
+              <a:t>Konvoliucinio tinklo modelis. Nuodugnus apmokymas</a:t>
+            </a:r>
+            <a:endParaRPr lang="lt-LT" dirty="0"/>
+          </a:p>
+        </p:txBody>
+      </p:sp>
+      <p:sp>
+        <p:nvSpPr>
+          <p:cNvPr id="3" name="Content Placeholder 2"/>
+          <p:cNvSpPr>
+            <a:spLocks noGrp="1"/>
+          </p:cNvSpPr>
+          <p:nvPr>
+            <p:ph idx="1"/>
+          </p:nvPr>
+        </p:nvSpPr>
+        <p:spPr/>
+        <p:txBody>
+          <a:bodyPr/>
+          <a:lstStyle/>
+          <a:p>
+            <a:r>
+              <a:rPr lang="lt-LT" dirty="0" smtClean="0"/>
+              <a:t>Pasinaudota VGG16 architektūra;</a:t>
+            </a:r>
+          </a:p>
+          <a:p>
+            <a:r>
+              <a:rPr lang="lt-LT" dirty="0" smtClean="0"/>
+              <a:t>Dvi raidės: A ir B;</a:t>
+            </a:r>
+          </a:p>
+          <a:p>
+            <a:r>
+              <a:rPr lang="lt-LT" dirty="0" smtClean="0"/>
+              <a:t>Trukmė: 2,5 h.;</a:t>
+            </a:r>
+          </a:p>
+          <a:p>
+            <a:r>
+              <a:rPr lang="lt-LT" dirty="0" smtClean="0"/>
+              <a:t>Duomenys: 400 kadrų mokymui ir 200 pasitikrinimui</a:t>
+            </a:r>
+            <a:r>
+              <a:rPr lang="lt-LT" dirty="0"/>
+              <a:t> kiekvienai raidei</a:t>
+            </a:r>
+            <a:r>
+              <a:rPr lang="lt-LT" dirty="0" smtClean="0"/>
+              <a:t>;</a:t>
+            </a:r>
+          </a:p>
+          <a:p>
+            <a:r>
+              <a:rPr lang="lt-LT" dirty="0" smtClean="0"/>
+              <a:t>Rezultatas: 50-60%.</a:t>
+            </a:r>
+            <a:endParaRPr lang="lt-LT" dirty="0"/>
+          </a:p>
+        </p:txBody>
+      </p:sp>
+      <p:sp>
+        <p:nvSpPr>
+          <p:cNvPr id="4" name="Date Placeholder 3"/>
+          <p:cNvSpPr>
+            <a:spLocks noGrp="1"/>
+          </p:cNvSpPr>
+          <p:nvPr>
+            <p:ph type="dt" sz="half" idx="10"/>
+          </p:nvPr>
+        </p:nvSpPr>
+        <p:spPr/>
+        <p:txBody>
+          <a:bodyPr/>
+          <a:lstStyle/>
+          <a:p>
+            <a:r>
+              <a:rPr lang="lt-LT" altLang="lt-LT" smtClean="0"/>
+              <a:t>2017-06-26</a:t>
+            </a:r>
+            <a:endParaRPr lang="en-US" altLang="lt-LT"/>
+          </a:p>
+        </p:txBody>
+      </p:sp>
+      <p:sp>
+        <p:nvSpPr>
+          <p:cNvPr id="5" name="Footer Placeholder 4"/>
+          <p:cNvSpPr>
+            <a:spLocks noGrp="1"/>
+          </p:cNvSpPr>
+          <p:nvPr>
+            <p:ph type="ftr" sz="quarter" idx="11"/>
+          </p:nvPr>
+        </p:nvSpPr>
+        <p:spPr/>
+        <p:txBody>
+          <a:bodyPr/>
+          <a:lstStyle/>
+          <a:p>
+            <a:r>
+              <a:rPr lang="lt-LT" altLang="lt-LT" smtClean="0"/>
+              <a:t>VU, MIF</a:t>
+            </a:r>
+            <a:endParaRPr lang="en-US" altLang="lt-LT"/>
+          </a:p>
+        </p:txBody>
+      </p:sp>
+    </p:spTree>
+    <p:extLst>
+      <p:ext uri="{BB962C8B-B14F-4D97-AF65-F5344CB8AC3E}">
+        <p14:creationId xmlns:p14="http://schemas.microsoft.com/office/powerpoint/2010/main" val="1207648693"/>
+      </p:ext>
+    </p:extLst>
+  </p:cSld>
+  <p:clrMapOvr>
+    <a:masterClrMapping/>
+  </p:clrMapOvr>
+</p:sld>
+</file>
+
+<file path=ppt/slides/slide17.xml><?xml version="1.0" encoding="utf-8"?>
+<p:sld xmlns:a="http://schemas.openxmlformats.org/drawingml/2006/main" xmlns:r="http://schemas.openxmlformats.org/officeDocument/2006/relationships" xmlns:p="http://schemas.openxmlformats.org/presentationml/2006/main">
+  <p:cSld>
+    <p:spTree>
+      <p:nvGrpSpPr>
+        <p:cNvPr id="1" name=""/>
+        <p:cNvGrpSpPr/>
+        <p:nvPr/>
+      </p:nvGrpSpPr>
+      <p:grpSpPr>
+        <a:xfrm>
+          <a:off x="0" y="0"/>
+          <a:ext cx="0" cy="0"/>
+          <a:chOff x="0" y="0"/>
+          <a:chExt cx="0" cy="0"/>
+        </a:xfrm>
+      </p:grpSpPr>
+      <p:sp>
+        <p:nvSpPr>
+          <p:cNvPr id="2" name="Title 1"/>
+          <p:cNvSpPr>
+            <a:spLocks noGrp="1"/>
+          </p:cNvSpPr>
+          <p:nvPr>
+            <p:ph type="title"/>
+          </p:nvPr>
+        </p:nvSpPr>
+        <p:spPr/>
+        <p:txBody>
+          <a:bodyPr/>
+          <a:lstStyle/>
+          <a:p>
+            <a:r>
+              <a:rPr lang="lt-LT" dirty="0" smtClean="0"/>
+              <a:t>Konvoliucinio tinklo modelis. Dalinis apmokymas</a:t>
+            </a:r>
+            <a:endParaRPr lang="lt-LT" dirty="0"/>
+          </a:p>
+        </p:txBody>
+      </p:sp>
+      <p:sp>
+        <p:nvSpPr>
+          <p:cNvPr id="3" name="Content Placeholder 2"/>
+          <p:cNvSpPr>
+            <a:spLocks noGrp="1"/>
+          </p:cNvSpPr>
+          <p:nvPr>
+            <p:ph idx="1"/>
+          </p:nvPr>
+        </p:nvSpPr>
+        <p:spPr/>
+        <p:txBody>
+          <a:bodyPr/>
+          <a:lstStyle/>
+          <a:p>
+            <a:r>
+              <a:rPr lang="lt-LT" dirty="0" smtClean="0"/>
+              <a:t>„Inception-v3“ modelis</a:t>
+            </a:r>
+            <a:endParaRPr lang="lt-LT" dirty="0"/>
+          </a:p>
+        </p:txBody>
+      </p:sp>
+      <p:sp>
+        <p:nvSpPr>
+          <p:cNvPr id="4" name="Date Placeholder 3"/>
+          <p:cNvSpPr>
+            <a:spLocks noGrp="1"/>
+          </p:cNvSpPr>
+          <p:nvPr>
+            <p:ph type="dt" sz="half" idx="10"/>
+          </p:nvPr>
+        </p:nvSpPr>
+        <p:spPr/>
+        <p:txBody>
+          <a:bodyPr/>
+          <a:lstStyle/>
+          <a:p>
+            <a:r>
+              <a:rPr lang="lt-LT" altLang="lt-LT" smtClean="0"/>
+              <a:t>2017-06-26</a:t>
+            </a:r>
+            <a:endParaRPr lang="en-US" altLang="lt-LT"/>
+          </a:p>
+        </p:txBody>
+      </p:sp>
+      <p:sp>
+        <p:nvSpPr>
+          <p:cNvPr id="5" name="Footer Placeholder 4"/>
+          <p:cNvSpPr>
+            <a:spLocks noGrp="1"/>
+          </p:cNvSpPr>
+          <p:nvPr>
+            <p:ph type="ftr" sz="quarter" idx="11"/>
+          </p:nvPr>
+        </p:nvSpPr>
+        <p:spPr/>
+        <p:txBody>
+          <a:bodyPr/>
+          <a:lstStyle/>
+          <a:p>
+            <a:r>
+              <a:rPr lang="lt-LT" altLang="lt-LT" smtClean="0"/>
+              <a:t>VU, MIF</a:t>
+            </a:r>
+            <a:endParaRPr lang="en-US" altLang="lt-LT"/>
+          </a:p>
+        </p:txBody>
+      </p:sp>
+      <p:pic>
+        <p:nvPicPr>
+          <p:cNvPr id="6" name="Picture 5"/>
+          <p:cNvPicPr>
+            <a:picLocks noChangeAspect="1"/>
+          </p:cNvPicPr>
+          <p:nvPr/>
+        </p:nvPicPr>
+        <p:blipFill>
+          <a:blip r:embed="rId2" cstate="print">
+            <a:extLst>
+              <a:ext uri="{28A0092B-C50C-407E-A947-70E740481C1C}">
+                <a14:useLocalDpi xmlns:a14="http://schemas.microsoft.com/office/drawing/2010/main" val="0"/>
+              </a:ext>
+            </a:extLst>
+          </a:blip>
+          <a:stretch>
+            <a:fillRect/>
+          </a:stretch>
+        </p:blipFill>
+        <p:spPr>
+          <a:xfrm>
+            <a:off x="1211188" y="2446403"/>
+            <a:ext cx="7596336" cy="2833555"/>
+          </a:xfrm>
+          <a:prstGeom prst="rect">
+            <a:avLst/>
+          </a:prstGeom>
+        </p:spPr>
+      </p:pic>
+    </p:spTree>
+    <p:extLst>
+      <p:ext uri="{BB962C8B-B14F-4D97-AF65-F5344CB8AC3E}">
+        <p14:creationId xmlns:p14="http://schemas.microsoft.com/office/powerpoint/2010/main" val="3594823225"/>
+      </p:ext>
+    </p:extLst>
+  </p:cSld>
+  <p:clrMapOvr>
+    <a:masterClrMapping/>
+  </p:clrMapOvr>
+  <p:timing>
+    <p:tnLst>
+      <p:par>
+        <p:cTn id="1" dur="indefinite" restart="never" nodeType="tmRoot"/>
+      </p:par>
+    </p:tnLst>
+  </p:timing>
+</p:sld>
+</file>
+
+<file path=ppt/slides/slide18.xml><?xml version="1.0" encoding="utf-8"?>
+<p:sld xmlns:a="http://schemas.openxmlformats.org/drawingml/2006/main" xmlns:r="http://schemas.openxmlformats.org/officeDocument/2006/relationships" xmlns:p="http://schemas.openxmlformats.org/presentationml/2006/main">
+  <p:cSld>
+    <p:spTree>
+      <p:nvGrpSpPr>
+        <p:cNvPr id="1" name=""/>
+        <p:cNvGrpSpPr/>
+        <p:nvPr/>
+      </p:nvGrpSpPr>
+      <p:grpSpPr>
+        <a:xfrm>
+          <a:off x="0" y="0"/>
+          <a:ext cx="0" cy="0"/>
+          <a:chOff x="0" y="0"/>
+          <a:chExt cx="0" cy="0"/>
+        </a:xfrm>
+      </p:grpSpPr>
+      <p:sp>
+        <p:nvSpPr>
+          <p:cNvPr id="2" name="Title 1"/>
+          <p:cNvSpPr>
+            <a:spLocks noGrp="1"/>
+          </p:cNvSpPr>
+          <p:nvPr>
+            <p:ph type="title"/>
+          </p:nvPr>
+        </p:nvSpPr>
+        <p:spPr/>
+        <p:txBody>
+          <a:bodyPr/>
+          <a:lstStyle/>
+          <a:p>
+            <a:r>
+              <a:rPr lang="lt-LT" dirty="0" smtClean="0"/>
+              <a:t>Konvoliucinio tinklo modelis.</a:t>
+            </a:r>
+            <a:br>
+              <a:rPr lang="lt-LT" dirty="0" smtClean="0"/>
+            </a:br>
+            <a:r>
+              <a:rPr lang="lt-LT" dirty="0" smtClean="0"/>
+              <a:t>Pirmas bandymas</a:t>
+            </a:r>
+            <a:endParaRPr lang="lt-LT" dirty="0"/>
+          </a:p>
+        </p:txBody>
+      </p:sp>
+      <p:sp>
+        <p:nvSpPr>
+          <p:cNvPr id="3" name="Content Placeholder 2"/>
+          <p:cNvSpPr>
+            <a:spLocks noGrp="1"/>
+          </p:cNvSpPr>
+          <p:nvPr>
+            <p:ph idx="1"/>
+          </p:nvPr>
+        </p:nvSpPr>
+        <p:spPr/>
+        <p:txBody>
+          <a:bodyPr/>
+          <a:lstStyle/>
+          <a:p>
+            <a:r>
+              <a:rPr lang="lt-LT" dirty="0" smtClean="0"/>
+              <a:t>Dvi raidės – A ir B;</a:t>
+            </a:r>
+          </a:p>
+          <a:p>
+            <a:r>
+              <a:rPr lang="lt-LT" b="1" dirty="0" smtClean="0"/>
+              <a:t>Duomenys</a:t>
+            </a:r>
+            <a:r>
+              <a:rPr lang="lt-LT" dirty="0" smtClean="0"/>
+              <a:t>: 400 kadrų</a:t>
+            </a:r>
+            <a:r>
+              <a:rPr lang="lt-LT" dirty="0"/>
+              <a:t> kiekvienai raidei</a:t>
+            </a:r>
+            <a:r>
+              <a:rPr lang="lt-LT" dirty="0" smtClean="0"/>
+              <a:t>;</a:t>
+            </a:r>
+          </a:p>
+          <a:p>
+            <a:r>
+              <a:rPr lang="lt-LT" b="1" dirty="0" smtClean="0"/>
+              <a:t>Trukmė</a:t>
+            </a:r>
+            <a:r>
+              <a:rPr lang="lt-LT" dirty="0" smtClean="0"/>
+              <a:t>: ~5 min;</a:t>
+            </a:r>
+          </a:p>
+          <a:p>
+            <a:r>
+              <a:rPr lang="lt-LT" b="1" dirty="0" smtClean="0"/>
+              <a:t>Rezultatas</a:t>
+            </a:r>
+            <a:r>
+              <a:rPr lang="lt-LT" dirty="0" smtClean="0"/>
+              <a:t>: 95-98%.</a:t>
+            </a:r>
+            <a:endParaRPr lang="lt-LT" dirty="0"/>
+          </a:p>
+        </p:txBody>
+      </p:sp>
+      <p:sp>
+        <p:nvSpPr>
+          <p:cNvPr id="4" name="Date Placeholder 3"/>
+          <p:cNvSpPr>
+            <a:spLocks noGrp="1"/>
+          </p:cNvSpPr>
+          <p:nvPr>
+            <p:ph type="dt" sz="half" idx="10"/>
+          </p:nvPr>
+        </p:nvSpPr>
+        <p:spPr/>
+        <p:txBody>
+          <a:bodyPr/>
+          <a:lstStyle/>
+          <a:p>
+            <a:r>
+              <a:rPr lang="lt-LT" altLang="lt-LT" smtClean="0"/>
+              <a:t>2017-06-26</a:t>
+            </a:r>
+            <a:endParaRPr lang="en-US" altLang="lt-LT"/>
+          </a:p>
+        </p:txBody>
+      </p:sp>
+      <p:sp>
+        <p:nvSpPr>
+          <p:cNvPr id="5" name="Footer Placeholder 4"/>
+          <p:cNvSpPr>
+            <a:spLocks noGrp="1"/>
+          </p:cNvSpPr>
+          <p:nvPr>
+            <p:ph type="ftr" sz="quarter" idx="11"/>
+          </p:nvPr>
+        </p:nvSpPr>
+        <p:spPr/>
+        <p:txBody>
+          <a:bodyPr/>
+          <a:lstStyle/>
+          <a:p>
+            <a:r>
+              <a:rPr lang="lt-LT" altLang="lt-LT" smtClean="0"/>
+              <a:t>VU, MIF</a:t>
+            </a:r>
+            <a:endParaRPr lang="en-US" altLang="lt-LT"/>
+          </a:p>
+        </p:txBody>
+      </p:sp>
+    </p:spTree>
+    <p:extLst>
+      <p:ext uri="{BB962C8B-B14F-4D97-AF65-F5344CB8AC3E}">
+        <p14:creationId xmlns:p14="http://schemas.microsoft.com/office/powerpoint/2010/main" val="338418584"/>
+      </p:ext>
+    </p:extLst>
+  </p:cSld>
+  <p:clrMapOvr>
+    <a:masterClrMapping/>
+  </p:clrMapOvr>
+  <p:timing>
+    <p:tnLst>
+      <p:par>
+        <p:cTn id="1" dur="indefinite" restart="never" nodeType="tmRoot"/>
+      </p:par>
+    </p:tnLst>
+  </p:timing>
+</p:sld>
+</file>
+
+<file path=ppt/slides/slide19.xml><?xml version="1.0" encoding="utf-8"?>
+<p:sld xmlns:a="http://schemas.openxmlformats.org/drawingml/2006/main" xmlns:r="http://schemas.openxmlformats.org/officeDocument/2006/relationships" xmlns:p="http://schemas.openxmlformats.org/presentationml/2006/main">
+  <p:cSld>
+    <p:spTree>
+      <p:nvGrpSpPr>
+        <p:cNvPr id="1" name=""/>
+        <p:cNvGrpSpPr/>
+        <p:nvPr/>
+      </p:nvGrpSpPr>
+      <p:grpSpPr>
+        <a:xfrm>
+          <a:off x="0" y="0"/>
+          <a:ext cx="0" cy="0"/>
+          <a:chOff x="0" y="0"/>
+          <a:chExt cx="0" cy="0"/>
+        </a:xfrm>
+      </p:grpSpPr>
+      <p:sp>
+        <p:nvSpPr>
+          <p:cNvPr id="2" name="Title 1"/>
+          <p:cNvSpPr>
+            <a:spLocks noGrp="1"/>
+          </p:cNvSpPr>
+          <p:nvPr>
+            <p:ph type="title"/>
+          </p:nvPr>
+        </p:nvSpPr>
+        <p:spPr/>
+        <p:txBody>
+          <a:bodyPr/>
+          <a:lstStyle/>
+          <a:p>
+            <a:r>
+              <a:rPr lang="lt-LT" dirty="0" smtClean="0"/>
+              <a:t>Konvoliucinio tinklo modelis.</a:t>
+            </a:r>
+            <a:br>
+              <a:rPr lang="lt-LT" dirty="0" smtClean="0"/>
+            </a:br>
+            <a:r>
+              <a:rPr lang="lt-LT" dirty="0" smtClean="0"/>
+              <a:t>Antras bandymas</a:t>
+            </a:r>
+            <a:endParaRPr lang="lt-LT" dirty="0"/>
+          </a:p>
+        </p:txBody>
+      </p:sp>
+      <p:sp>
+        <p:nvSpPr>
+          <p:cNvPr id="3" name="Content Placeholder 2"/>
+          <p:cNvSpPr>
+            <a:spLocks noGrp="1"/>
+          </p:cNvSpPr>
+          <p:nvPr>
+            <p:ph idx="1"/>
+          </p:nvPr>
+        </p:nvSpPr>
+        <p:spPr/>
+        <p:txBody>
+          <a:bodyPr/>
+          <a:lstStyle/>
+          <a:p>
+            <a:r>
+              <a:rPr lang="lt-LT" b="1" dirty="0" smtClean="0"/>
+              <a:t>Duomenys</a:t>
+            </a:r>
+            <a:r>
+              <a:rPr lang="lt-LT" dirty="0"/>
+              <a:t>: 400 </a:t>
+            </a:r>
+            <a:r>
+              <a:rPr lang="lt-LT" dirty="0" smtClean="0"/>
+              <a:t>kadrų</a:t>
+            </a:r>
+            <a:r>
+              <a:rPr lang="lt-LT" dirty="0"/>
+              <a:t> kiekvienai raidei</a:t>
+            </a:r>
+            <a:r>
+              <a:rPr lang="lt-LT" dirty="0" smtClean="0"/>
+              <a:t>;</a:t>
+            </a:r>
+            <a:endParaRPr lang="lt-LT" dirty="0"/>
+          </a:p>
+          <a:p>
+            <a:r>
+              <a:rPr lang="lt-LT" b="1" dirty="0"/>
+              <a:t>Trukmė</a:t>
+            </a:r>
+            <a:r>
+              <a:rPr lang="lt-LT" dirty="0"/>
+              <a:t>: </a:t>
+            </a:r>
+            <a:r>
+              <a:rPr lang="lt-LT" dirty="0" smtClean="0"/>
+              <a:t>~30 </a:t>
+            </a:r>
+            <a:r>
+              <a:rPr lang="lt-LT" dirty="0"/>
+              <a:t>min</a:t>
+            </a:r>
+            <a:r>
+              <a:rPr lang="lt-LT" dirty="0" smtClean="0"/>
+              <a:t>;</a:t>
+            </a:r>
+          </a:p>
+          <a:p>
+            <a:r>
+              <a:rPr lang="lt-LT" b="1" dirty="0" smtClean="0"/>
+              <a:t>Žingsniai</a:t>
+            </a:r>
+            <a:r>
+              <a:rPr lang="lt-LT" dirty="0" smtClean="0"/>
+              <a:t>: 500;</a:t>
+            </a:r>
+            <a:endParaRPr lang="lt-LT" b="1" dirty="0"/>
+          </a:p>
+          <a:p>
+            <a:r>
+              <a:rPr lang="lt-LT" b="1" dirty="0"/>
+              <a:t>Rezultatas</a:t>
+            </a:r>
+            <a:r>
+              <a:rPr lang="lt-LT" dirty="0"/>
+              <a:t>: </a:t>
+            </a:r>
+            <a:r>
+              <a:rPr lang="lt-LT" dirty="0" smtClean="0"/>
+              <a:t>~60% ir ~60%.</a:t>
+            </a:r>
+            <a:endParaRPr lang="lt-LT" dirty="0"/>
+          </a:p>
+        </p:txBody>
+      </p:sp>
+      <p:sp>
+        <p:nvSpPr>
+          <p:cNvPr id="4" name="Date Placeholder 3"/>
+          <p:cNvSpPr>
+            <a:spLocks noGrp="1"/>
+          </p:cNvSpPr>
+          <p:nvPr>
+            <p:ph type="dt" sz="half" idx="10"/>
+          </p:nvPr>
+        </p:nvSpPr>
+        <p:spPr/>
+        <p:txBody>
+          <a:bodyPr/>
+          <a:lstStyle/>
+          <a:p>
+            <a:r>
+              <a:rPr lang="lt-LT" altLang="lt-LT" smtClean="0"/>
+              <a:t>2017-06-26</a:t>
+            </a:r>
+            <a:endParaRPr lang="en-US" altLang="lt-LT"/>
+          </a:p>
+        </p:txBody>
+      </p:sp>
+      <p:sp>
+        <p:nvSpPr>
+          <p:cNvPr id="5" name="Footer Placeholder 4"/>
+          <p:cNvSpPr>
+            <a:spLocks noGrp="1"/>
+          </p:cNvSpPr>
+          <p:nvPr>
+            <p:ph type="ftr" sz="quarter" idx="11"/>
+          </p:nvPr>
+        </p:nvSpPr>
+        <p:spPr/>
+        <p:txBody>
+          <a:bodyPr/>
+          <a:lstStyle/>
+          <a:p>
+            <a:r>
+              <a:rPr lang="lt-LT" altLang="lt-LT" smtClean="0"/>
+              <a:t>VU, MIF</a:t>
+            </a:r>
+            <a:endParaRPr lang="en-US" altLang="lt-LT"/>
+          </a:p>
+        </p:txBody>
+      </p:sp>
+      <p:pic>
+        <p:nvPicPr>
+          <p:cNvPr id="6" name="Picture 5"/>
+          <p:cNvPicPr>
+            <a:picLocks noChangeAspect="1"/>
+          </p:cNvPicPr>
+          <p:nvPr/>
+        </p:nvPicPr>
+        <p:blipFill>
+          <a:blip r:embed="rId2" cstate="print">
+            <a:extLst>
+              <a:ext uri="{28A0092B-C50C-407E-A947-70E740481C1C}">
+                <a14:useLocalDpi xmlns:a14="http://schemas.microsoft.com/office/drawing/2010/main" val="0"/>
+              </a:ext>
+            </a:extLst>
+          </a:blip>
+          <a:stretch>
+            <a:fillRect/>
+          </a:stretch>
+        </p:blipFill>
+        <p:spPr>
+          <a:xfrm>
+            <a:off x="1971567" y="4149080"/>
+            <a:ext cx="5200866" cy="1800000"/>
+          </a:xfrm>
+          <a:prstGeom prst="rect">
+            <a:avLst/>
+          </a:prstGeom>
+        </p:spPr>
+      </p:pic>
+    </p:spTree>
+    <p:extLst>
+      <p:ext uri="{BB962C8B-B14F-4D97-AF65-F5344CB8AC3E}">
+        <p14:creationId xmlns:p14="http://schemas.microsoft.com/office/powerpoint/2010/main" val="2943041262"/>
       </p:ext>
     </p:extLst>
   </p:cSld>
@@ -4543,7 +6368,7 @@
           <a:p>
             <a:r>
               <a:rPr lang="lt-LT" dirty="0" smtClean="0"/>
-              <a:t>Gestų kalba</a:t>
+              <a:t>Darbo tikslas ir uždaviniai;</a:t>
             </a:r>
           </a:p>
           <a:p>
@@ -4551,6 +6376,28 @@
               <a:rPr lang="lt-LT" dirty="0" smtClean="0"/>
               <a:t>Tyrimas</a:t>
             </a:r>
+          </a:p>
+          <a:p>
+            <a:pPr lvl="1"/>
+            <a:r>
+              <a:rPr lang="lt-LT" dirty="0" smtClean="0"/>
+              <a:t>Gestų kalba;</a:t>
+            </a:r>
+          </a:p>
+          <a:p>
+            <a:pPr lvl="1"/>
+            <a:r>
+              <a:rPr lang="lt-LT" dirty="0" smtClean="0"/>
+              <a:t>Neuroniniai tinklai;</a:t>
+            </a:r>
+          </a:p>
+          <a:p>
+            <a:pPr lvl="1"/>
+            <a:r>
+              <a:rPr lang="lt-LT" dirty="0" smtClean="0"/>
+              <a:t>Bandymai.</a:t>
+            </a:r>
+            <a:endParaRPr lang="lt-LT" dirty="0" smtClean="0"/>
           </a:p>
           <a:p>
             <a:endParaRPr lang="lt-LT" dirty="0"/>
@@ -4607,6 +6454,3164 @@
     <p:extLst>
       <p:ext uri="{BB962C8B-B14F-4D97-AF65-F5344CB8AC3E}">
         <p14:creationId xmlns:p14="http://schemas.microsoft.com/office/powerpoint/2010/main" val="1785479336"/>
+      </p:ext>
+    </p:extLst>
+  </p:cSld>
+  <p:clrMapOvr>
+    <a:masterClrMapping/>
+  </p:clrMapOvr>
+  <p:timing>
+    <p:tnLst>
+      <p:par>
+        <p:cTn id="1" dur="indefinite" restart="never" nodeType="tmRoot"/>
+      </p:par>
+    </p:tnLst>
+  </p:timing>
+</p:sld>
+</file>
+
+<file path=ppt/slides/slide20.xml><?xml version="1.0" encoding="utf-8"?>
+<p:sld xmlns:a="http://schemas.openxmlformats.org/drawingml/2006/main" xmlns:r="http://schemas.openxmlformats.org/officeDocument/2006/relationships" xmlns:p="http://schemas.openxmlformats.org/presentationml/2006/main">
+  <p:cSld>
+    <p:spTree>
+      <p:nvGrpSpPr>
+        <p:cNvPr id="1" name=""/>
+        <p:cNvGrpSpPr/>
+        <p:nvPr/>
+      </p:nvGrpSpPr>
+      <p:grpSpPr>
+        <a:xfrm>
+          <a:off x="0" y="0"/>
+          <a:ext cx="0" cy="0"/>
+          <a:chOff x="0" y="0"/>
+          <a:chExt cx="0" cy="0"/>
+        </a:xfrm>
+      </p:grpSpPr>
+      <p:sp>
+        <p:nvSpPr>
+          <p:cNvPr id="2" name="Title 1"/>
+          <p:cNvSpPr>
+            <a:spLocks noGrp="1"/>
+          </p:cNvSpPr>
+          <p:nvPr>
+            <p:ph type="title"/>
+          </p:nvPr>
+        </p:nvSpPr>
+        <p:spPr/>
+        <p:txBody>
+          <a:bodyPr/>
+          <a:lstStyle/>
+          <a:p>
+            <a:r>
+              <a:rPr lang="lt-LT" dirty="0" smtClean="0"/>
+              <a:t>Konvoliucinio tinklo modelis.</a:t>
+            </a:r>
+            <a:br>
+              <a:rPr lang="lt-LT" dirty="0" smtClean="0"/>
+            </a:br>
+            <a:r>
+              <a:rPr lang="lt-LT" dirty="0" smtClean="0"/>
+              <a:t>Trečias bandymas</a:t>
+            </a:r>
+            <a:endParaRPr lang="lt-LT" dirty="0"/>
+          </a:p>
+        </p:txBody>
+      </p:sp>
+      <p:sp>
+        <p:nvSpPr>
+          <p:cNvPr id="3" name="Content Placeholder 2"/>
+          <p:cNvSpPr>
+            <a:spLocks noGrp="1"/>
+          </p:cNvSpPr>
+          <p:nvPr>
+            <p:ph idx="1"/>
+          </p:nvPr>
+        </p:nvSpPr>
+        <p:spPr/>
+        <p:txBody>
+          <a:bodyPr/>
+          <a:lstStyle/>
+          <a:p>
+            <a:r>
+              <a:rPr lang="lt-LT" b="1" dirty="0" smtClean="0"/>
+              <a:t>Duomenys</a:t>
+            </a:r>
+            <a:r>
+              <a:rPr lang="lt-LT" dirty="0"/>
+              <a:t>: 400 </a:t>
+            </a:r>
+            <a:r>
+              <a:rPr lang="lt-LT" dirty="0" smtClean="0"/>
+              <a:t>kadrų</a:t>
+            </a:r>
+            <a:r>
+              <a:rPr lang="lt-LT" dirty="0"/>
+              <a:t> kiekvienai raidei</a:t>
+            </a:r>
+            <a:r>
+              <a:rPr lang="lt-LT" dirty="0" smtClean="0"/>
+              <a:t>;</a:t>
+            </a:r>
+            <a:endParaRPr lang="lt-LT" dirty="0"/>
+          </a:p>
+          <a:p>
+            <a:r>
+              <a:rPr lang="lt-LT" b="1" dirty="0"/>
+              <a:t>Trukmė</a:t>
+            </a:r>
+            <a:r>
+              <a:rPr lang="lt-LT" dirty="0"/>
+              <a:t>: </a:t>
+            </a:r>
+            <a:r>
+              <a:rPr lang="lt-LT" dirty="0" smtClean="0"/>
+              <a:t>~30 </a:t>
+            </a:r>
+            <a:r>
+              <a:rPr lang="lt-LT" dirty="0"/>
+              <a:t>min</a:t>
+            </a:r>
+            <a:r>
+              <a:rPr lang="lt-LT" dirty="0" smtClean="0"/>
+              <a:t>;</a:t>
+            </a:r>
+          </a:p>
+          <a:p>
+            <a:r>
+              <a:rPr lang="lt-LT" b="1" dirty="0"/>
+              <a:t>Žingsniai</a:t>
+            </a:r>
+            <a:r>
+              <a:rPr lang="lt-LT" dirty="0"/>
+              <a:t>: </a:t>
+            </a:r>
+            <a:r>
+              <a:rPr lang="lt-LT" dirty="0" smtClean="0"/>
+              <a:t>5000</a:t>
+            </a:r>
+            <a:r>
+              <a:rPr lang="lt-LT" dirty="0"/>
+              <a:t>;</a:t>
+            </a:r>
+          </a:p>
+          <a:p>
+            <a:r>
+              <a:rPr lang="lt-LT" b="1" dirty="0"/>
+              <a:t>Rezultatas</a:t>
+            </a:r>
+            <a:r>
+              <a:rPr lang="lt-LT" dirty="0"/>
+              <a:t>: </a:t>
+            </a:r>
+            <a:r>
+              <a:rPr lang="lt-LT" dirty="0" smtClean="0"/>
+              <a:t>85% ir 77%.</a:t>
+            </a:r>
+            <a:endParaRPr lang="lt-LT" dirty="0"/>
+          </a:p>
+        </p:txBody>
+      </p:sp>
+      <p:sp>
+        <p:nvSpPr>
+          <p:cNvPr id="4" name="Date Placeholder 3"/>
+          <p:cNvSpPr>
+            <a:spLocks noGrp="1"/>
+          </p:cNvSpPr>
+          <p:nvPr>
+            <p:ph type="dt" sz="half" idx="10"/>
+          </p:nvPr>
+        </p:nvSpPr>
+        <p:spPr/>
+        <p:txBody>
+          <a:bodyPr/>
+          <a:lstStyle/>
+          <a:p>
+            <a:r>
+              <a:rPr lang="lt-LT" altLang="lt-LT" smtClean="0"/>
+              <a:t>2017-06-26</a:t>
+            </a:r>
+            <a:endParaRPr lang="en-US" altLang="lt-LT"/>
+          </a:p>
+        </p:txBody>
+      </p:sp>
+      <p:sp>
+        <p:nvSpPr>
+          <p:cNvPr id="5" name="Footer Placeholder 4"/>
+          <p:cNvSpPr>
+            <a:spLocks noGrp="1"/>
+          </p:cNvSpPr>
+          <p:nvPr>
+            <p:ph type="ftr" sz="quarter" idx="11"/>
+          </p:nvPr>
+        </p:nvSpPr>
+        <p:spPr/>
+        <p:txBody>
+          <a:bodyPr/>
+          <a:lstStyle/>
+          <a:p>
+            <a:r>
+              <a:rPr lang="lt-LT" altLang="lt-LT" smtClean="0"/>
+              <a:t>VU, MIF</a:t>
+            </a:r>
+            <a:endParaRPr lang="en-US" altLang="lt-LT"/>
+          </a:p>
+        </p:txBody>
+      </p:sp>
+      <p:pic>
+        <p:nvPicPr>
+          <p:cNvPr id="6" name="Picture 5"/>
+          <p:cNvPicPr>
+            <a:picLocks noChangeAspect="1"/>
+          </p:cNvPicPr>
+          <p:nvPr/>
+        </p:nvPicPr>
+        <p:blipFill>
+          <a:blip r:embed="rId2" cstate="print">
+            <a:extLst>
+              <a:ext uri="{28A0092B-C50C-407E-A947-70E740481C1C}">
+                <a14:useLocalDpi xmlns:a14="http://schemas.microsoft.com/office/drawing/2010/main" val="0"/>
+              </a:ext>
+            </a:extLst>
+          </a:blip>
+          <a:stretch>
+            <a:fillRect/>
+          </a:stretch>
+        </p:blipFill>
+        <p:spPr>
+          <a:xfrm>
+            <a:off x="1903857" y="4149080"/>
+            <a:ext cx="5336285" cy="1800000"/>
+          </a:xfrm>
+          <a:prstGeom prst="rect">
+            <a:avLst/>
+          </a:prstGeom>
+        </p:spPr>
+      </p:pic>
+    </p:spTree>
+    <p:extLst>
+      <p:ext uri="{BB962C8B-B14F-4D97-AF65-F5344CB8AC3E}">
+        <p14:creationId xmlns:p14="http://schemas.microsoft.com/office/powerpoint/2010/main" val="3201405830"/>
+      </p:ext>
+    </p:extLst>
+  </p:cSld>
+  <p:clrMapOvr>
+    <a:masterClrMapping/>
+  </p:clrMapOvr>
+  <p:timing>
+    <p:tnLst>
+      <p:par>
+        <p:cTn id="1" dur="indefinite" restart="never" nodeType="tmRoot"/>
+      </p:par>
+    </p:tnLst>
+  </p:timing>
+</p:sld>
+</file>
+
+<file path=ppt/slides/slide21.xml><?xml version="1.0" encoding="utf-8"?>
+<p:sld xmlns:a="http://schemas.openxmlformats.org/drawingml/2006/main" xmlns:r="http://schemas.openxmlformats.org/officeDocument/2006/relationships" xmlns:p="http://schemas.openxmlformats.org/presentationml/2006/main">
+  <p:cSld>
+    <p:spTree>
+      <p:nvGrpSpPr>
+        <p:cNvPr id="1" name=""/>
+        <p:cNvGrpSpPr/>
+        <p:nvPr/>
+      </p:nvGrpSpPr>
+      <p:grpSpPr>
+        <a:xfrm>
+          <a:off x="0" y="0"/>
+          <a:ext cx="0" cy="0"/>
+          <a:chOff x="0" y="0"/>
+          <a:chExt cx="0" cy="0"/>
+        </a:xfrm>
+      </p:grpSpPr>
+      <p:sp>
+        <p:nvSpPr>
+          <p:cNvPr id="2" name="Title 1"/>
+          <p:cNvSpPr>
+            <a:spLocks noGrp="1"/>
+          </p:cNvSpPr>
+          <p:nvPr>
+            <p:ph type="title"/>
+          </p:nvPr>
+        </p:nvSpPr>
+        <p:spPr/>
+        <p:txBody>
+          <a:bodyPr/>
+          <a:lstStyle/>
+          <a:p>
+            <a:r>
+              <a:rPr lang="lt-LT" dirty="0" smtClean="0"/>
+              <a:t>Konvoliucinio tinklo modelis.</a:t>
+            </a:r>
+            <a:br>
+              <a:rPr lang="lt-LT" dirty="0" smtClean="0"/>
+            </a:br>
+            <a:r>
+              <a:rPr lang="lt-LT" dirty="0" smtClean="0"/>
+              <a:t>Ketvirtas bandymas</a:t>
+            </a:r>
+            <a:endParaRPr lang="lt-LT" dirty="0"/>
+          </a:p>
+        </p:txBody>
+      </p:sp>
+      <p:sp>
+        <p:nvSpPr>
+          <p:cNvPr id="3" name="Content Placeholder 2"/>
+          <p:cNvSpPr>
+            <a:spLocks noGrp="1"/>
+          </p:cNvSpPr>
+          <p:nvPr>
+            <p:ph idx="1"/>
+          </p:nvPr>
+        </p:nvSpPr>
+        <p:spPr/>
+        <p:txBody>
+          <a:bodyPr/>
+          <a:lstStyle/>
+          <a:p>
+            <a:r>
+              <a:rPr lang="lt-LT" b="1" dirty="0"/>
+              <a:t>Duomenys</a:t>
+            </a:r>
+            <a:r>
+              <a:rPr lang="lt-LT" dirty="0"/>
+              <a:t>: </a:t>
+            </a:r>
+            <a:r>
+              <a:rPr lang="lt-LT" dirty="0" smtClean="0"/>
+              <a:t>1000 kadrų kiekvienai raidei;</a:t>
+            </a:r>
+            <a:endParaRPr lang="lt-LT" dirty="0"/>
+          </a:p>
+          <a:p>
+            <a:r>
+              <a:rPr lang="lt-LT" b="1" dirty="0"/>
+              <a:t>Trukmė</a:t>
+            </a:r>
+            <a:r>
+              <a:rPr lang="lt-LT" dirty="0"/>
+              <a:t>: </a:t>
+            </a:r>
+            <a:r>
+              <a:rPr lang="lt-LT" dirty="0" smtClean="0"/>
+              <a:t>~45 </a:t>
+            </a:r>
+            <a:r>
+              <a:rPr lang="lt-LT" dirty="0"/>
+              <a:t>min;</a:t>
+            </a:r>
+          </a:p>
+          <a:p>
+            <a:r>
+              <a:rPr lang="lt-LT" b="1" dirty="0"/>
+              <a:t>Žingsniai</a:t>
+            </a:r>
+            <a:r>
+              <a:rPr lang="lt-LT" dirty="0"/>
+              <a:t>: 5000;</a:t>
+            </a:r>
+          </a:p>
+          <a:p>
+            <a:r>
+              <a:rPr lang="lt-LT" b="1" dirty="0"/>
+              <a:t>Rezultatas</a:t>
+            </a:r>
+            <a:r>
+              <a:rPr lang="lt-LT" dirty="0"/>
+              <a:t>: </a:t>
+            </a:r>
+            <a:r>
+              <a:rPr lang="lt-LT" dirty="0" smtClean="0"/>
+              <a:t>85% ir 79%.</a:t>
+            </a:r>
+            <a:endParaRPr lang="lt-LT" dirty="0"/>
+          </a:p>
+        </p:txBody>
+      </p:sp>
+      <p:sp>
+        <p:nvSpPr>
+          <p:cNvPr id="4" name="Date Placeholder 3"/>
+          <p:cNvSpPr>
+            <a:spLocks noGrp="1"/>
+          </p:cNvSpPr>
+          <p:nvPr>
+            <p:ph type="dt" sz="half" idx="10"/>
+          </p:nvPr>
+        </p:nvSpPr>
+        <p:spPr/>
+        <p:txBody>
+          <a:bodyPr/>
+          <a:lstStyle/>
+          <a:p>
+            <a:r>
+              <a:rPr lang="lt-LT" altLang="lt-LT" smtClean="0"/>
+              <a:t>2017-06-26</a:t>
+            </a:r>
+            <a:endParaRPr lang="en-US" altLang="lt-LT"/>
+          </a:p>
+        </p:txBody>
+      </p:sp>
+      <p:sp>
+        <p:nvSpPr>
+          <p:cNvPr id="5" name="Footer Placeholder 4"/>
+          <p:cNvSpPr>
+            <a:spLocks noGrp="1"/>
+          </p:cNvSpPr>
+          <p:nvPr>
+            <p:ph type="ftr" sz="quarter" idx="11"/>
+          </p:nvPr>
+        </p:nvSpPr>
+        <p:spPr/>
+        <p:txBody>
+          <a:bodyPr/>
+          <a:lstStyle/>
+          <a:p>
+            <a:r>
+              <a:rPr lang="lt-LT" altLang="lt-LT" smtClean="0"/>
+              <a:t>VU, MIF</a:t>
+            </a:r>
+            <a:endParaRPr lang="en-US" altLang="lt-LT"/>
+          </a:p>
+        </p:txBody>
+      </p:sp>
+      <p:pic>
+        <p:nvPicPr>
+          <p:cNvPr id="6" name="Picture 5"/>
+          <p:cNvPicPr>
+            <a:picLocks noChangeAspect="1"/>
+          </p:cNvPicPr>
+          <p:nvPr/>
+        </p:nvPicPr>
+        <p:blipFill>
+          <a:blip r:embed="rId2">
+            <a:extLst>
+              <a:ext uri="{28A0092B-C50C-407E-A947-70E740481C1C}">
+                <a14:useLocalDpi xmlns:a14="http://schemas.microsoft.com/office/drawing/2010/main" val="0"/>
+              </a:ext>
+            </a:extLst>
+          </a:blip>
+          <a:stretch>
+            <a:fillRect/>
+          </a:stretch>
+        </p:blipFill>
+        <p:spPr>
+          <a:xfrm>
+            <a:off x="1133478" y="4149080"/>
+            <a:ext cx="6877044" cy="1800000"/>
+          </a:xfrm>
+          <a:prstGeom prst="rect">
+            <a:avLst/>
+          </a:prstGeom>
+        </p:spPr>
+      </p:pic>
+    </p:spTree>
+    <p:extLst>
+      <p:ext uri="{BB962C8B-B14F-4D97-AF65-F5344CB8AC3E}">
+        <p14:creationId xmlns:p14="http://schemas.microsoft.com/office/powerpoint/2010/main" val="3904929400"/>
+      </p:ext>
+    </p:extLst>
+  </p:cSld>
+  <p:clrMapOvr>
+    <a:masterClrMapping/>
+  </p:clrMapOvr>
+  <p:timing>
+    <p:tnLst>
+      <p:par>
+        <p:cTn id="1" dur="indefinite" restart="never" nodeType="tmRoot"/>
+      </p:par>
+    </p:tnLst>
+  </p:timing>
+</p:sld>
+</file>
+
+<file path=ppt/slides/slide22.xml><?xml version="1.0" encoding="utf-8"?>
+<p:sld xmlns:a="http://schemas.openxmlformats.org/drawingml/2006/main" xmlns:r="http://schemas.openxmlformats.org/officeDocument/2006/relationships" xmlns:p="http://schemas.openxmlformats.org/presentationml/2006/main">
+  <p:cSld>
+    <p:spTree>
+      <p:nvGrpSpPr>
+        <p:cNvPr id="1" name=""/>
+        <p:cNvGrpSpPr/>
+        <p:nvPr/>
+      </p:nvGrpSpPr>
+      <p:grpSpPr>
+        <a:xfrm>
+          <a:off x="0" y="0"/>
+          <a:ext cx="0" cy="0"/>
+          <a:chOff x="0" y="0"/>
+          <a:chExt cx="0" cy="0"/>
+        </a:xfrm>
+      </p:grpSpPr>
+      <p:sp>
+        <p:nvSpPr>
+          <p:cNvPr id="2" name="Title 1"/>
+          <p:cNvSpPr>
+            <a:spLocks noGrp="1"/>
+          </p:cNvSpPr>
+          <p:nvPr>
+            <p:ph type="title"/>
+          </p:nvPr>
+        </p:nvSpPr>
+        <p:spPr/>
+        <p:txBody>
+          <a:bodyPr/>
+          <a:lstStyle/>
+          <a:p>
+            <a:r>
+              <a:rPr lang="lt-LT" dirty="0" smtClean="0"/>
+              <a:t>Konvoliucinio tinklo modelis.</a:t>
+            </a:r>
+            <a:br>
+              <a:rPr lang="lt-LT" dirty="0" smtClean="0"/>
+            </a:br>
+            <a:r>
+              <a:rPr lang="lt-LT" dirty="0" smtClean="0"/>
+              <a:t>Penktas bandymas</a:t>
+            </a:r>
+            <a:endParaRPr lang="lt-LT" dirty="0"/>
+          </a:p>
+        </p:txBody>
+      </p:sp>
+      <p:sp>
+        <p:nvSpPr>
+          <p:cNvPr id="3" name="Content Placeholder 2"/>
+          <p:cNvSpPr>
+            <a:spLocks noGrp="1"/>
+          </p:cNvSpPr>
+          <p:nvPr>
+            <p:ph idx="1"/>
+          </p:nvPr>
+        </p:nvSpPr>
+        <p:spPr/>
+        <p:txBody>
+          <a:bodyPr/>
+          <a:lstStyle/>
+          <a:p>
+            <a:r>
+              <a:rPr lang="lt-LT" b="1" dirty="0"/>
+              <a:t>Duomenys</a:t>
+            </a:r>
+            <a:r>
+              <a:rPr lang="lt-LT" dirty="0"/>
+              <a:t>: </a:t>
+            </a:r>
+            <a:r>
+              <a:rPr lang="lt-LT" dirty="0" smtClean="0"/>
+              <a:t>3000 </a:t>
+            </a:r>
+            <a:r>
+              <a:rPr lang="lt-LT" dirty="0"/>
+              <a:t>kadrų kiekvienai raidei;</a:t>
+            </a:r>
+          </a:p>
+          <a:p>
+            <a:r>
+              <a:rPr lang="lt-LT" b="1" dirty="0"/>
+              <a:t>Trukmė</a:t>
+            </a:r>
+            <a:r>
+              <a:rPr lang="lt-LT" dirty="0"/>
+              <a:t>: ~45 min;</a:t>
+            </a:r>
+          </a:p>
+          <a:p>
+            <a:r>
+              <a:rPr lang="lt-LT" b="1" dirty="0"/>
+              <a:t>Žingsniai</a:t>
+            </a:r>
+            <a:r>
+              <a:rPr lang="lt-LT" dirty="0"/>
+              <a:t>: 5000;</a:t>
+            </a:r>
+          </a:p>
+          <a:p>
+            <a:r>
+              <a:rPr lang="lt-LT" b="1" dirty="0"/>
+              <a:t>Rezultatas</a:t>
+            </a:r>
+            <a:r>
+              <a:rPr lang="lt-LT" dirty="0"/>
+              <a:t>: </a:t>
+            </a:r>
+            <a:r>
+              <a:rPr lang="lt-LT" dirty="0" smtClean="0"/>
+              <a:t>80% </a:t>
+            </a:r>
+            <a:r>
+              <a:rPr lang="lt-LT" dirty="0"/>
+              <a:t>ir </a:t>
+            </a:r>
+            <a:r>
+              <a:rPr lang="lt-LT" dirty="0" smtClean="0"/>
+              <a:t>80%.</a:t>
+            </a:r>
+            <a:endParaRPr lang="lt-LT" dirty="0"/>
+          </a:p>
+          <a:p>
+            <a:endParaRPr lang="lt-LT" dirty="0"/>
+          </a:p>
+        </p:txBody>
+      </p:sp>
+      <p:sp>
+        <p:nvSpPr>
+          <p:cNvPr id="4" name="Date Placeholder 3"/>
+          <p:cNvSpPr>
+            <a:spLocks noGrp="1"/>
+          </p:cNvSpPr>
+          <p:nvPr>
+            <p:ph type="dt" sz="half" idx="10"/>
+          </p:nvPr>
+        </p:nvSpPr>
+        <p:spPr/>
+        <p:txBody>
+          <a:bodyPr/>
+          <a:lstStyle/>
+          <a:p>
+            <a:r>
+              <a:rPr lang="lt-LT" altLang="lt-LT" smtClean="0"/>
+              <a:t>2017-06-26</a:t>
+            </a:r>
+            <a:endParaRPr lang="en-US" altLang="lt-LT"/>
+          </a:p>
+        </p:txBody>
+      </p:sp>
+      <p:sp>
+        <p:nvSpPr>
+          <p:cNvPr id="5" name="Footer Placeholder 4"/>
+          <p:cNvSpPr>
+            <a:spLocks noGrp="1"/>
+          </p:cNvSpPr>
+          <p:nvPr>
+            <p:ph type="ftr" sz="quarter" idx="11"/>
+          </p:nvPr>
+        </p:nvSpPr>
+        <p:spPr/>
+        <p:txBody>
+          <a:bodyPr/>
+          <a:lstStyle/>
+          <a:p>
+            <a:r>
+              <a:rPr lang="lt-LT" altLang="lt-LT" smtClean="0"/>
+              <a:t>VU, MIF</a:t>
+            </a:r>
+            <a:endParaRPr lang="en-US" altLang="lt-LT"/>
+          </a:p>
+        </p:txBody>
+      </p:sp>
+      <p:pic>
+        <p:nvPicPr>
+          <p:cNvPr id="8" name="Picture 7"/>
+          <p:cNvPicPr>
+            <a:picLocks noChangeAspect="1"/>
+          </p:cNvPicPr>
+          <p:nvPr/>
+        </p:nvPicPr>
+        <p:blipFill>
+          <a:blip r:embed="rId2">
+            <a:extLst>
+              <a:ext uri="{28A0092B-C50C-407E-A947-70E740481C1C}">
+                <a14:useLocalDpi xmlns:a14="http://schemas.microsoft.com/office/drawing/2010/main" val="0"/>
+              </a:ext>
+            </a:extLst>
+          </a:blip>
+          <a:stretch>
+            <a:fillRect/>
+          </a:stretch>
+        </p:blipFill>
+        <p:spPr>
+          <a:xfrm>
+            <a:off x="1157224" y="4149080"/>
+            <a:ext cx="6829552" cy="1800000"/>
+          </a:xfrm>
+          <a:prstGeom prst="rect">
+            <a:avLst/>
+          </a:prstGeom>
+        </p:spPr>
+      </p:pic>
+    </p:spTree>
+    <p:extLst>
+      <p:ext uri="{BB962C8B-B14F-4D97-AF65-F5344CB8AC3E}">
+        <p14:creationId xmlns:p14="http://schemas.microsoft.com/office/powerpoint/2010/main" val="2613056071"/>
+      </p:ext>
+    </p:extLst>
+  </p:cSld>
+  <p:clrMapOvr>
+    <a:masterClrMapping/>
+  </p:clrMapOvr>
+  <p:timing>
+    <p:tnLst>
+      <p:par>
+        <p:cTn id="1" dur="indefinite" restart="never" nodeType="tmRoot"/>
+      </p:par>
+    </p:tnLst>
+  </p:timing>
+</p:sld>
+</file>
+
+<file path=ppt/slides/slide23.xml><?xml version="1.0" encoding="utf-8"?>
+<p:sld xmlns:a="http://schemas.openxmlformats.org/drawingml/2006/main" xmlns:r="http://schemas.openxmlformats.org/officeDocument/2006/relationships" xmlns:p="http://schemas.openxmlformats.org/presentationml/2006/main">
+  <p:cSld>
+    <p:spTree>
+      <p:nvGrpSpPr>
+        <p:cNvPr id="1" name=""/>
+        <p:cNvGrpSpPr/>
+        <p:nvPr/>
+      </p:nvGrpSpPr>
+      <p:grpSpPr>
+        <a:xfrm>
+          <a:off x="0" y="0"/>
+          <a:ext cx="0" cy="0"/>
+          <a:chOff x="0" y="0"/>
+          <a:chExt cx="0" cy="0"/>
+        </a:xfrm>
+      </p:grpSpPr>
+      <p:sp>
+        <p:nvSpPr>
+          <p:cNvPr id="2" name="Title 1"/>
+          <p:cNvSpPr>
+            <a:spLocks noGrp="1"/>
+          </p:cNvSpPr>
+          <p:nvPr>
+            <p:ph type="title"/>
+          </p:nvPr>
+        </p:nvSpPr>
+        <p:spPr/>
+        <p:txBody>
+          <a:bodyPr/>
+          <a:lstStyle/>
+          <a:p>
+            <a:r>
+              <a:rPr lang="lt-LT" dirty="0" smtClean="0"/>
+              <a:t>Rezultatai</a:t>
+            </a:r>
+            <a:endParaRPr lang="lt-LT" dirty="0"/>
+          </a:p>
+        </p:txBody>
+      </p:sp>
+      <p:graphicFrame>
+        <p:nvGraphicFramePr>
+          <p:cNvPr id="7" name="Content Placeholder 6"/>
+          <p:cNvGraphicFramePr>
+            <a:graphicFrameLocks noGrp="1"/>
+          </p:cNvGraphicFramePr>
+          <p:nvPr>
+            <p:ph idx="1"/>
+            <p:extLst>
+              <p:ext uri="{D42A27DB-BD31-4B8C-83A1-F6EECF244321}">
+                <p14:modId xmlns:p14="http://schemas.microsoft.com/office/powerpoint/2010/main" val="642620495"/>
+              </p:ext>
+            </p:extLst>
+          </p:nvPr>
+        </p:nvGraphicFramePr>
+        <p:xfrm>
+          <a:off x="683568" y="1952364"/>
+          <a:ext cx="7416824" cy="1381760"/>
+        </p:xfrm>
+        <a:graphic>
+          <a:graphicData uri="http://schemas.openxmlformats.org/drawingml/2006/table">
+            <a:tbl>
+              <a:tblPr firstRow="1" bandRow="1">
+                <a:effectLst/>
+                <a:tableStyleId>{F5AB1C69-6EDB-4FF4-983F-18BD219EF322}</a:tableStyleId>
+              </a:tblPr>
+              <a:tblGrid>
+                <a:gridCol w="2458616">
+                  <a:extLst>
+                    <a:ext uri="{9D8B030D-6E8A-4147-A177-3AD203B41FA5}">
+                      <a16:colId xmlns:a16="http://schemas.microsoft.com/office/drawing/2014/main" val="1039180667"/>
+                    </a:ext>
+                  </a:extLst>
+                </a:gridCol>
+                <a:gridCol w="1224136">
+                  <a:extLst>
+                    <a:ext uri="{9D8B030D-6E8A-4147-A177-3AD203B41FA5}">
+                      <a16:colId xmlns:a16="http://schemas.microsoft.com/office/drawing/2014/main" val="3585049487"/>
+                    </a:ext>
+                  </a:extLst>
+                </a:gridCol>
+                <a:gridCol w="1255008">
+                  <a:extLst>
+                    <a:ext uri="{9D8B030D-6E8A-4147-A177-3AD203B41FA5}">
+                      <a16:colId xmlns:a16="http://schemas.microsoft.com/office/drawing/2014/main" val="1082846121"/>
+                    </a:ext>
+                  </a:extLst>
+                </a:gridCol>
+                <a:gridCol w="1265272">
+                  <a:extLst>
+                    <a:ext uri="{9D8B030D-6E8A-4147-A177-3AD203B41FA5}">
+                      <a16:colId xmlns:a16="http://schemas.microsoft.com/office/drawing/2014/main" val="377698734"/>
+                    </a:ext>
+                  </a:extLst>
+                </a:gridCol>
+                <a:gridCol w="1213792">
+                  <a:extLst>
+                    <a:ext uri="{9D8B030D-6E8A-4147-A177-3AD203B41FA5}">
+                      <a16:colId xmlns:a16="http://schemas.microsoft.com/office/drawing/2014/main" val="1770077283"/>
+                    </a:ext>
+                  </a:extLst>
+                </a:gridCol>
+              </a:tblGrid>
+              <a:tr h="370840">
+                <a:tc>
+                  <a:txBody>
+                    <a:bodyPr/>
+                    <a:lstStyle/>
+                    <a:p>
+                      <a:endParaRPr lang="lt-LT" dirty="0">
+                        <a:solidFill>
+                          <a:schemeClr val="tx1"/>
+                        </a:solidFill>
+                      </a:endParaRPr>
+                    </a:p>
+                  </a:txBody>
+                  <a:tcPr>
+                    <a:lnL w="12700" cap="flat" cmpd="sng" algn="ctr">
+                      <a:solidFill>
+                        <a:schemeClr val="tx1"/>
+                      </a:solidFill>
+                      <a:prstDash val="solid"/>
+                      <a:round/>
+                      <a:headEnd type="none" w="med" len="med"/>
+                      <a:tailEnd type="none" w="med" len="med"/>
+                    </a:lnL>
+                    <a:lnR w="12700" cap="flat" cmpd="sng" algn="ctr">
+                      <a:solidFill>
+                        <a:schemeClr val="tx1"/>
+                      </a:solidFill>
+                      <a:prstDash val="solid"/>
+                      <a:round/>
+                      <a:headEnd type="none" w="med" len="med"/>
+                      <a:tailEnd type="none" w="med" len="med"/>
+                    </a:lnR>
+                    <a:lnT w="12700" cap="flat" cmpd="sng" algn="ctr">
+                      <a:solidFill>
+                        <a:schemeClr val="tx1"/>
+                      </a:solidFill>
+                      <a:prstDash val="solid"/>
+                      <a:round/>
+                      <a:headEnd type="none" w="med" len="med"/>
+                      <a:tailEnd type="none" w="med" len="med"/>
+                    </a:lnT>
+                    <a:lnB w="12700" cap="flat" cmpd="sng" algn="ctr">
+                      <a:solidFill>
+                        <a:schemeClr val="tx1"/>
+                      </a:solidFill>
+                      <a:prstDash val="solid"/>
+                      <a:round/>
+                      <a:headEnd type="none" w="med" len="med"/>
+                      <a:tailEnd type="none" w="med" len="med"/>
+                    </a:lnB>
+                    <a:lnTlToBr w="12700" cmpd="sng">
+                      <a:noFill/>
+                      <a:prstDash val="solid"/>
+                    </a:lnTlToBr>
+                    <a:lnBlToTr w="12700" cmpd="sng">
+                      <a:noFill/>
+                      <a:prstDash val="solid"/>
+                    </a:lnBlToTr>
+                    <a:noFill/>
+                  </a:tcPr>
+                </a:tc>
+                <a:tc>
+                  <a:txBody>
+                    <a:bodyPr/>
+                    <a:lstStyle/>
+                    <a:p>
+                      <a:pPr algn="ctr"/>
+                      <a:r>
+                        <a:rPr lang="lt-LT" dirty="0" smtClean="0">
+                          <a:solidFill>
+                            <a:schemeClr val="tx1"/>
+                          </a:solidFill>
+                        </a:rPr>
+                        <a:t>Antras bandymas</a:t>
+                      </a:r>
+                      <a:endParaRPr lang="lt-LT" dirty="0">
+                        <a:solidFill>
+                          <a:schemeClr val="tx1"/>
+                        </a:solidFill>
+                      </a:endParaRPr>
+                    </a:p>
+                  </a:txBody>
+                  <a:tcPr>
+                    <a:lnL w="12700" cap="flat" cmpd="sng" algn="ctr">
+                      <a:solidFill>
+                        <a:schemeClr val="tx1"/>
+                      </a:solidFill>
+                      <a:prstDash val="solid"/>
+                      <a:round/>
+                      <a:headEnd type="none" w="med" len="med"/>
+                      <a:tailEnd type="none" w="med" len="med"/>
+                    </a:lnL>
+                    <a:lnR w="12700" cap="flat" cmpd="sng" algn="ctr">
+                      <a:solidFill>
+                        <a:schemeClr val="tx1"/>
+                      </a:solidFill>
+                      <a:prstDash val="solid"/>
+                      <a:round/>
+                      <a:headEnd type="none" w="med" len="med"/>
+                      <a:tailEnd type="none" w="med" len="med"/>
+                    </a:lnR>
+                    <a:lnT w="12700" cap="flat" cmpd="sng" algn="ctr">
+                      <a:solidFill>
+                        <a:schemeClr val="tx1"/>
+                      </a:solidFill>
+                      <a:prstDash val="solid"/>
+                      <a:round/>
+                      <a:headEnd type="none" w="med" len="med"/>
+                      <a:tailEnd type="none" w="med" len="med"/>
+                    </a:lnT>
+                    <a:lnB w="12700" cap="flat" cmpd="sng" algn="ctr">
+                      <a:solidFill>
+                        <a:schemeClr val="tx1"/>
+                      </a:solidFill>
+                      <a:prstDash val="solid"/>
+                      <a:round/>
+                      <a:headEnd type="none" w="med" len="med"/>
+                      <a:tailEnd type="none" w="med" len="med"/>
+                    </a:lnB>
+                    <a:lnTlToBr w="12700" cmpd="sng">
+                      <a:noFill/>
+                      <a:prstDash val="solid"/>
+                    </a:lnTlToBr>
+                    <a:lnBlToTr w="12700" cmpd="sng">
+                      <a:noFill/>
+                      <a:prstDash val="solid"/>
+                    </a:lnBlToTr>
+                    <a:noFill/>
+                  </a:tcPr>
+                </a:tc>
+                <a:tc>
+                  <a:txBody>
+                    <a:bodyPr/>
+                    <a:lstStyle/>
+                    <a:p>
+                      <a:pPr algn="ctr"/>
+                      <a:r>
+                        <a:rPr lang="lt-LT" dirty="0" smtClean="0">
+                          <a:solidFill>
+                            <a:schemeClr val="tx1"/>
+                          </a:solidFill>
+                        </a:rPr>
+                        <a:t>Trečias bandymas</a:t>
+                      </a:r>
+                      <a:endParaRPr lang="lt-LT" dirty="0">
+                        <a:solidFill>
+                          <a:schemeClr val="tx1"/>
+                        </a:solidFill>
+                      </a:endParaRPr>
+                    </a:p>
+                  </a:txBody>
+                  <a:tcPr>
+                    <a:lnL w="12700" cap="flat" cmpd="sng" algn="ctr">
+                      <a:solidFill>
+                        <a:schemeClr val="tx1"/>
+                      </a:solidFill>
+                      <a:prstDash val="solid"/>
+                      <a:round/>
+                      <a:headEnd type="none" w="med" len="med"/>
+                      <a:tailEnd type="none" w="med" len="med"/>
+                    </a:lnL>
+                    <a:lnR w="12700" cap="flat" cmpd="sng" algn="ctr">
+                      <a:solidFill>
+                        <a:schemeClr val="tx1"/>
+                      </a:solidFill>
+                      <a:prstDash val="solid"/>
+                      <a:round/>
+                      <a:headEnd type="none" w="med" len="med"/>
+                      <a:tailEnd type="none" w="med" len="med"/>
+                    </a:lnR>
+                    <a:lnT w="12700" cap="flat" cmpd="sng" algn="ctr">
+                      <a:solidFill>
+                        <a:schemeClr val="tx1"/>
+                      </a:solidFill>
+                      <a:prstDash val="solid"/>
+                      <a:round/>
+                      <a:headEnd type="none" w="med" len="med"/>
+                      <a:tailEnd type="none" w="med" len="med"/>
+                    </a:lnT>
+                    <a:lnB w="12700" cap="flat" cmpd="sng" algn="ctr">
+                      <a:solidFill>
+                        <a:schemeClr val="tx1"/>
+                      </a:solidFill>
+                      <a:prstDash val="solid"/>
+                      <a:round/>
+                      <a:headEnd type="none" w="med" len="med"/>
+                      <a:tailEnd type="none" w="med" len="med"/>
+                    </a:lnB>
+                    <a:lnTlToBr w="12700" cmpd="sng">
+                      <a:noFill/>
+                      <a:prstDash val="solid"/>
+                    </a:lnTlToBr>
+                    <a:lnBlToTr w="12700" cmpd="sng">
+                      <a:noFill/>
+                      <a:prstDash val="solid"/>
+                    </a:lnBlToTr>
+                    <a:noFill/>
+                  </a:tcPr>
+                </a:tc>
+                <a:tc>
+                  <a:txBody>
+                    <a:bodyPr/>
+                    <a:lstStyle/>
+                    <a:p>
+                      <a:pPr algn="ctr"/>
+                      <a:r>
+                        <a:rPr lang="lt-LT" dirty="0" smtClean="0">
+                          <a:solidFill>
+                            <a:schemeClr val="tx1"/>
+                          </a:solidFill>
+                        </a:rPr>
+                        <a:t>Ketvirtas bandymas</a:t>
+                      </a:r>
+                      <a:endParaRPr lang="lt-LT" dirty="0">
+                        <a:solidFill>
+                          <a:schemeClr val="tx1"/>
+                        </a:solidFill>
+                      </a:endParaRPr>
+                    </a:p>
+                  </a:txBody>
+                  <a:tcPr>
+                    <a:lnL w="12700" cap="flat" cmpd="sng" algn="ctr">
+                      <a:solidFill>
+                        <a:schemeClr val="tx1"/>
+                      </a:solidFill>
+                      <a:prstDash val="solid"/>
+                      <a:round/>
+                      <a:headEnd type="none" w="med" len="med"/>
+                      <a:tailEnd type="none" w="med" len="med"/>
+                    </a:lnL>
+                    <a:lnR w="12700" cap="flat" cmpd="sng" algn="ctr">
+                      <a:solidFill>
+                        <a:schemeClr val="tx1"/>
+                      </a:solidFill>
+                      <a:prstDash val="solid"/>
+                      <a:round/>
+                      <a:headEnd type="none" w="med" len="med"/>
+                      <a:tailEnd type="none" w="med" len="med"/>
+                    </a:lnR>
+                    <a:lnT w="12700" cap="flat" cmpd="sng" algn="ctr">
+                      <a:solidFill>
+                        <a:schemeClr val="tx1"/>
+                      </a:solidFill>
+                      <a:prstDash val="solid"/>
+                      <a:round/>
+                      <a:headEnd type="none" w="med" len="med"/>
+                      <a:tailEnd type="none" w="med" len="med"/>
+                    </a:lnT>
+                    <a:lnB w="12700" cap="flat" cmpd="sng" algn="ctr">
+                      <a:solidFill>
+                        <a:schemeClr val="tx1"/>
+                      </a:solidFill>
+                      <a:prstDash val="solid"/>
+                      <a:round/>
+                      <a:headEnd type="none" w="med" len="med"/>
+                      <a:tailEnd type="none" w="med" len="med"/>
+                    </a:lnB>
+                    <a:lnTlToBr w="12700" cmpd="sng">
+                      <a:noFill/>
+                      <a:prstDash val="solid"/>
+                    </a:lnTlToBr>
+                    <a:lnBlToTr w="12700" cmpd="sng">
+                      <a:noFill/>
+                      <a:prstDash val="solid"/>
+                    </a:lnBlToTr>
+                    <a:noFill/>
+                  </a:tcPr>
+                </a:tc>
+                <a:tc>
+                  <a:txBody>
+                    <a:bodyPr/>
+                    <a:lstStyle/>
+                    <a:p>
+                      <a:pPr algn="ctr"/>
+                      <a:r>
+                        <a:rPr lang="lt-LT" dirty="0" smtClean="0">
+                          <a:solidFill>
+                            <a:schemeClr val="tx1"/>
+                          </a:solidFill>
+                        </a:rPr>
+                        <a:t>Penktas bandymas</a:t>
+                      </a:r>
+                      <a:endParaRPr lang="lt-LT" dirty="0">
+                        <a:solidFill>
+                          <a:schemeClr val="tx1"/>
+                        </a:solidFill>
+                      </a:endParaRPr>
+                    </a:p>
+                  </a:txBody>
+                  <a:tcPr>
+                    <a:lnL w="12700" cap="flat" cmpd="sng" algn="ctr">
+                      <a:solidFill>
+                        <a:schemeClr val="tx1"/>
+                      </a:solidFill>
+                      <a:prstDash val="solid"/>
+                      <a:round/>
+                      <a:headEnd type="none" w="med" len="med"/>
+                      <a:tailEnd type="none" w="med" len="med"/>
+                    </a:lnL>
+                    <a:lnR w="12700" cap="flat" cmpd="sng" algn="ctr">
+                      <a:solidFill>
+                        <a:schemeClr val="tx1"/>
+                      </a:solidFill>
+                      <a:prstDash val="solid"/>
+                      <a:round/>
+                      <a:headEnd type="none" w="med" len="med"/>
+                      <a:tailEnd type="none" w="med" len="med"/>
+                    </a:lnR>
+                    <a:lnT w="12700" cap="flat" cmpd="sng" algn="ctr">
+                      <a:solidFill>
+                        <a:schemeClr val="tx1"/>
+                      </a:solidFill>
+                      <a:prstDash val="solid"/>
+                      <a:round/>
+                      <a:headEnd type="none" w="med" len="med"/>
+                      <a:tailEnd type="none" w="med" len="med"/>
+                    </a:lnT>
+                    <a:lnB w="12700" cap="flat" cmpd="sng" algn="ctr">
+                      <a:solidFill>
+                        <a:schemeClr val="tx1"/>
+                      </a:solidFill>
+                      <a:prstDash val="solid"/>
+                      <a:round/>
+                      <a:headEnd type="none" w="med" len="med"/>
+                      <a:tailEnd type="none" w="med" len="med"/>
+                    </a:lnB>
+                    <a:lnTlToBr w="12700" cmpd="sng">
+                      <a:noFill/>
+                      <a:prstDash val="solid"/>
+                    </a:lnTlToBr>
+                    <a:lnBlToTr w="12700" cmpd="sng">
+                      <a:noFill/>
+                      <a:prstDash val="solid"/>
+                    </a:lnBlToTr>
+                    <a:noFill/>
+                  </a:tcPr>
+                </a:tc>
+                <a:extLst>
+                  <a:ext uri="{0D108BD9-81ED-4DB2-BD59-A6C34878D82A}">
+                    <a16:rowId xmlns:a16="http://schemas.microsoft.com/office/drawing/2014/main" val="3607671221"/>
+                  </a:ext>
+                </a:extLst>
+              </a:tr>
+              <a:tr h="370840">
+                <a:tc>
+                  <a:txBody>
+                    <a:bodyPr/>
+                    <a:lstStyle/>
+                    <a:p>
+                      <a:r>
+                        <a:rPr lang="lt-LT" dirty="0" smtClean="0">
+                          <a:solidFill>
+                            <a:schemeClr val="tx1"/>
+                          </a:solidFill>
+                        </a:rPr>
+                        <a:t>Apmokymo</a:t>
+                      </a:r>
+                      <a:r>
+                        <a:rPr lang="lt-LT" baseline="0" dirty="0" smtClean="0">
+                          <a:solidFill>
+                            <a:schemeClr val="tx1"/>
+                          </a:solidFill>
+                        </a:rPr>
+                        <a:t> tikslumas</a:t>
+                      </a:r>
+                      <a:endParaRPr lang="lt-LT" dirty="0">
+                        <a:solidFill>
+                          <a:schemeClr val="tx1"/>
+                        </a:solidFill>
+                      </a:endParaRPr>
+                    </a:p>
+                  </a:txBody>
+                  <a:tcPr>
+                    <a:lnL w="12700" cap="flat" cmpd="sng" algn="ctr">
+                      <a:solidFill>
+                        <a:schemeClr val="tx1"/>
+                      </a:solidFill>
+                      <a:prstDash val="solid"/>
+                      <a:round/>
+                      <a:headEnd type="none" w="med" len="med"/>
+                      <a:tailEnd type="none" w="med" len="med"/>
+                    </a:lnL>
+                    <a:lnR w="12700" cap="flat" cmpd="sng" algn="ctr">
+                      <a:solidFill>
+                        <a:schemeClr val="tx1"/>
+                      </a:solidFill>
+                      <a:prstDash val="solid"/>
+                      <a:round/>
+                      <a:headEnd type="none" w="med" len="med"/>
+                      <a:tailEnd type="none" w="med" len="med"/>
+                    </a:lnR>
+                    <a:lnT w="12700" cap="flat" cmpd="sng" algn="ctr">
+                      <a:solidFill>
+                        <a:schemeClr val="tx1"/>
+                      </a:solidFill>
+                      <a:prstDash val="solid"/>
+                      <a:round/>
+                      <a:headEnd type="none" w="med" len="med"/>
+                      <a:tailEnd type="none" w="med" len="med"/>
+                    </a:lnT>
+                    <a:lnB w="12700" cap="flat" cmpd="sng" algn="ctr">
+                      <a:solidFill>
+                        <a:schemeClr val="tx1"/>
+                      </a:solidFill>
+                      <a:prstDash val="solid"/>
+                      <a:round/>
+                      <a:headEnd type="none" w="med" len="med"/>
+                      <a:tailEnd type="none" w="med" len="med"/>
+                    </a:lnB>
+                    <a:lnTlToBr w="12700" cmpd="sng">
+                      <a:noFill/>
+                      <a:prstDash val="solid"/>
+                    </a:lnTlToBr>
+                    <a:lnBlToTr w="12700" cmpd="sng">
+                      <a:noFill/>
+                      <a:prstDash val="solid"/>
+                    </a:lnBlToTr>
+                    <a:noFill/>
+                  </a:tcPr>
+                </a:tc>
+                <a:tc>
+                  <a:txBody>
+                    <a:bodyPr/>
+                    <a:lstStyle/>
+                    <a:p>
+                      <a:pPr algn="ctr"/>
+                      <a:r>
+                        <a:rPr lang="lt-LT" dirty="0" smtClean="0">
+                          <a:solidFill>
+                            <a:schemeClr val="tx1"/>
+                          </a:solidFill>
+                        </a:rPr>
+                        <a:t>60%</a:t>
+                      </a:r>
+                      <a:endParaRPr lang="lt-LT" dirty="0">
+                        <a:solidFill>
+                          <a:schemeClr val="tx1"/>
+                        </a:solidFill>
+                      </a:endParaRPr>
+                    </a:p>
+                  </a:txBody>
+                  <a:tcPr>
+                    <a:lnL w="12700" cap="flat" cmpd="sng" algn="ctr">
+                      <a:solidFill>
+                        <a:schemeClr val="tx1"/>
+                      </a:solidFill>
+                      <a:prstDash val="solid"/>
+                      <a:round/>
+                      <a:headEnd type="none" w="med" len="med"/>
+                      <a:tailEnd type="none" w="med" len="med"/>
+                    </a:lnL>
+                    <a:lnR w="12700" cap="flat" cmpd="sng" algn="ctr">
+                      <a:solidFill>
+                        <a:schemeClr val="tx1"/>
+                      </a:solidFill>
+                      <a:prstDash val="solid"/>
+                      <a:round/>
+                      <a:headEnd type="none" w="med" len="med"/>
+                      <a:tailEnd type="none" w="med" len="med"/>
+                    </a:lnR>
+                    <a:lnT w="12700" cap="flat" cmpd="sng" algn="ctr">
+                      <a:solidFill>
+                        <a:schemeClr val="tx1"/>
+                      </a:solidFill>
+                      <a:prstDash val="solid"/>
+                      <a:round/>
+                      <a:headEnd type="none" w="med" len="med"/>
+                      <a:tailEnd type="none" w="med" len="med"/>
+                    </a:lnT>
+                    <a:lnB w="12700" cap="flat" cmpd="sng" algn="ctr">
+                      <a:solidFill>
+                        <a:schemeClr val="tx1"/>
+                      </a:solidFill>
+                      <a:prstDash val="solid"/>
+                      <a:round/>
+                      <a:headEnd type="none" w="med" len="med"/>
+                      <a:tailEnd type="none" w="med" len="med"/>
+                    </a:lnB>
+                    <a:lnTlToBr w="12700" cmpd="sng">
+                      <a:noFill/>
+                      <a:prstDash val="solid"/>
+                    </a:lnTlToBr>
+                    <a:lnBlToTr w="12700" cmpd="sng">
+                      <a:noFill/>
+                      <a:prstDash val="solid"/>
+                    </a:lnBlToTr>
+                    <a:noFill/>
+                  </a:tcPr>
+                </a:tc>
+                <a:tc>
+                  <a:txBody>
+                    <a:bodyPr/>
+                    <a:lstStyle/>
+                    <a:p>
+                      <a:pPr algn="ctr"/>
+                      <a:r>
+                        <a:rPr lang="lt-LT" dirty="0" smtClean="0">
+                          <a:solidFill>
+                            <a:schemeClr val="tx1"/>
+                          </a:solidFill>
+                        </a:rPr>
+                        <a:t>85%</a:t>
+                      </a:r>
+                      <a:endParaRPr lang="lt-LT" dirty="0">
+                        <a:solidFill>
+                          <a:schemeClr val="tx1"/>
+                        </a:solidFill>
+                      </a:endParaRPr>
+                    </a:p>
+                  </a:txBody>
+                  <a:tcPr>
+                    <a:lnL w="12700" cap="flat" cmpd="sng" algn="ctr">
+                      <a:solidFill>
+                        <a:schemeClr val="tx1"/>
+                      </a:solidFill>
+                      <a:prstDash val="solid"/>
+                      <a:round/>
+                      <a:headEnd type="none" w="med" len="med"/>
+                      <a:tailEnd type="none" w="med" len="med"/>
+                    </a:lnL>
+                    <a:lnR w="12700" cap="flat" cmpd="sng" algn="ctr">
+                      <a:solidFill>
+                        <a:schemeClr val="tx1"/>
+                      </a:solidFill>
+                      <a:prstDash val="solid"/>
+                      <a:round/>
+                      <a:headEnd type="none" w="med" len="med"/>
+                      <a:tailEnd type="none" w="med" len="med"/>
+                    </a:lnR>
+                    <a:lnT w="12700" cap="flat" cmpd="sng" algn="ctr">
+                      <a:solidFill>
+                        <a:schemeClr val="tx1"/>
+                      </a:solidFill>
+                      <a:prstDash val="solid"/>
+                      <a:round/>
+                      <a:headEnd type="none" w="med" len="med"/>
+                      <a:tailEnd type="none" w="med" len="med"/>
+                    </a:lnT>
+                    <a:lnB w="12700" cap="flat" cmpd="sng" algn="ctr">
+                      <a:solidFill>
+                        <a:schemeClr val="tx1"/>
+                      </a:solidFill>
+                      <a:prstDash val="solid"/>
+                      <a:round/>
+                      <a:headEnd type="none" w="med" len="med"/>
+                      <a:tailEnd type="none" w="med" len="med"/>
+                    </a:lnB>
+                    <a:lnTlToBr w="12700" cmpd="sng">
+                      <a:noFill/>
+                      <a:prstDash val="solid"/>
+                    </a:lnTlToBr>
+                    <a:lnBlToTr w="12700" cmpd="sng">
+                      <a:noFill/>
+                      <a:prstDash val="solid"/>
+                    </a:lnBlToTr>
+                    <a:noFill/>
+                  </a:tcPr>
+                </a:tc>
+                <a:tc>
+                  <a:txBody>
+                    <a:bodyPr/>
+                    <a:lstStyle/>
+                    <a:p>
+                      <a:pPr algn="ctr"/>
+                      <a:r>
+                        <a:rPr lang="lt-LT" dirty="0" smtClean="0">
+                          <a:solidFill>
+                            <a:schemeClr val="tx1"/>
+                          </a:solidFill>
+                        </a:rPr>
+                        <a:t>85%</a:t>
+                      </a:r>
+                      <a:endParaRPr lang="lt-LT" dirty="0">
+                        <a:solidFill>
+                          <a:schemeClr val="tx1"/>
+                        </a:solidFill>
+                      </a:endParaRPr>
+                    </a:p>
+                  </a:txBody>
+                  <a:tcPr>
+                    <a:lnL w="12700" cap="flat" cmpd="sng" algn="ctr">
+                      <a:solidFill>
+                        <a:schemeClr val="tx1"/>
+                      </a:solidFill>
+                      <a:prstDash val="solid"/>
+                      <a:round/>
+                      <a:headEnd type="none" w="med" len="med"/>
+                      <a:tailEnd type="none" w="med" len="med"/>
+                    </a:lnL>
+                    <a:lnR w="12700" cap="flat" cmpd="sng" algn="ctr">
+                      <a:solidFill>
+                        <a:schemeClr val="tx1"/>
+                      </a:solidFill>
+                      <a:prstDash val="solid"/>
+                      <a:round/>
+                      <a:headEnd type="none" w="med" len="med"/>
+                      <a:tailEnd type="none" w="med" len="med"/>
+                    </a:lnR>
+                    <a:lnT w="12700" cap="flat" cmpd="sng" algn="ctr">
+                      <a:solidFill>
+                        <a:schemeClr val="tx1"/>
+                      </a:solidFill>
+                      <a:prstDash val="solid"/>
+                      <a:round/>
+                      <a:headEnd type="none" w="med" len="med"/>
+                      <a:tailEnd type="none" w="med" len="med"/>
+                    </a:lnT>
+                    <a:lnB w="12700" cap="flat" cmpd="sng" algn="ctr">
+                      <a:solidFill>
+                        <a:schemeClr val="tx1"/>
+                      </a:solidFill>
+                      <a:prstDash val="solid"/>
+                      <a:round/>
+                      <a:headEnd type="none" w="med" len="med"/>
+                      <a:tailEnd type="none" w="med" len="med"/>
+                    </a:lnB>
+                    <a:lnTlToBr w="12700" cmpd="sng">
+                      <a:noFill/>
+                      <a:prstDash val="solid"/>
+                    </a:lnTlToBr>
+                    <a:lnBlToTr w="12700" cmpd="sng">
+                      <a:noFill/>
+                      <a:prstDash val="solid"/>
+                    </a:lnBlToTr>
+                    <a:noFill/>
+                  </a:tcPr>
+                </a:tc>
+                <a:tc>
+                  <a:txBody>
+                    <a:bodyPr/>
+                    <a:lstStyle/>
+                    <a:p>
+                      <a:pPr algn="ctr"/>
+                      <a:r>
+                        <a:rPr lang="lt-LT" dirty="0" smtClean="0">
+                          <a:solidFill>
+                            <a:schemeClr val="tx1"/>
+                          </a:solidFill>
+                        </a:rPr>
+                        <a:t>80%</a:t>
+                      </a:r>
+                      <a:endParaRPr lang="lt-LT" dirty="0">
+                        <a:solidFill>
+                          <a:schemeClr val="tx1"/>
+                        </a:solidFill>
+                      </a:endParaRPr>
+                    </a:p>
+                  </a:txBody>
+                  <a:tcPr>
+                    <a:lnL w="12700" cap="flat" cmpd="sng" algn="ctr">
+                      <a:solidFill>
+                        <a:schemeClr val="tx1"/>
+                      </a:solidFill>
+                      <a:prstDash val="solid"/>
+                      <a:round/>
+                      <a:headEnd type="none" w="med" len="med"/>
+                      <a:tailEnd type="none" w="med" len="med"/>
+                    </a:lnL>
+                    <a:lnR w="12700" cap="flat" cmpd="sng" algn="ctr">
+                      <a:solidFill>
+                        <a:schemeClr val="tx1"/>
+                      </a:solidFill>
+                      <a:prstDash val="solid"/>
+                      <a:round/>
+                      <a:headEnd type="none" w="med" len="med"/>
+                      <a:tailEnd type="none" w="med" len="med"/>
+                    </a:lnR>
+                    <a:lnT w="12700" cap="flat" cmpd="sng" algn="ctr">
+                      <a:solidFill>
+                        <a:schemeClr val="tx1"/>
+                      </a:solidFill>
+                      <a:prstDash val="solid"/>
+                      <a:round/>
+                      <a:headEnd type="none" w="med" len="med"/>
+                      <a:tailEnd type="none" w="med" len="med"/>
+                    </a:lnT>
+                    <a:lnB w="12700" cap="flat" cmpd="sng" algn="ctr">
+                      <a:solidFill>
+                        <a:schemeClr val="tx1"/>
+                      </a:solidFill>
+                      <a:prstDash val="solid"/>
+                      <a:round/>
+                      <a:headEnd type="none" w="med" len="med"/>
+                      <a:tailEnd type="none" w="med" len="med"/>
+                    </a:lnB>
+                    <a:lnTlToBr w="12700" cmpd="sng">
+                      <a:noFill/>
+                      <a:prstDash val="solid"/>
+                    </a:lnTlToBr>
+                    <a:lnBlToTr w="12700" cmpd="sng">
+                      <a:noFill/>
+                      <a:prstDash val="solid"/>
+                    </a:lnBlToTr>
+                    <a:noFill/>
+                  </a:tcPr>
+                </a:tc>
+                <a:extLst>
+                  <a:ext uri="{0D108BD9-81ED-4DB2-BD59-A6C34878D82A}">
+                    <a16:rowId xmlns:a16="http://schemas.microsoft.com/office/drawing/2014/main" val="3748217690"/>
+                  </a:ext>
+                </a:extLst>
+              </a:tr>
+              <a:tr h="370840">
+                <a:tc>
+                  <a:txBody>
+                    <a:bodyPr/>
+                    <a:lstStyle/>
+                    <a:p>
+                      <a:r>
+                        <a:rPr lang="lt-LT" dirty="0" smtClean="0">
+                          <a:solidFill>
+                            <a:schemeClr val="tx1"/>
+                          </a:solidFill>
+                        </a:rPr>
+                        <a:t>Patikrinimo</a:t>
+                      </a:r>
+                      <a:r>
+                        <a:rPr lang="lt-LT" baseline="0" dirty="0" smtClean="0">
+                          <a:solidFill>
+                            <a:schemeClr val="tx1"/>
+                          </a:solidFill>
+                        </a:rPr>
+                        <a:t> tikslumas</a:t>
+                      </a:r>
+                      <a:endParaRPr lang="lt-LT" dirty="0">
+                        <a:solidFill>
+                          <a:schemeClr val="tx1"/>
+                        </a:solidFill>
+                      </a:endParaRPr>
+                    </a:p>
+                  </a:txBody>
+                  <a:tcPr>
+                    <a:lnL w="12700" cap="flat" cmpd="sng" algn="ctr">
+                      <a:solidFill>
+                        <a:schemeClr val="tx1"/>
+                      </a:solidFill>
+                      <a:prstDash val="solid"/>
+                      <a:round/>
+                      <a:headEnd type="none" w="med" len="med"/>
+                      <a:tailEnd type="none" w="med" len="med"/>
+                    </a:lnL>
+                    <a:lnR w="12700" cap="flat" cmpd="sng" algn="ctr">
+                      <a:solidFill>
+                        <a:schemeClr val="tx1"/>
+                      </a:solidFill>
+                      <a:prstDash val="solid"/>
+                      <a:round/>
+                      <a:headEnd type="none" w="med" len="med"/>
+                      <a:tailEnd type="none" w="med" len="med"/>
+                    </a:lnR>
+                    <a:lnT w="12700" cap="flat" cmpd="sng" algn="ctr">
+                      <a:solidFill>
+                        <a:schemeClr val="tx1"/>
+                      </a:solidFill>
+                      <a:prstDash val="solid"/>
+                      <a:round/>
+                      <a:headEnd type="none" w="med" len="med"/>
+                      <a:tailEnd type="none" w="med" len="med"/>
+                    </a:lnT>
+                    <a:lnB w="12700" cap="flat" cmpd="sng" algn="ctr">
+                      <a:solidFill>
+                        <a:schemeClr val="tx1"/>
+                      </a:solidFill>
+                      <a:prstDash val="solid"/>
+                      <a:round/>
+                      <a:headEnd type="none" w="med" len="med"/>
+                      <a:tailEnd type="none" w="med" len="med"/>
+                    </a:lnB>
+                    <a:lnTlToBr w="12700" cmpd="sng">
+                      <a:noFill/>
+                      <a:prstDash val="solid"/>
+                    </a:lnTlToBr>
+                    <a:lnBlToTr w="12700" cmpd="sng">
+                      <a:noFill/>
+                      <a:prstDash val="solid"/>
+                    </a:lnBlToTr>
+                    <a:noFill/>
+                  </a:tcPr>
+                </a:tc>
+                <a:tc>
+                  <a:txBody>
+                    <a:bodyPr/>
+                    <a:lstStyle/>
+                    <a:p>
+                      <a:pPr algn="ctr"/>
+                      <a:r>
+                        <a:rPr lang="lt-LT" dirty="0" smtClean="0">
+                          <a:solidFill>
+                            <a:schemeClr val="tx1"/>
+                          </a:solidFill>
+                        </a:rPr>
+                        <a:t>60%</a:t>
+                      </a:r>
+                      <a:endParaRPr lang="lt-LT" dirty="0">
+                        <a:solidFill>
+                          <a:schemeClr val="tx1"/>
+                        </a:solidFill>
+                      </a:endParaRPr>
+                    </a:p>
+                  </a:txBody>
+                  <a:tcPr>
+                    <a:lnL w="12700" cap="flat" cmpd="sng" algn="ctr">
+                      <a:solidFill>
+                        <a:schemeClr val="tx1"/>
+                      </a:solidFill>
+                      <a:prstDash val="solid"/>
+                      <a:round/>
+                      <a:headEnd type="none" w="med" len="med"/>
+                      <a:tailEnd type="none" w="med" len="med"/>
+                    </a:lnL>
+                    <a:lnR w="12700" cap="flat" cmpd="sng" algn="ctr">
+                      <a:solidFill>
+                        <a:schemeClr val="tx1"/>
+                      </a:solidFill>
+                      <a:prstDash val="solid"/>
+                      <a:round/>
+                      <a:headEnd type="none" w="med" len="med"/>
+                      <a:tailEnd type="none" w="med" len="med"/>
+                    </a:lnR>
+                    <a:lnT w="12700" cap="flat" cmpd="sng" algn="ctr">
+                      <a:solidFill>
+                        <a:schemeClr val="tx1"/>
+                      </a:solidFill>
+                      <a:prstDash val="solid"/>
+                      <a:round/>
+                      <a:headEnd type="none" w="med" len="med"/>
+                      <a:tailEnd type="none" w="med" len="med"/>
+                    </a:lnT>
+                    <a:lnB w="12700" cap="flat" cmpd="sng" algn="ctr">
+                      <a:solidFill>
+                        <a:schemeClr val="tx1"/>
+                      </a:solidFill>
+                      <a:prstDash val="solid"/>
+                      <a:round/>
+                      <a:headEnd type="none" w="med" len="med"/>
+                      <a:tailEnd type="none" w="med" len="med"/>
+                    </a:lnB>
+                    <a:lnTlToBr w="12700" cmpd="sng">
+                      <a:noFill/>
+                      <a:prstDash val="solid"/>
+                    </a:lnTlToBr>
+                    <a:lnBlToTr w="12700" cmpd="sng">
+                      <a:noFill/>
+                      <a:prstDash val="solid"/>
+                    </a:lnBlToTr>
+                    <a:noFill/>
+                  </a:tcPr>
+                </a:tc>
+                <a:tc>
+                  <a:txBody>
+                    <a:bodyPr/>
+                    <a:lstStyle/>
+                    <a:p>
+                      <a:pPr algn="ctr"/>
+                      <a:r>
+                        <a:rPr lang="lt-LT" dirty="0" smtClean="0">
+                          <a:solidFill>
+                            <a:schemeClr val="tx1"/>
+                          </a:solidFill>
+                        </a:rPr>
+                        <a:t>77%</a:t>
+                      </a:r>
+                      <a:endParaRPr lang="lt-LT" dirty="0">
+                        <a:solidFill>
+                          <a:schemeClr val="tx1"/>
+                        </a:solidFill>
+                      </a:endParaRPr>
+                    </a:p>
+                  </a:txBody>
+                  <a:tcPr>
+                    <a:lnL w="12700" cap="flat" cmpd="sng" algn="ctr">
+                      <a:solidFill>
+                        <a:schemeClr val="tx1"/>
+                      </a:solidFill>
+                      <a:prstDash val="solid"/>
+                      <a:round/>
+                      <a:headEnd type="none" w="med" len="med"/>
+                      <a:tailEnd type="none" w="med" len="med"/>
+                    </a:lnL>
+                    <a:lnR w="12700" cap="flat" cmpd="sng" algn="ctr">
+                      <a:solidFill>
+                        <a:schemeClr val="tx1"/>
+                      </a:solidFill>
+                      <a:prstDash val="solid"/>
+                      <a:round/>
+                      <a:headEnd type="none" w="med" len="med"/>
+                      <a:tailEnd type="none" w="med" len="med"/>
+                    </a:lnR>
+                    <a:lnT w="12700" cap="flat" cmpd="sng" algn="ctr">
+                      <a:solidFill>
+                        <a:schemeClr val="tx1"/>
+                      </a:solidFill>
+                      <a:prstDash val="solid"/>
+                      <a:round/>
+                      <a:headEnd type="none" w="med" len="med"/>
+                      <a:tailEnd type="none" w="med" len="med"/>
+                    </a:lnT>
+                    <a:lnB w="12700" cap="flat" cmpd="sng" algn="ctr">
+                      <a:solidFill>
+                        <a:schemeClr val="tx1"/>
+                      </a:solidFill>
+                      <a:prstDash val="solid"/>
+                      <a:round/>
+                      <a:headEnd type="none" w="med" len="med"/>
+                      <a:tailEnd type="none" w="med" len="med"/>
+                    </a:lnB>
+                    <a:lnTlToBr w="12700" cmpd="sng">
+                      <a:noFill/>
+                      <a:prstDash val="solid"/>
+                    </a:lnTlToBr>
+                    <a:lnBlToTr w="12700" cmpd="sng">
+                      <a:noFill/>
+                      <a:prstDash val="solid"/>
+                    </a:lnBlToTr>
+                    <a:noFill/>
+                  </a:tcPr>
+                </a:tc>
+                <a:tc>
+                  <a:txBody>
+                    <a:bodyPr/>
+                    <a:lstStyle/>
+                    <a:p>
+                      <a:pPr algn="ctr"/>
+                      <a:r>
+                        <a:rPr lang="lt-LT" dirty="0" smtClean="0">
+                          <a:solidFill>
+                            <a:schemeClr val="tx1"/>
+                          </a:solidFill>
+                        </a:rPr>
+                        <a:t>79%</a:t>
+                      </a:r>
+                      <a:endParaRPr lang="lt-LT" dirty="0">
+                        <a:solidFill>
+                          <a:schemeClr val="tx1"/>
+                        </a:solidFill>
+                      </a:endParaRPr>
+                    </a:p>
+                  </a:txBody>
+                  <a:tcPr>
+                    <a:lnL w="12700" cap="flat" cmpd="sng" algn="ctr">
+                      <a:solidFill>
+                        <a:schemeClr val="tx1"/>
+                      </a:solidFill>
+                      <a:prstDash val="solid"/>
+                      <a:round/>
+                      <a:headEnd type="none" w="med" len="med"/>
+                      <a:tailEnd type="none" w="med" len="med"/>
+                    </a:lnL>
+                    <a:lnR w="12700" cap="flat" cmpd="sng" algn="ctr">
+                      <a:solidFill>
+                        <a:schemeClr val="tx1"/>
+                      </a:solidFill>
+                      <a:prstDash val="solid"/>
+                      <a:round/>
+                      <a:headEnd type="none" w="med" len="med"/>
+                      <a:tailEnd type="none" w="med" len="med"/>
+                    </a:lnR>
+                    <a:lnT w="12700" cap="flat" cmpd="sng" algn="ctr">
+                      <a:solidFill>
+                        <a:schemeClr val="tx1"/>
+                      </a:solidFill>
+                      <a:prstDash val="solid"/>
+                      <a:round/>
+                      <a:headEnd type="none" w="med" len="med"/>
+                      <a:tailEnd type="none" w="med" len="med"/>
+                    </a:lnT>
+                    <a:lnB w="12700" cap="flat" cmpd="sng" algn="ctr">
+                      <a:solidFill>
+                        <a:schemeClr val="tx1"/>
+                      </a:solidFill>
+                      <a:prstDash val="solid"/>
+                      <a:round/>
+                      <a:headEnd type="none" w="med" len="med"/>
+                      <a:tailEnd type="none" w="med" len="med"/>
+                    </a:lnB>
+                    <a:lnTlToBr w="12700" cmpd="sng">
+                      <a:noFill/>
+                      <a:prstDash val="solid"/>
+                    </a:lnTlToBr>
+                    <a:lnBlToTr w="12700" cmpd="sng">
+                      <a:noFill/>
+                      <a:prstDash val="solid"/>
+                    </a:lnBlToTr>
+                    <a:noFill/>
+                  </a:tcPr>
+                </a:tc>
+                <a:tc>
+                  <a:txBody>
+                    <a:bodyPr/>
+                    <a:lstStyle/>
+                    <a:p>
+                      <a:pPr algn="ctr"/>
+                      <a:r>
+                        <a:rPr lang="lt-LT" dirty="0" smtClean="0">
+                          <a:solidFill>
+                            <a:schemeClr val="tx1"/>
+                          </a:solidFill>
+                        </a:rPr>
+                        <a:t>80%</a:t>
+                      </a:r>
+                      <a:endParaRPr lang="lt-LT" dirty="0">
+                        <a:solidFill>
+                          <a:schemeClr val="tx1"/>
+                        </a:solidFill>
+                      </a:endParaRPr>
+                    </a:p>
+                  </a:txBody>
+                  <a:tcPr>
+                    <a:lnL w="12700" cap="flat" cmpd="sng" algn="ctr">
+                      <a:solidFill>
+                        <a:schemeClr val="tx1"/>
+                      </a:solidFill>
+                      <a:prstDash val="solid"/>
+                      <a:round/>
+                      <a:headEnd type="none" w="med" len="med"/>
+                      <a:tailEnd type="none" w="med" len="med"/>
+                    </a:lnL>
+                    <a:lnR w="12700" cap="flat" cmpd="sng" algn="ctr">
+                      <a:solidFill>
+                        <a:schemeClr val="tx1"/>
+                      </a:solidFill>
+                      <a:prstDash val="solid"/>
+                      <a:round/>
+                      <a:headEnd type="none" w="med" len="med"/>
+                      <a:tailEnd type="none" w="med" len="med"/>
+                    </a:lnR>
+                    <a:lnT w="12700" cap="flat" cmpd="sng" algn="ctr">
+                      <a:solidFill>
+                        <a:schemeClr val="tx1"/>
+                      </a:solidFill>
+                      <a:prstDash val="solid"/>
+                      <a:round/>
+                      <a:headEnd type="none" w="med" len="med"/>
+                      <a:tailEnd type="none" w="med" len="med"/>
+                    </a:lnT>
+                    <a:lnB w="12700" cap="flat" cmpd="sng" algn="ctr">
+                      <a:solidFill>
+                        <a:schemeClr val="tx1"/>
+                      </a:solidFill>
+                      <a:prstDash val="solid"/>
+                      <a:round/>
+                      <a:headEnd type="none" w="med" len="med"/>
+                      <a:tailEnd type="none" w="med" len="med"/>
+                    </a:lnB>
+                    <a:lnTlToBr w="12700" cmpd="sng">
+                      <a:noFill/>
+                      <a:prstDash val="solid"/>
+                    </a:lnTlToBr>
+                    <a:lnBlToTr w="12700" cmpd="sng">
+                      <a:noFill/>
+                      <a:prstDash val="solid"/>
+                    </a:lnBlToTr>
+                    <a:noFill/>
+                  </a:tcPr>
+                </a:tc>
+                <a:extLst>
+                  <a:ext uri="{0D108BD9-81ED-4DB2-BD59-A6C34878D82A}">
+                    <a16:rowId xmlns:a16="http://schemas.microsoft.com/office/drawing/2014/main" val="1752548750"/>
+                  </a:ext>
+                </a:extLst>
+              </a:tr>
+            </a:tbl>
+          </a:graphicData>
+        </a:graphic>
+      </p:graphicFrame>
+      <p:sp>
+        <p:nvSpPr>
+          <p:cNvPr id="4" name="Date Placeholder 3"/>
+          <p:cNvSpPr>
+            <a:spLocks noGrp="1"/>
+          </p:cNvSpPr>
+          <p:nvPr>
+            <p:ph type="dt" sz="half" idx="10"/>
+          </p:nvPr>
+        </p:nvSpPr>
+        <p:spPr/>
+        <p:txBody>
+          <a:bodyPr/>
+          <a:lstStyle/>
+          <a:p>
+            <a:r>
+              <a:rPr lang="lt-LT" altLang="lt-LT" smtClean="0"/>
+              <a:t>2017-06-26</a:t>
+            </a:r>
+            <a:endParaRPr lang="en-US" altLang="lt-LT"/>
+          </a:p>
+        </p:txBody>
+      </p:sp>
+      <p:sp>
+        <p:nvSpPr>
+          <p:cNvPr id="5" name="Footer Placeholder 4"/>
+          <p:cNvSpPr>
+            <a:spLocks noGrp="1"/>
+          </p:cNvSpPr>
+          <p:nvPr>
+            <p:ph type="ftr" sz="quarter" idx="11"/>
+          </p:nvPr>
+        </p:nvSpPr>
+        <p:spPr/>
+        <p:txBody>
+          <a:bodyPr/>
+          <a:lstStyle/>
+          <a:p>
+            <a:r>
+              <a:rPr lang="lt-LT" altLang="lt-LT" smtClean="0"/>
+              <a:t>VU, MIF</a:t>
+            </a:r>
+            <a:endParaRPr lang="en-US" altLang="lt-LT"/>
+          </a:p>
+        </p:txBody>
+      </p:sp>
+      <p:graphicFrame>
+        <p:nvGraphicFramePr>
+          <p:cNvPr id="9" name="Content Placeholder 6"/>
+          <p:cNvGraphicFramePr>
+            <a:graphicFrameLocks/>
+          </p:cNvGraphicFramePr>
+          <p:nvPr>
+            <p:extLst>
+              <p:ext uri="{D42A27DB-BD31-4B8C-83A1-F6EECF244321}">
+                <p14:modId xmlns:p14="http://schemas.microsoft.com/office/powerpoint/2010/main" val="3580976837"/>
+              </p:ext>
+            </p:extLst>
+          </p:nvPr>
+        </p:nvGraphicFramePr>
+        <p:xfrm>
+          <a:off x="1392920" y="4013891"/>
+          <a:ext cx="6142136" cy="1752600"/>
+        </p:xfrm>
+        <a:graphic>
+          <a:graphicData uri="http://schemas.openxmlformats.org/drawingml/2006/table">
+            <a:tbl>
+              <a:tblPr firstRow="1" bandRow="1">
+                <a:effectLst/>
+                <a:tableStyleId>{F5AB1C69-6EDB-4FF4-983F-18BD219EF322}</a:tableStyleId>
+              </a:tblPr>
+              <a:tblGrid>
+                <a:gridCol w="2901776">
+                  <a:extLst>
+                    <a:ext uri="{9D8B030D-6E8A-4147-A177-3AD203B41FA5}">
+                      <a16:colId xmlns:a16="http://schemas.microsoft.com/office/drawing/2014/main" val="1039180667"/>
+                    </a:ext>
+                  </a:extLst>
+                </a:gridCol>
+                <a:gridCol w="1512168">
+                  <a:extLst>
+                    <a:ext uri="{9D8B030D-6E8A-4147-A177-3AD203B41FA5}">
+                      <a16:colId xmlns:a16="http://schemas.microsoft.com/office/drawing/2014/main" val="377698734"/>
+                    </a:ext>
+                  </a:extLst>
+                </a:gridCol>
+                <a:gridCol w="1728192">
+                  <a:extLst>
+                    <a:ext uri="{9D8B030D-6E8A-4147-A177-3AD203B41FA5}">
+                      <a16:colId xmlns:a16="http://schemas.microsoft.com/office/drawing/2014/main" val="1770077283"/>
+                    </a:ext>
+                  </a:extLst>
+                </a:gridCol>
+              </a:tblGrid>
+              <a:tr h="370840">
+                <a:tc>
+                  <a:txBody>
+                    <a:bodyPr/>
+                    <a:lstStyle/>
+                    <a:p>
+                      <a:endParaRPr lang="lt-LT" dirty="0">
+                        <a:solidFill>
+                          <a:schemeClr val="tx1"/>
+                        </a:solidFill>
+                      </a:endParaRPr>
+                    </a:p>
+                  </a:txBody>
+                  <a:tcPr>
+                    <a:lnL w="12700" cap="flat" cmpd="sng" algn="ctr">
+                      <a:solidFill>
+                        <a:schemeClr val="tx1"/>
+                      </a:solidFill>
+                      <a:prstDash val="solid"/>
+                      <a:round/>
+                      <a:headEnd type="none" w="med" len="med"/>
+                      <a:tailEnd type="none" w="med" len="med"/>
+                    </a:lnL>
+                    <a:lnR w="12700" cap="flat" cmpd="sng" algn="ctr">
+                      <a:solidFill>
+                        <a:schemeClr val="tx1"/>
+                      </a:solidFill>
+                      <a:prstDash val="solid"/>
+                      <a:round/>
+                      <a:headEnd type="none" w="med" len="med"/>
+                      <a:tailEnd type="none" w="med" len="med"/>
+                    </a:lnR>
+                    <a:lnT w="12700" cap="flat" cmpd="sng" algn="ctr">
+                      <a:solidFill>
+                        <a:schemeClr val="tx1"/>
+                      </a:solidFill>
+                      <a:prstDash val="solid"/>
+                      <a:round/>
+                      <a:headEnd type="none" w="med" len="med"/>
+                      <a:tailEnd type="none" w="med" len="med"/>
+                    </a:lnT>
+                    <a:lnB w="12700" cap="flat" cmpd="sng" algn="ctr">
+                      <a:solidFill>
+                        <a:schemeClr val="tx1"/>
+                      </a:solidFill>
+                      <a:prstDash val="solid"/>
+                      <a:round/>
+                      <a:headEnd type="none" w="med" len="med"/>
+                      <a:tailEnd type="none" w="med" len="med"/>
+                    </a:lnB>
+                    <a:lnTlToBr w="12700" cmpd="sng">
+                      <a:noFill/>
+                      <a:prstDash val="solid"/>
+                    </a:lnTlToBr>
+                    <a:lnBlToTr w="12700" cmpd="sng">
+                      <a:noFill/>
+                      <a:prstDash val="solid"/>
+                    </a:lnBlToTr>
+                    <a:noFill/>
+                  </a:tcPr>
+                </a:tc>
+                <a:tc>
+                  <a:txBody>
+                    <a:bodyPr/>
+                    <a:lstStyle/>
+                    <a:p>
+                      <a:pPr algn="ctr"/>
+                      <a:r>
+                        <a:rPr lang="lt-LT" dirty="0" smtClean="0">
+                          <a:solidFill>
+                            <a:schemeClr val="tx1"/>
+                          </a:solidFill>
+                        </a:rPr>
+                        <a:t>Ketvirtas bandymas</a:t>
+                      </a:r>
+                      <a:endParaRPr lang="lt-LT" dirty="0">
+                        <a:solidFill>
+                          <a:schemeClr val="tx1"/>
+                        </a:solidFill>
+                      </a:endParaRPr>
+                    </a:p>
+                  </a:txBody>
+                  <a:tcPr>
+                    <a:lnL w="12700" cap="flat" cmpd="sng" algn="ctr">
+                      <a:solidFill>
+                        <a:schemeClr val="tx1"/>
+                      </a:solidFill>
+                      <a:prstDash val="solid"/>
+                      <a:round/>
+                      <a:headEnd type="none" w="med" len="med"/>
+                      <a:tailEnd type="none" w="med" len="med"/>
+                    </a:lnL>
+                    <a:lnR w="12700" cap="flat" cmpd="sng" algn="ctr">
+                      <a:solidFill>
+                        <a:schemeClr val="tx1"/>
+                      </a:solidFill>
+                      <a:prstDash val="solid"/>
+                      <a:round/>
+                      <a:headEnd type="none" w="med" len="med"/>
+                      <a:tailEnd type="none" w="med" len="med"/>
+                    </a:lnR>
+                    <a:lnT w="12700" cap="flat" cmpd="sng" algn="ctr">
+                      <a:solidFill>
+                        <a:schemeClr val="tx1"/>
+                      </a:solidFill>
+                      <a:prstDash val="solid"/>
+                      <a:round/>
+                      <a:headEnd type="none" w="med" len="med"/>
+                      <a:tailEnd type="none" w="med" len="med"/>
+                    </a:lnT>
+                    <a:lnB w="12700" cap="flat" cmpd="sng" algn="ctr">
+                      <a:solidFill>
+                        <a:schemeClr val="tx1"/>
+                      </a:solidFill>
+                      <a:prstDash val="solid"/>
+                      <a:round/>
+                      <a:headEnd type="none" w="med" len="med"/>
+                      <a:tailEnd type="none" w="med" len="med"/>
+                    </a:lnB>
+                    <a:lnTlToBr w="12700" cmpd="sng">
+                      <a:noFill/>
+                      <a:prstDash val="solid"/>
+                    </a:lnTlToBr>
+                    <a:lnBlToTr w="12700" cmpd="sng">
+                      <a:noFill/>
+                      <a:prstDash val="solid"/>
+                    </a:lnBlToTr>
+                    <a:noFill/>
+                  </a:tcPr>
+                </a:tc>
+                <a:tc>
+                  <a:txBody>
+                    <a:bodyPr/>
+                    <a:lstStyle/>
+                    <a:p>
+                      <a:pPr algn="ctr"/>
+                      <a:r>
+                        <a:rPr lang="lt-LT" dirty="0" smtClean="0">
+                          <a:solidFill>
+                            <a:schemeClr val="tx1"/>
+                          </a:solidFill>
+                        </a:rPr>
+                        <a:t>Penktas bandymas</a:t>
+                      </a:r>
+                      <a:endParaRPr lang="lt-LT" dirty="0">
+                        <a:solidFill>
+                          <a:schemeClr val="tx1"/>
+                        </a:solidFill>
+                      </a:endParaRPr>
+                    </a:p>
+                  </a:txBody>
+                  <a:tcPr>
+                    <a:lnL w="12700" cap="flat" cmpd="sng" algn="ctr">
+                      <a:solidFill>
+                        <a:schemeClr val="tx1"/>
+                      </a:solidFill>
+                      <a:prstDash val="solid"/>
+                      <a:round/>
+                      <a:headEnd type="none" w="med" len="med"/>
+                      <a:tailEnd type="none" w="med" len="med"/>
+                    </a:lnL>
+                    <a:lnR w="12700" cap="flat" cmpd="sng" algn="ctr">
+                      <a:solidFill>
+                        <a:schemeClr val="tx1"/>
+                      </a:solidFill>
+                      <a:prstDash val="solid"/>
+                      <a:round/>
+                      <a:headEnd type="none" w="med" len="med"/>
+                      <a:tailEnd type="none" w="med" len="med"/>
+                    </a:lnR>
+                    <a:lnT w="12700" cap="flat" cmpd="sng" algn="ctr">
+                      <a:solidFill>
+                        <a:schemeClr val="tx1"/>
+                      </a:solidFill>
+                      <a:prstDash val="solid"/>
+                      <a:round/>
+                      <a:headEnd type="none" w="med" len="med"/>
+                      <a:tailEnd type="none" w="med" len="med"/>
+                    </a:lnT>
+                    <a:lnB w="12700" cap="flat" cmpd="sng" algn="ctr">
+                      <a:solidFill>
+                        <a:schemeClr val="tx1"/>
+                      </a:solidFill>
+                      <a:prstDash val="solid"/>
+                      <a:round/>
+                      <a:headEnd type="none" w="med" len="med"/>
+                      <a:tailEnd type="none" w="med" len="med"/>
+                    </a:lnB>
+                    <a:lnTlToBr w="12700" cmpd="sng">
+                      <a:noFill/>
+                      <a:prstDash val="solid"/>
+                    </a:lnTlToBr>
+                    <a:lnBlToTr w="12700" cmpd="sng">
+                      <a:noFill/>
+                      <a:prstDash val="solid"/>
+                    </a:lnBlToTr>
+                    <a:noFill/>
+                  </a:tcPr>
+                </a:tc>
+                <a:extLst>
+                  <a:ext uri="{0D108BD9-81ED-4DB2-BD59-A6C34878D82A}">
+                    <a16:rowId xmlns:a16="http://schemas.microsoft.com/office/drawing/2014/main" val="3607671221"/>
+                  </a:ext>
+                </a:extLst>
+              </a:tr>
+              <a:tr h="370840">
+                <a:tc>
+                  <a:txBody>
+                    <a:bodyPr/>
+                    <a:lstStyle/>
+                    <a:p>
+                      <a:r>
+                        <a:rPr lang="lt-LT" dirty="0" smtClean="0">
+                          <a:solidFill>
+                            <a:schemeClr val="tx1"/>
+                          </a:solidFill>
+                        </a:rPr>
+                        <a:t>Pirmas pasirinkimas</a:t>
+                      </a:r>
+                      <a:endParaRPr lang="lt-LT" dirty="0">
+                        <a:solidFill>
+                          <a:schemeClr val="tx1"/>
+                        </a:solidFill>
+                      </a:endParaRPr>
+                    </a:p>
+                  </a:txBody>
+                  <a:tcPr>
+                    <a:lnL w="12700" cap="flat" cmpd="sng" algn="ctr">
+                      <a:solidFill>
+                        <a:schemeClr val="tx1"/>
+                      </a:solidFill>
+                      <a:prstDash val="solid"/>
+                      <a:round/>
+                      <a:headEnd type="none" w="med" len="med"/>
+                      <a:tailEnd type="none" w="med" len="med"/>
+                    </a:lnL>
+                    <a:lnR w="12700" cap="flat" cmpd="sng" algn="ctr">
+                      <a:solidFill>
+                        <a:schemeClr val="tx1"/>
+                      </a:solidFill>
+                      <a:prstDash val="solid"/>
+                      <a:round/>
+                      <a:headEnd type="none" w="med" len="med"/>
+                      <a:tailEnd type="none" w="med" len="med"/>
+                    </a:lnR>
+                    <a:lnT w="12700" cap="flat" cmpd="sng" algn="ctr">
+                      <a:solidFill>
+                        <a:schemeClr val="tx1"/>
+                      </a:solidFill>
+                      <a:prstDash val="solid"/>
+                      <a:round/>
+                      <a:headEnd type="none" w="med" len="med"/>
+                      <a:tailEnd type="none" w="med" len="med"/>
+                    </a:lnT>
+                    <a:lnB w="12700" cap="flat" cmpd="sng" algn="ctr">
+                      <a:solidFill>
+                        <a:schemeClr val="tx1"/>
+                      </a:solidFill>
+                      <a:prstDash val="solid"/>
+                      <a:round/>
+                      <a:headEnd type="none" w="med" len="med"/>
+                      <a:tailEnd type="none" w="med" len="med"/>
+                    </a:lnB>
+                    <a:lnTlToBr w="12700" cmpd="sng">
+                      <a:noFill/>
+                      <a:prstDash val="solid"/>
+                    </a:lnTlToBr>
+                    <a:lnBlToTr w="12700" cmpd="sng">
+                      <a:noFill/>
+                      <a:prstDash val="solid"/>
+                    </a:lnBlToTr>
+                    <a:noFill/>
+                  </a:tcPr>
+                </a:tc>
+                <a:tc>
+                  <a:txBody>
+                    <a:bodyPr/>
+                    <a:lstStyle/>
+                    <a:p>
+                      <a:pPr algn="ctr"/>
+                      <a:r>
+                        <a:rPr lang="lt-LT" dirty="0" smtClean="0">
+                          <a:solidFill>
+                            <a:schemeClr val="tx1"/>
+                          </a:solidFill>
+                        </a:rPr>
+                        <a:t>15,13%</a:t>
+                      </a:r>
+                      <a:endParaRPr lang="lt-LT" dirty="0">
+                        <a:solidFill>
+                          <a:schemeClr val="tx1"/>
+                        </a:solidFill>
+                      </a:endParaRPr>
+                    </a:p>
+                  </a:txBody>
+                  <a:tcPr>
+                    <a:lnL w="12700" cap="flat" cmpd="sng" algn="ctr">
+                      <a:solidFill>
+                        <a:schemeClr val="tx1"/>
+                      </a:solidFill>
+                      <a:prstDash val="solid"/>
+                      <a:round/>
+                      <a:headEnd type="none" w="med" len="med"/>
+                      <a:tailEnd type="none" w="med" len="med"/>
+                    </a:lnL>
+                    <a:lnR w="12700" cap="flat" cmpd="sng" algn="ctr">
+                      <a:solidFill>
+                        <a:schemeClr val="tx1"/>
+                      </a:solidFill>
+                      <a:prstDash val="solid"/>
+                      <a:round/>
+                      <a:headEnd type="none" w="med" len="med"/>
+                      <a:tailEnd type="none" w="med" len="med"/>
+                    </a:lnR>
+                    <a:lnT w="12700" cap="flat" cmpd="sng" algn="ctr">
+                      <a:solidFill>
+                        <a:schemeClr val="tx1"/>
+                      </a:solidFill>
+                      <a:prstDash val="solid"/>
+                      <a:round/>
+                      <a:headEnd type="none" w="med" len="med"/>
+                      <a:tailEnd type="none" w="med" len="med"/>
+                    </a:lnT>
+                    <a:lnB w="12700" cap="flat" cmpd="sng" algn="ctr">
+                      <a:solidFill>
+                        <a:schemeClr val="tx1"/>
+                      </a:solidFill>
+                      <a:prstDash val="solid"/>
+                      <a:round/>
+                      <a:headEnd type="none" w="med" len="med"/>
+                      <a:tailEnd type="none" w="med" len="med"/>
+                    </a:lnB>
+                    <a:lnTlToBr w="12700" cmpd="sng">
+                      <a:noFill/>
+                      <a:prstDash val="solid"/>
+                    </a:lnTlToBr>
+                    <a:lnBlToTr w="12700" cmpd="sng">
+                      <a:noFill/>
+                      <a:prstDash val="solid"/>
+                    </a:lnBlToTr>
+                    <a:noFill/>
+                  </a:tcPr>
+                </a:tc>
+                <a:tc>
+                  <a:txBody>
+                    <a:bodyPr/>
+                    <a:lstStyle/>
+                    <a:p>
+                      <a:pPr algn="ctr"/>
+                      <a:r>
+                        <a:rPr lang="lt-LT" dirty="0" smtClean="0">
+                          <a:solidFill>
+                            <a:schemeClr val="tx1"/>
+                          </a:solidFill>
+                        </a:rPr>
+                        <a:t>14,71%</a:t>
+                      </a:r>
+                      <a:endParaRPr lang="lt-LT" dirty="0">
+                        <a:solidFill>
+                          <a:schemeClr val="tx1"/>
+                        </a:solidFill>
+                      </a:endParaRPr>
+                    </a:p>
+                  </a:txBody>
+                  <a:tcPr>
+                    <a:lnL w="12700" cap="flat" cmpd="sng" algn="ctr">
+                      <a:solidFill>
+                        <a:schemeClr val="tx1"/>
+                      </a:solidFill>
+                      <a:prstDash val="solid"/>
+                      <a:round/>
+                      <a:headEnd type="none" w="med" len="med"/>
+                      <a:tailEnd type="none" w="med" len="med"/>
+                    </a:lnL>
+                    <a:lnR w="12700" cap="flat" cmpd="sng" algn="ctr">
+                      <a:solidFill>
+                        <a:schemeClr val="tx1"/>
+                      </a:solidFill>
+                      <a:prstDash val="solid"/>
+                      <a:round/>
+                      <a:headEnd type="none" w="med" len="med"/>
+                      <a:tailEnd type="none" w="med" len="med"/>
+                    </a:lnR>
+                    <a:lnT w="12700" cap="flat" cmpd="sng" algn="ctr">
+                      <a:solidFill>
+                        <a:schemeClr val="tx1"/>
+                      </a:solidFill>
+                      <a:prstDash val="solid"/>
+                      <a:round/>
+                      <a:headEnd type="none" w="med" len="med"/>
+                      <a:tailEnd type="none" w="med" len="med"/>
+                    </a:lnT>
+                    <a:lnB w="12700" cap="flat" cmpd="sng" algn="ctr">
+                      <a:solidFill>
+                        <a:schemeClr val="tx1"/>
+                      </a:solidFill>
+                      <a:prstDash val="solid"/>
+                      <a:round/>
+                      <a:headEnd type="none" w="med" len="med"/>
+                      <a:tailEnd type="none" w="med" len="med"/>
+                    </a:lnB>
+                    <a:lnTlToBr w="12700" cmpd="sng">
+                      <a:noFill/>
+                      <a:prstDash val="solid"/>
+                    </a:lnTlToBr>
+                    <a:lnBlToTr w="12700" cmpd="sng">
+                      <a:noFill/>
+                      <a:prstDash val="solid"/>
+                    </a:lnBlToTr>
+                    <a:noFill/>
+                  </a:tcPr>
+                </a:tc>
+                <a:extLst>
+                  <a:ext uri="{0D108BD9-81ED-4DB2-BD59-A6C34878D82A}">
+                    <a16:rowId xmlns:a16="http://schemas.microsoft.com/office/drawing/2014/main" val="3748217690"/>
+                  </a:ext>
+                </a:extLst>
+              </a:tr>
+              <a:tr h="370840">
+                <a:tc>
+                  <a:txBody>
+                    <a:bodyPr/>
+                    <a:lstStyle/>
+                    <a:p>
+                      <a:r>
+                        <a:rPr lang="lt-LT" dirty="0" smtClean="0">
+                          <a:solidFill>
+                            <a:schemeClr val="tx1"/>
+                          </a:solidFill>
+                        </a:rPr>
+                        <a:t>Vienas iš</a:t>
+                      </a:r>
+                      <a:r>
+                        <a:rPr lang="lt-LT" baseline="0" dirty="0" smtClean="0">
+                          <a:solidFill>
+                            <a:schemeClr val="tx1"/>
+                          </a:solidFill>
+                        </a:rPr>
+                        <a:t> dviejų pasirinkimas</a:t>
+                      </a:r>
+                      <a:endParaRPr lang="lt-LT" dirty="0">
+                        <a:solidFill>
+                          <a:schemeClr val="tx1"/>
+                        </a:solidFill>
+                      </a:endParaRPr>
+                    </a:p>
+                  </a:txBody>
+                  <a:tcPr>
+                    <a:lnL w="12700" cap="flat" cmpd="sng" algn="ctr">
+                      <a:solidFill>
+                        <a:schemeClr val="tx1"/>
+                      </a:solidFill>
+                      <a:prstDash val="solid"/>
+                      <a:round/>
+                      <a:headEnd type="none" w="med" len="med"/>
+                      <a:tailEnd type="none" w="med" len="med"/>
+                    </a:lnL>
+                    <a:lnR w="12700" cap="flat" cmpd="sng" algn="ctr">
+                      <a:solidFill>
+                        <a:schemeClr val="tx1"/>
+                      </a:solidFill>
+                      <a:prstDash val="solid"/>
+                      <a:round/>
+                      <a:headEnd type="none" w="med" len="med"/>
+                      <a:tailEnd type="none" w="med" len="med"/>
+                    </a:lnR>
+                    <a:lnT w="12700" cap="flat" cmpd="sng" algn="ctr">
+                      <a:solidFill>
+                        <a:schemeClr val="tx1"/>
+                      </a:solidFill>
+                      <a:prstDash val="solid"/>
+                      <a:round/>
+                      <a:headEnd type="none" w="med" len="med"/>
+                      <a:tailEnd type="none" w="med" len="med"/>
+                    </a:lnT>
+                    <a:lnB w="12700" cap="flat" cmpd="sng" algn="ctr">
+                      <a:solidFill>
+                        <a:schemeClr val="tx1"/>
+                      </a:solidFill>
+                      <a:prstDash val="solid"/>
+                      <a:round/>
+                      <a:headEnd type="none" w="med" len="med"/>
+                      <a:tailEnd type="none" w="med" len="med"/>
+                    </a:lnB>
+                    <a:lnTlToBr w="12700" cmpd="sng">
+                      <a:noFill/>
+                      <a:prstDash val="solid"/>
+                    </a:lnTlToBr>
+                    <a:lnBlToTr w="12700" cmpd="sng">
+                      <a:noFill/>
+                      <a:prstDash val="solid"/>
+                    </a:lnBlToTr>
+                    <a:noFill/>
+                  </a:tcPr>
+                </a:tc>
+                <a:tc>
+                  <a:txBody>
+                    <a:bodyPr/>
+                    <a:lstStyle/>
+                    <a:p>
+                      <a:pPr algn="ctr"/>
+                      <a:r>
+                        <a:rPr lang="lt-LT" dirty="0" smtClean="0">
+                          <a:solidFill>
+                            <a:schemeClr val="tx1"/>
+                          </a:solidFill>
+                        </a:rPr>
+                        <a:t>25,21%</a:t>
+                      </a:r>
+                      <a:endParaRPr lang="lt-LT" dirty="0">
+                        <a:solidFill>
+                          <a:schemeClr val="tx1"/>
+                        </a:solidFill>
+                      </a:endParaRPr>
+                    </a:p>
+                  </a:txBody>
+                  <a:tcPr>
+                    <a:lnL w="12700" cap="flat" cmpd="sng" algn="ctr">
+                      <a:solidFill>
+                        <a:schemeClr val="tx1"/>
+                      </a:solidFill>
+                      <a:prstDash val="solid"/>
+                      <a:round/>
+                      <a:headEnd type="none" w="med" len="med"/>
+                      <a:tailEnd type="none" w="med" len="med"/>
+                    </a:lnL>
+                    <a:lnR w="12700" cap="flat" cmpd="sng" algn="ctr">
+                      <a:solidFill>
+                        <a:schemeClr val="tx1"/>
+                      </a:solidFill>
+                      <a:prstDash val="solid"/>
+                      <a:round/>
+                      <a:headEnd type="none" w="med" len="med"/>
+                      <a:tailEnd type="none" w="med" len="med"/>
+                    </a:lnR>
+                    <a:lnT w="12700" cap="flat" cmpd="sng" algn="ctr">
+                      <a:solidFill>
+                        <a:schemeClr val="tx1"/>
+                      </a:solidFill>
+                      <a:prstDash val="solid"/>
+                      <a:round/>
+                      <a:headEnd type="none" w="med" len="med"/>
+                      <a:tailEnd type="none" w="med" len="med"/>
+                    </a:lnT>
+                    <a:lnB w="12700" cap="flat" cmpd="sng" algn="ctr">
+                      <a:solidFill>
+                        <a:schemeClr val="tx1"/>
+                      </a:solidFill>
+                      <a:prstDash val="solid"/>
+                      <a:round/>
+                      <a:headEnd type="none" w="med" len="med"/>
+                      <a:tailEnd type="none" w="med" len="med"/>
+                    </a:lnB>
+                    <a:lnTlToBr w="12700" cmpd="sng">
+                      <a:noFill/>
+                      <a:prstDash val="solid"/>
+                    </a:lnTlToBr>
+                    <a:lnBlToTr w="12700" cmpd="sng">
+                      <a:noFill/>
+                      <a:prstDash val="solid"/>
+                    </a:lnBlToTr>
+                    <a:noFill/>
+                  </a:tcPr>
+                </a:tc>
+                <a:tc>
+                  <a:txBody>
+                    <a:bodyPr/>
+                    <a:lstStyle/>
+                    <a:p>
+                      <a:pPr algn="ctr"/>
+                      <a:r>
+                        <a:rPr lang="lt-LT" dirty="0" smtClean="0">
+                          <a:solidFill>
+                            <a:schemeClr val="tx1"/>
+                          </a:solidFill>
+                        </a:rPr>
+                        <a:t>20,17%</a:t>
+                      </a:r>
+                      <a:endParaRPr lang="lt-LT" dirty="0">
+                        <a:solidFill>
+                          <a:schemeClr val="tx1"/>
+                        </a:solidFill>
+                      </a:endParaRPr>
+                    </a:p>
+                  </a:txBody>
+                  <a:tcPr>
+                    <a:lnL w="12700" cap="flat" cmpd="sng" algn="ctr">
+                      <a:solidFill>
+                        <a:schemeClr val="tx1"/>
+                      </a:solidFill>
+                      <a:prstDash val="solid"/>
+                      <a:round/>
+                      <a:headEnd type="none" w="med" len="med"/>
+                      <a:tailEnd type="none" w="med" len="med"/>
+                    </a:lnL>
+                    <a:lnR w="12700" cap="flat" cmpd="sng" algn="ctr">
+                      <a:solidFill>
+                        <a:schemeClr val="tx1"/>
+                      </a:solidFill>
+                      <a:prstDash val="solid"/>
+                      <a:round/>
+                      <a:headEnd type="none" w="med" len="med"/>
+                      <a:tailEnd type="none" w="med" len="med"/>
+                    </a:lnR>
+                    <a:lnT w="12700" cap="flat" cmpd="sng" algn="ctr">
+                      <a:solidFill>
+                        <a:schemeClr val="tx1"/>
+                      </a:solidFill>
+                      <a:prstDash val="solid"/>
+                      <a:round/>
+                      <a:headEnd type="none" w="med" len="med"/>
+                      <a:tailEnd type="none" w="med" len="med"/>
+                    </a:lnT>
+                    <a:lnB w="12700" cap="flat" cmpd="sng" algn="ctr">
+                      <a:solidFill>
+                        <a:schemeClr val="tx1"/>
+                      </a:solidFill>
+                      <a:prstDash val="solid"/>
+                      <a:round/>
+                      <a:headEnd type="none" w="med" len="med"/>
+                      <a:tailEnd type="none" w="med" len="med"/>
+                    </a:lnB>
+                    <a:lnTlToBr w="12700" cmpd="sng">
+                      <a:noFill/>
+                      <a:prstDash val="solid"/>
+                    </a:lnTlToBr>
+                    <a:lnBlToTr w="12700" cmpd="sng">
+                      <a:noFill/>
+                      <a:prstDash val="solid"/>
+                    </a:lnBlToTr>
+                    <a:noFill/>
+                  </a:tcPr>
+                </a:tc>
+                <a:extLst>
+                  <a:ext uri="{0D108BD9-81ED-4DB2-BD59-A6C34878D82A}">
+                    <a16:rowId xmlns:a16="http://schemas.microsoft.com/office/drawing/2014/main" val="1752548750"/>
+                  </a:ext>
+                </a:extLst>
+              </a:tr>
+              <a:tr h="370840">
+                <a:tc>
+                  <a:txBody>
+                    <a:bodyPr/>
+                    <a:lstStyle/>
+                    <a:p>
+                      <a:r>
+                        <a:rPr lang="lt-LT" dirty="0" smtClean="0">
+                          <a:solidFill>
+                            <a:schemeClr val="tx1"/>
+                          </a:solidFill>
+                        </a:rPr>
+                        <a:t>Vienas iš penkių</a:t>
+                      </a:r>
+                      <a:r>
+                        <a:rPr lang="lt-LT" baseline="0" dirty="0" smtClean="0">
+                          <a:solidFill>
+                            <a:schemeClr val="tx1"/>
+                          </a:solidFill>
+                        </a:rPr>
+                        <a:t> pasirinkimas</a:t>
+                      </a:r>
+                      <a:endParaRPr lang="lt-LT" dirty="0">
+                        <a:solidFill>
+                          <a:schemeClr val="tx1"/>
+                        </a:solidFill>
+                      </a:endParaRPr>
+                    </a:p>
+                  </a:txBody>
+                  <a:tcPr>
+                    <a:lnL w="12700" cap="flat" cmpd="sng" algn="ctr">
+                      <a:solidFill>
+                        <a:schemeClr val="tx1"/>
+                      </a:solidFill>
+                      <a:prstDash val="solid"/>
+                      <a:round/>
+                      <a:headEnd type="none" w="med" len="med"/>
+                      <a:tailEnd type="none" w="med" len="med"/>
+                    </a:lnL>
+                    <a:lnR w="12700" cap="flat" cmpd="sng" algn="ctr">
+                      <a:solidFill>
+                        <a:schemeClr val="tx1"/>
+                      </a:solidFill>
+                      <a:prstDash val="solid"/>
+                      <a:round/>
+                      <a:headEnd type="none" w="med" len="med"/>
+                      <a:tailEnd type="none" w="med" len="med"/>
+                    </a:lnR>
+                    <a:lnT w="12700" cap="flat" cmpd="sng" algn="ctr">
+                      <a:solidFill>
+                        <a:schemeClr val="tx1"/>
+                      </a:solidFill>
+                      <a:prstDash val="solid"/>
+                      <a:round/>
+                      <a:headEnd type="none" w="med" len="med"/>
+                      <a:tailEnd type="none" w="med" len="med"/>
+                    </a:lnT>
+                    <a:lnB w="12700" cap="flat" cmpd="sng" algn="ctr">
+                      <a:solidFill>
+                        <a:schemeClr val="tx1"/>
+                      </a:solidFill>
+                      <a:prstDash val="solid"/>
+                      <a:round/>
+                      <a:headEnd type="none" w="med" len="med"/>
+                      <a:tailEnd type="none" w="med" len="med"/>
+                    </a:lnB>
+                    <a:lnTlToBr w="12700" cmpd="sng">
+                      <a:noFill/>
+                      <a:prstDash val="solid"/>
+                    </a:lnTlToBr>
+                    <a:lnBlToTr w="12700" cmpd="sng">
+                      <a:noFill/>
+                      <a:prstDash val="solid"/>
+                    </a:lnBlToTr>
+                    <a:noFill/>
+                  </a:tcPr>
+                </a:tc>
+                <a:tc>
+                  <a:txBody>
+                    <a:bodyPr/>
+                    <a:lstStyle/>
+                    <a:p>
+                      <a:pPr marL="0" marR="0" lvl="0" indent="0" algn="ctr" defTabSz="914400" rtl="0" eaLnBrk="1" fontAlgn="auto" latinLnBrk="0" hangingPunct="1">
+                        <a:lnSpc>
+                          <a:spcPct val="100000"/>
+                        </a:lnSpc>
+                        <a:spcBef>
+                          <a:spcPts val="0"/>
+                        </a:spcBef>
+                        <a:spcAft>
+                          <a:spcPts val="0"/>
+                        </a:spcAft>
+                        <a:buClrTx/>
+                        <a:buSzTx/>
+                        <a:buFontTx/>
+                        <a:buNone/>
+                        <a:tabLst/>
+                        <a:defRPr/>
+                      </a:pPr>
+                      <a:r>
+                        <a:rPr lang="lt-LT" dirty="0" smtClean="0">
+                          <a:solidFill>
+                            <a:schemeClr val="tx1"/>
+                          </a:solidFill>
+                        </a:rPr>
+                        <a:t>38,24%</a:t>
+                      </a:r>
+                    </a:p>
+                  </a:txBody>
+                  <a:tcPr>
+                    <a:lnL w="12700" cap="flat" cmpd="sng" algn="ctr">
+                      <a:solidFill>
+                        <a:schemeClr val="tx1"/>
+                      </a:solidFill>
+                      <a:prstDash val="solid"/>
+                      <a:round/>
+                      <a:headEnd type="none" w="med" len="med"/>
+                      <a:tailEnd type="none" w="med" len="med"/>
+                    </a:lnL>
+                    <a:lnR w="12700" cap="flat" cmpd="sng" algn="ctr">
+                      <a:solidFill>
+                        <a:schemeClr val="tx1"/>
+                      </a:solidFill>
+                      <a:prstDash val="solid"/>
+                      <a:round/>
+                      <a:headEnd type="none" w="med" len="med"/>
+                      <a:tailEnd type="none" w="med" len="med"/>
+                    </a:lnR>
+                    <a:lnT w="12700" cap="flat" cmpd="sng" algn="ctr">
+                      <a:solidFill>
+                        <a:schemeClr val="tx1"/>
+                      </a:solidFill>
+                      <a:prstDash val="solid"/>
+                      <a:round/>
+                      <a:headEnd type="none" w="med" len="med"/>
+                      <a:tailEnd type="none" w="med" len="med"/>
+                    </a:lnT>
+                    <a:lnB w="12700" cap="flat" cmpd="sng" algn="ctr">
+                      <a:solidFill>
+                        <a:schemeClr val="tx1"/>
+                      </a:solidFill>
+                      <a:prstDash val="solid"/>
+                      <a:round/>
+                      <a:headEnd type="none" w="med" len="med"/>
+                      <a:tailEnd type="none" w="med" len="med"/>
+                    </a:lnB>
+                    <a:lnTlToBr w="12700" cmpd="sng">
+                      <a:noFill/>
+                      <a:prstDash val="solid"/>
+                    </a:lnTlToBr>
+                    <a:lnBlToTr w="12700" cmpd="sng">
+                      <a:noFill/>
+                      <a:prstDash val="solid"/>
+                    </a:lnBlToTr>
+                    <a:noFill/>
+                  </a:tcPr>
+                </a:tc>
+                <a:tc>
+                  <a:txBody>
+                    <a:bodyPr/>
+                    <a:lstStyle/>
+                    <a:p>
+                      <a:pPr marL="0" marR="0" lvl="0" indent="0" algn="ctr" defTabSz="914400" rtl="0" eaLnBrk="1" fontAlgn="auto" latinLnBrk="0" hangingPunct="1">
+                        <a:lnSpc>
+                          <a:spcPct val="100000"/>
+                        </a:lnSpc>
+                        <a:spcBef>
+                          <a:spcPts val="0"/>
+                        </a:spcBef>
+                        <a:spcAft>
+                          <a:spcPts val="0"/>
+                        </a:spcAft>
+                        <a:buClrTx/>
+                        <a:buSzTx/>
+                        <a:buFontTx/>
+                        <a:buNone/>
+                        <a:tabLst/>
+                        <a:defRPr/>
+                      </a:pPr>
+                      <a:r>
+                        <a:rPr lang="lt-LT" dirty="0" smtClean="0">
+                          <a:solidFill>
+                            <a:schemeClr val="tx1"/>
+                          </a:solidFill>
+                        </a:rPr>
+                        <a:t>34,45%</a:t>
+                      </a:r>
+                    </a:p>
+                  </a:txBody>
+                  <a:tcPr>
+                    <a:lnL w="12700" cap="flat" cmpd="sng" algn="ctr">
+                      <a:solidFill>
+                        <a:schemeClr val="tx1"/>
+                      </a:solidFill>
+                      <a:prstDash val="solid"/>
+                      <a:round/>
+                      <a:headEnd type="none" w="med" len="med"/>
+                      <a:tailEnd type="none" w="med" len="med"/>
+                    </a:lnL>
+                    <a:lnR w="12700" cap="flat" cmpd="sng" algn="ctr">
+                      <a:solidFill>
+                        <a:schemeClr val="tx1"/>
+                      </a:solidFill>
+                      <a:prstDash val="solid"/>
+                      <a:round/>
+                      <a:headEnd type="none" w="med" len="med"/>
+                      <a:tailEnd type="none" w="med" len="med"/>
+                    </a:lnR>
+                    <a:lnT w="12700" cap="flat" cmpd="sng" algn="ctr">
+                      <a:solidFill>
+                        <a:schemeClr val="tx1"/>
+                      </a:solidFill>
+                      <a:prstDash val="solid"/>
+                      <a:round/>
+                      <a:headEnd type="none" w="med" len="med"/>
+                      <a:tailEnd type="none" w="med" len="med"/>
+                    </a:lnT>
+                    <a:lnB w="12700" cap="flat" cmpd="sng" algn="ctr">
+                      <a:solidFill>
+                        <a:schemeClr val="tx1"/>
+                      </a:solidFill>
+                      <a:prstDash val="solid"/>
+                      <a:round/>
+                      <a:headEnd type="none" w="med" len="med"/>
+                      <a:tailEnd type="none" w="med" len="med"/>
+                    </a:lnB>
+                    <a:lnTlToBr w="12700" cmpd="sng">
+                      <a:noFill/>
+                      <a:prstDash val="solid"/>
+                    </a:lnTlToBr>
+                    <a:lnBlToTr w="12700" cmpd="sng">
+                      <a:noFill/>
+                      <a:prstDash val="solid"/>
+                    </a:lnBlToTr>
+                    <a:noFill/>
+                  </a:tcPr>
+                </a:tc>
+                <a:extLst>
+                  <a:ext uri="{0D108BD9-81ED-4DB2-BD59-A6C34878D82A}">
+                    <a16:rowId xmlns:a16="http://schemas.microsoft.com/office/drawing/2014/main" val="186537511"/>
+                  </a:ext>
+                </a:extLst>
+              </a:tr>
+            </a:tbl>
+          </a:graphicData>
+        </a:graphic>
+      </p:graphicFrame>
+      <p:sp>
+        <p:nvSpPr>
+          <p:cNvPr id="10" name="TextBox 9"/>
+          <p:cNvSpPr txBox="1"/>
+          <p:nvPr/>
+        </p:nvSpPr>
+        <p:spPr>
+          <a:xfrm>
+            <a:off x="1392920" y="3677543"/>
+            <a:ext cx="6142136" cy="307777"/>
+          </a:xfrm>
+          <a:prstGeom prst="rect">
+            <a:avLst/>
+          </a:prstGeom>
+          <a:noFill/>
+        </p:spPr>
+        <p:txBody>
+          <a:bodyPr wrap="square" rtlCol="0">
+            <a:spAutoFit/>
+          </a:bodyPr>
+          <a:lstStyle/>
+          <a:p>
+            <a:pPr algn="ctr"/>
+            <a:r>
+              <a:rPr lang="lt-LT" sz="1400" dirty="0" smtClean="0">
+                <a:latin typeface="+mn-lt"/>
+              </a:rPr>
+              <a:t>2 lentelė. Testavimo statistika</a:t>
+            </a:r>
+            <a:endParaRPr lang="lt-LT" sz="1400" dirty="0">
+              <a:latin typeface="+mn-lt"/>
+            </a:endParaRPr>
+          </a:p>
+        </p:txBody>
+      </p:sp>
+      <p:sp>
+        <p:nvSpPr>
+          <p:cNvPr id="11" name="TextBox 10"/>
+          <p:cNvSpPr txBox="1"/>
+          <p:nvPr/>
+        </p:nvSpPr>
+        <p:spPr>
+          <a:xfrm>
+            <a:off x="683568" y="1609139"/>
+            <a:ext cx="7416824" cy="307777"/>
+          </a:xfrm>
+          <a:prstGeom prst="rect">
+            <a:avLst/>
+          </a:prstGeom>
+          <a:noFill/>
+        </p:spPr>
+        <p:txBody>
+          <a:bodyPr wrap="square" rtlCol="0">
+            <a:spAutoFit/>
+          </a:bodyPr>
+          <a:lstStyle/>
+          <a:p>
+            <a:pPr algn="ctr"/>
+            <a:r>
+              <a:rPr lang="lt-LT" sz="1400" dirty="0" smtClean="0">
+                <a:latin typeface="+mn-lt"/>
+              </a:rPr>
+              <a:t>1 lentelė. Konvoliucinių neuroninių tinklų ASL abėcėlės apmokymų statistika</a:t>
+            </a:r>
+            <a:endParaRPr lang="lt-LT" sz="1400" dirty="0">
+              <a:latin typeface="+mn-lt"/>
+            </a:endParaRPr>
+          </a:p>
+        </p:txBody>
+      </p:sp>
+    </p:spTree>
+    <p:extLst>
+      <p:ext uri="{BB962C8B-B14F-4D97-AF65-F5344CB8AC3E}">
+        <p14:creationId xmlns:p14="http://schemas.microsoft.com/office/powerpoint/2010/main" val="363007004"/>
+      </p:ext>
+    </p:extLst>
+  </p:cSld>
+  <p:clrMapOvr>
+    <a:masterClrMapping/>
+  </p:clrMapOvr>
+  <p:timing>
+    <p:tnLst>
+      <p:par>
+        <p:cTn id="1" dur="indefinite" restart="never" nodeType="tmRoot"/>
+      </p:par>
+    </p:tnLst>
+  </p:timing>
+</p:sld>
+</file>
+
+<file path=ppt/slides/slide24.xml><?xml version="1.0" encoding="utf-8"?>
+<p:sld xmlns:a="http://schemas.openxmlformats.org/drawingml/2006/main" xmlns:r="http://schemas.openxmlformats.org/officeDocument/2006/relationships" xmlns:p="http://schemas.openxmlformats.org/presentationml/2006/main">
+  <p:cSld>
+    <p:spTree>
+      <p:nvGrpSpPr>
+        <p:cNvPr id="1" name=""/>
+        <p:cNvGrpSpPr/>
+        <p:nvPr/>
+      </p:nvGrpSpPr>
+      <p:grpSpPr>
+        <a:xfrm>
+          <a:off x="0" y="0"/>
+          <a:ext cx="0" cy="0"/>
+          <a:chOff x="0" y="0"/>
+          <a:chExt cx="0" cy="0"/>
+        </a:xfrm>
+      </p:grpSpPr>
+      <p:sp>
+        <p:nvSpPr>
+          <p:cNvPr id="2" name="Title 1"/>
+          <p:cNvSpPr>
+            <a:spLocks noGrp="1"/>
+          </p:cNvSpPr>
+          <p:nvPr>
+            <p:ph type="title"/>
+          </p:nvPr>
+        </p:nvSpPr>
+        <p:spPr/>
+        <p:txBody>
+          <a:bodyPr/>
+          <a:lstStyle/>
+          <a:p>
+            <a:r>
+              <a:rPr lang="lt-LT" dirty="0" smtClean="0"/>
+              <a:t>Rezultatai</a:t>
+            </a:r>
+            <a:endParaRPr lang="lt-LT" dirty="0"/>
+          </a:p>
+        </p:txBody>
+      </p:sp>
+      <p:sp>
+        <p:nvSpPr>
+          <p:cNvPr id="3" name="Content Placeholder 2"/>
+          <p:cNvSpPr>
+            <a:spLocks noGrp="1"/>
+          </p:cNvSpPr>
+          <p:nvPr>
+            <p:ph idx="1"/>
+          </p:nvPr>
+        </p:nvSpPr>
+        <p:spPr/>
+        <p:txBody>
+          <a:bodyPr/>
+          <a:lstStyle/>
+          <a:p>
+            <a:endParaRPr lang="lt-LT" dirty="0"/>
+          </a:p>
+        </p:txBody>
+      </p:sp>
+      <p:sp>
+        <p:nvSpPr>
+          <p:cNvPr id="4" name="Date Placeholder 3"/>
+          <p:cNvSpPr>
+            <a:spLocks noGrp="1"/>
+          </p:cNvSpPr>
+          <p:nvPr>
+            <p:ph type="dt" sz="half" idx="10"/>
+          </p:nvPr>
+        </p:nvSpPr>
+        <p:spPr/>
+        <p:txBody>
+          <a:bodyPr/>
+          <a:lstStyle/>
+          <a:p>
+            <a:r>
+              <a:rPr lang="lt-LT" altLang="lt-LT" smtClean="0"/>
+              <a:t>2017-06-26</a:t>
+            </a:r>
+            <a:endParaRPr lang="en-US" altLang="lt-LT"/>
+          </a:p>
+        </p:txBody>
+      </p:sp>
+      <p:sp>
+        <p:nvSpPr>
+          <p:cNvPr id="5" name="Footer Placeholder 4"/>
+          <p:cNvSpPr>
+            <a:spLocks noGrp="1"/>
+          </p:cNvSpPr>
+          <p:nvPr>
+            <p:ph type="ftr" sz="quarter" idx="11"/>
+          </p:nvPr>
+        </p:nvSpPr>
+        <p:spPr/>
+        <p:txBody>
+          <a:bodyPr/>
+          <a:lstStyle/>
+          <a:p>
+            <a:r>
+              <a:rPr lang="lt-LT" altLang="lt-LT" smtClean="0"/>
+              <a:t>VU, MIF</a:t>
+            </a:r>
+            <a:endParaRPr lang="en-US" altLang="lt-LT"/>
+          </a:p>
+        </p:txBody>
+      </p:sp>
+    </p:spTree>
+    <p:extLst>
+      <p:ext uri="{BB962C8B-B14F-4D97-AF65-F5344CB8AC3E}">
+        <p14:creationId xmlns:p14="http://schemas.microsoft.com/office/powerpoint/2010/main" val="319944346"/>
+      </p:ext>
+    </p:extLst>
+  </p:cSld>
+  <p:clrMapOvr>
+    <a:masterClrMapping/>
+  </p:clrMapOvr>
+</p:sld>
+</file>
+
+<file path=ppt/slides/slide25.xml><?xml version="1.0" encoding="utf-8"?>
+<p:sld xmlns:a="http://schemas.openxmlformats.org/drawingml/2006/main" xmlns:r="http://schemas.openxmlformats.org/officeDocument/2006/relationships" xmlns:p="http://schemas.openxmlformats.org/presentationml/2006/main">
+  <p:cSld>
+    <p:spTree>
+      <p:nvGrpSpPr>
+        <p:cNvPr id="1" name=""/>
+        <p:cNvGrpSpPr/>
+        <p:nvPr/>
+      </p:nvGrpSpPr>
+      <p:grpSpPr>
+        <a:xfrm>
+          <a:off x="0" y="0"/>
+          <a:ext cx="0" cy="0"/>
+          <a:chOff x="0" y="0"/>
+          <a:chExt cx="0" cy="0"/>
+        </a:xfrm>
+      </p:grpSpPr>
+      <p:sp>
+        <p:nvSpPr>
+          <p:cNvPr id="2" name="Title 1"/>
+          <p:cNvSpPr>
+            <a:spLocks noGrp="1"/>
+          </p:cNvSpPr>
+          <p:nvPr>
+            <p:ph type="title"/>
+          </p:nvPr>
+        </p:nvSpPr>
+        <p:spPr/>
+        <p:txBody>
+          <a:bodyPr/>
+          <a:lstStyle/>
+          <a:p>
+            <a:r>
+              <a:rPr lang="lt-LT" dirty="0" smtClean="0"/>
+              <a:t>Išvados</a:t>
+            </a:r>
+            <a:endParaRPr lang="lt-LT" dirty="0"/>
+          </a:p>
+        </p:txBody>
+      </p:sp>
+      <p:sp>
+        <p:nvSpPr>
+          <p:cNvPr id="3" name="Content Placeholder 2"/>
+          <p:cNvSpPr>
+            <a:spLocks noGrp="1"/>
+          </p:cNvSpPr>
+          <p:nvPr>
+            <p:ph idx="1"/>
+          </p:nvPr>
+        </p:nvSpPr>
+        <p:spPr/>
+        <p:txBody>
+          <a:bodyPr/>
+          <a:lstStyle/>
+          <a:p>
+            <a:endParaRPr lang="lt-LT"/>
+          </a:p>
+        </p:txBody>
+      </p:sp>
+      <p:sp>
+        <p:nvSpPr>
+          <p:cNvPr id="4" name="Date Placeholder 3"/>
+          <p:cNvSpPr>
+            <a:spLocks noGrp="1"/>
+          </p:cNvSpPr>
+          <p:nvPr>
+            <p:ph type="dt" sz="half" idx="10"/>
+          </p:nvPr>
+        </p:nvSpPr>
+        <p:spPr/>
+        <p:txBody>
+          <a:bodyPr/>
+          <a:lstStyle/>
+          <a:p>
+            <a:r>
+              <a:rPr lang="lt-LT" altLang="lt-LT" smtClean="0"/>
+              <a:t>2017-06-26</a:t>
+            </a:r>
+            <a:endParaRPr lang="en-US" altLang="lt-LT"/>
+          </a:p>
+        </p:txBody>
+      </p:sp>
+      <p:sp>
+        <p:nvSpPr>
+          <p:cNvPr id="5" name="Footer Placeholder 4"/>
+          <p:cNvSpPr>
+            <a:spLocks noGrp="1"/>
+          </p:cNvSpPr>
+          <p:nvPr>
+            <p:ph type="ftr" sz="quarter" idx="11"/>
+          </p:nvPr>
+        </p:nvSpPr>
+        <p:spPr/>
+        <p:txBody>
+          <a:bodyPr/>
+          <a:lstStyle/>
+          <a:p>
+            <a:r>
+              <a:rPr lang="lt-LT" altLang="lt-LT" smtClean="0"/>
+              <a:t>VU, MIF</a:t>
+            </a:r>
+            <a:endParaRPr lang="en-US" altLang="lt-LT"/>
+          </a:p>
+        </p:txBody>
+      </p:sp>
+    </p:spTree>
+    <p:extLst>
+      <p:ext uri="{BB962C8B-B14F-4D97-AF65-F5344CB8AC3E}">
+        <p14:creationId xmlns:p14="http://schemas.microsoft.com/office/powerpoint/2010/main" val="889969444"/>
       </p:ext>
     </p:extLst>
   </p:cSld>
@@ -5204,29 +10209,35 @@
           </a:p>
         </p:txBody>
       </p:sp>
-      <p:sp>
-        <p:nvSpPr>
-          <p:cNvPr id="3" name="Content Placeholder 2"/>
-          <p:cNvSpPr>
-            <a:spLocks noGrp="1"/>
-          </p:cNvSpPr>
+      <p:pic>
+        <p:nvPicPr>
+          <p:cNvPr id="6" name="Content Placeholder 5"/>
+          <p:cNvPicPr>
+            <a:picLocks noGrp="1" noChangeAspect="1"/>
+          </p:cNvPicPr>
           <p:nvPr>
             <p:ph idx="1"/>
           </p:nvPr>
-        </p:nvSpPr>
-        <p:spPr/>
-        <p:txBody>
-          <a:bodyPr/>
-          <a:lstStyle/>
-          <a:p>
-            <a:r>
-              <a:rPr lang="lt-LT" dirty="0" smtClean="0"/>
-              <a:t>ĮDĖTI FOTO</a:t>
-            </a:r>
-            <a:endParaRPr lang="lt-LT" dirty="0"/>
-          </a:p>
-        </p:txBody>
-      </p:sp>
+        </p:nvPicPr>
+        <p:blipFill>
+          <a:blip r:embed="rId2" cstate="print">
+            <a:extLst>
+              <a:ext uri="{28A0092B-C50C-407E-A947-70E740481C1C}">
+                <a14:useLocalDpi xmlns:a14="http://schemas.microsoft.com/office/drawing/2010/main" val="0"/>
+              </a:ext>
+            </a:extLst>
+          </a:blip>
+          <a:stretch>
+            <a:fillRect/>
+          </a:stretch>
+        </p:blipFill>
+        <p:spPr>
+          <a:xfrm>
+            <a:off x="5148064" y="1772816"/>
+            <a:ext cx="2790154" cy="3941267"/>
+          </a:xfrm>
+        </p:spPr>
+      </p:pic>
       <p:sp>
         <p:nvSpPr>
           <p:cNvPr id="4" name="Date Placeholder 3"/>
@@ -5270,6 +10281,106 @@
               <a:t>VU, MIF</a:t>
             </a:r>
             <a:endParaRPr lang="en-US" altLang="lt-LT"/>
+          </a:p>
+        </p:txBody>
+      </p:sp>
+      <p:pic>
+        <p:nvPicPr>
+          <p:cNvPr id="7" name="Picture 6"/>
+          <p:cNvPicPr>
+            <a:picLocks noChangeAspect="1"/>
+          </p:cNvPicPr>
+          <p:nvPr/>
+        </p:nvPicPr>
+        <p:blipFill>
+          <a:blip r:embed="rId3" cstate="print">
+            <a:extLst>
+              <a:ext uri="{28A0092B-C50C-407E-A947-70E740481C1C}">
+                <a14:useLocalDpi xmlns:a14="http://schemas.microsoft.com/office/drawing/2010/main" val="0"/>
+              </a:ext>
+            </a:extLst>
+          </a:blip>
+          <a:stretch>
+            <a:fillRect/>
+          </a:stretch>
+        </p:blipFill>
+        <p:spPr>
+          <a:xfrm>
+            <a:off x="971600" y="2280977"/>
+            <a:ext cx="3899925" cy="2924944"/>
+          </a:xfrm>
+          <a:prstGeom prst="rect">
+            <a:avLst/>
+          </a:prstGeom>
+        </p:spPr>
+      </p:pic>
+      <p:sp>
+        <p:nvSpPr>
+          <p:cNvPr id="9" name="TextBox 8"/>
+          <p:cNvSpPr txBox="1"/>
+          <p:nvPr/>
+        </p:nvSpPr>
+        <p:spPr>
+          <a:xfrm>
+            <a:off x="1121362" y="5205921"/>
+            <a:ext cx="3600400" cy="307777"/>
+          </a:xfrm>
+          <a:prstGeom prst="rect">
+            <a:avLst/>
+          </a:prstGeom>
+          <a:noFill/>
+        </p:spPr>
+        <p:txBody>
+          <a:bodyPr wrap="square" rtlCol="0">
+            <a:spAutoFit/>
+          </a:bodyPr>
+          <a:lstStyle/>
+          <a:p>
+            <a:pPr algn="ctr"/>
+            <a:r>
+              <a:rPr lang="lt-LT" sz="1400" dirty="0" smtClean="0">
+                <a:latin typeface="+mn-lt"/>
+              </a:rPr>
+              <a:t>Amerikiečių anglų gestų kalbos abėcėlė</a:t>
+            </a:r>
+            <a:endParaRPr lang="lt-LT" sz="1400" dirty="0">
+              <a:latin typeface="+mn-lt"/>
+            </a:endParaRPr>
+          </a:p>
+        </p:txBody>
+      </p:sp>
+      <p:sp>
+        <p:nvSpPr>
+          <p:cNvPr id="10" name="TextBox 9"/>
+          <p:cNvSpPr txBox="1"/>
+          <p:nvPr/>
+        </p:nvSpPr>
+        <p:spPr>
+          <a:xfrm>
+            <a:off x="5163497" y="5714083"/>
+            <a:ext cx="2774722" cy="307777"/>
+          </a:xfrm>
+          <a:prstGeom prst="rect">
+            <a:avLst/>
+          </a:prstGeom>
+          <a:noFill/>
+        </p:spPr>
+        <p:txBody>
+          <a:bodyPr wrap="square" rtlCol="0">
+            <a:spAutoFit/>
+          </a:bodyPr>
+          <a:lstStyle/>
+          <a:p>
+            <a:pPr algn="ctr"/>
+            <a:r>
+              <a:rPr lang="lt-LT" sz="1400" dirty="0" smtClean="0">
+                <a:latin typeface="+mn-lt"/>
+              </a:rPr>
+              <a:t>Lietuvių gestų kalbos abėcėlė</a:t>
+            </a:r>
+            <a:endParaRPr lang="lt-LT" sz="1400" dirty="0">
+              <a:latin typeface="+mn-lt"/>
+            </a:endParaRPr>
           </a:p>
         </p:txBody>
       </p:sp>
@@ -5474,25 +10585,35 @@
           </a:p>
         </p:txBody>
       </p:sp>
-      <p:sp>
-        <p:nvSpPr>
-          <p:cNvPr id="3" name="Content Placeholder 2"/>
-          <p:cNvSpPr>
-            <a:spLocks noGrp="1"/>
-          </p:cNvSpPr>
+      <p:pic>
+        <p:nvPicPr>
+          <p:cNvPr id="6" name="Content Placeholder 5"/>
+          <p:cNvPicPr>
+            <a:picLocks noGrp="1" noChangeAspect="1"/>
+          </p:cNvPicPr>
           <p:nvPr>
             <p:ph idx="1"/>
           </p:nvPr>
-        </p:nvSpPr>
-        <p:spPr/>
-        <p:txBody>
-          <a:bodyPr/>
-          <a:lstStyle/>
-          <a:p>
-            <a:endParaRPr lang="lt-LT" dirty="0"/>
-          </a:p>
-        </p:txBody>
-      </p:sp>
+        </p:nvPicPr>
+        <p:blipFill>
+          <a:blip r:embed="rId2">
+            <a:extLst>
+              <a:ext uri="{28A0092B-C50C-407E-A947-70E740481C1C}">
+                <a14:useLocalDpi xmlns:a14="http://schemas.microsoft.com/office/drawing/2010/main" val="0"/>
+              </a:ext>
+            </a:extLst>
+          </a:blip>
+          <a:stretch>
+            <a:fillRect/>
+          </a:stretch>
+        </p:blipFill>
+        <p:spPr>
+          <a:xfrm>
+            <a:off x="1033265" y="2738467"/>
+            <a:ext cx="7077470" cy="2249428"/>
+          </a:xfrm>
+        </p:spPr>
+      </p:pic>
       <p:sp>
         <p:nvSpPr>
           <p:cNvPr id="4" name="Date Placeholder 3"/>

--- a/Gestų kalbos atpažinimas naudojant internetinę kamerą.pptx
+++ b/Gestų kalbos atpažinimas naudojant internetinę kamerą.pptx
@@ -5,10 +5,10 @@
     <p:sldMasterId id="2147483648" r:id="rId1"/>
   </p:sldMasterIdLst>
   <p:notesMasterIdLst>
-    <p:notesMasterId r:id="rId27"/>
+    <p:notesMasterId r:id="rId25"/>
   </p:notesMasterIdLst>
   <p:handoutMasterIdLst>
-    <p:handoutMasterId r:id="rId28"/>
+    <p:handoutMasterId r:id="rId26"/>
   </p:handoutMasterIdLst>
   <p:sldIdLst>
     <p:sldId id="256" r:id="rId2"/>
@@ -19,23 +19,21 @@
     <p:sldId id="263" r:id="rId7"/>
     <p:sldId id="264" r:id="rId8"/>
     <p:sldId id="266" r:id="rId9"/>
-    <p:sldId id="265" r:id="rId10"/>
-    <p:sldId id="267" r:id="rId11"/>
-    <p:sldId id="268" r:id="rId12"/>
-    <p:sldId id="270" r:id="rId13"/>
-    <p:sldId id="269" r:id="rId14"/>
-    <p:sldId id="271" r:id="rId15"/>
-    <p:sldId id="272" r:id="rId16"/>
-    <p:sldId id="278" r:id="rId17"/>
-    <p:sldId id="279" r:id="rId18"/>
-    <p:sldId id="274" r:id="rId19"/>
-    <p:sldId id="273" r:id="rId20"/>
-    <p:sldId id="275" r:id="rId21"/>
-    <p:sldId id="276" r:id="rId22"/>
-    <p:sldId id="277" r:id="rId23"/>
-    <p:sldId id="260" r:id="rId24"/>
-    <p:sldId id="280" r:id="rId25"/>
-    <p:sldId id="261" r:id="rId26"/>
+    <p:sldId id="268" r:id="rId10"/>
+    <p:sldId id="270" r:id="rId11"/>
+    <p:sldId id="269" r:id="rId12"/>
+    <p:sldId id="271" r:id="rId13"/>
+    <p:sldId id="272" r:id="rId14"/>
+    <p:sldId id="278" r:id="rId15"/>
+    <p:sldId id="279" r:id="rId16"/>
+    <p:sldId id="274" r:id="rId17"/>
+    <p:sldId id="273" r:id="rId18"/>
+    <p:sldId id="275" r:id="rId19"/>
+    <p:sldId id="276" r:id="rId20"/>
+    <p:sldId id="277" r:id="rId21"/>
+    <p:sldId id="260" r:id="rId22"/>
+    <p:sldId id="280" r:id="rId23"/>
+    <p:sldId id="281" r:id="rId24"/>
   </p:sldIdLst>
   <p:sldSz cx="9144000" cy="6858000" type="screen4x3"/>
   <p:notesSz cx="6858000" cy="9144000"/>
@@ -1244,6 +1242,111 @@
     <p:extLst>
       <p:ext uri="{BB962C8B-B14F-4D97-AF65-F5344CB8AC3E}">
         <p14:creationId xmlns:p14="http://schemas.microsoft.com/office/powerpoint/2010/main" val="336657603"/>
+      </p:ext>
+    </p:extLst>
+  </p:cSld>
+  <p:clrMapOvr>
+    <a:masterClrMapping/>
+  </p:clrMapOvr>
+</p:notes>
+</file>
+
+<file path=ppt/notesSlides/notesSlide2.xml><?xml version="1.0" encoding="utf-8"?>
+<p:notes xmlns:a="http://schemas.openxmlformats.org/drawingml/2006/main" xmlns:r="http://schemas.openxmlformats.org/officeDocument/2006/relationships" xmlns:p="http://schemas.openxmlformats.org/presentationml/2006/main">
+  <p:cSld>
+    <p:spTree>
+      <p:nvGrpSpPr>
+        <p:cNvPr id="1" name=""/>
+        <p:cNvGrpSpPr/>
+        <p:nvPr/>
+      </p:nvGrpSpPr>
+      <p:grpSpPr>
+        <a:xfrm>
+          <a:off x="0" y="0"/>
+          <a:ext cx="0" cy="0"/>
+          <a:chOff x="0" y="0"/>
+          <a:chExt cx="0" cy="0"/>
+        </a:xfrm>
+      </p:grpSpPr>
+      <p:sp>
+        <p:nvSpPr>
+          <p:cNvPr id="2" name="Slide Image Placeholder 1"/>
+          <p:cNvSpPr>
+            <a:spLocks noGrp="1" noRot="1" noChangeAspect="1"/>
+          </p:cNvSpPr>
+          <p:nvPr>
+            <p:ph type="sldImg"/>
+          </p:nvPr>
+        </p:nvSpPr>
+        <p:spPr/>
+      </p:sp>
+      <p:sp>
+        <p:nvSpPr>
+          <p:cNvPr id="3" name="Notes Placeholder 2"/>
+          <p:cNvSpPr>
+            <a:spLocks noGrp="1"/>
+          </p:cNvSpPr>
+          <p:nvPr>
+            <p:ph type="body" idx="1"/>
+          </p:nvPr>
+        </p:nvSpPr>
+        <p:spPr/>
+        <p:txBody>
+          <a:bodyPr/>
+          <a:lstStyle/>
+          <a:p>
+            <a:pPr marL="0" marR="0" lvl="0" indent="0" algn="l" defTabSz="914400" rtl="0" eaLnBrk="1" fontAlgn="base" latinLnBrk="0" hangingPunct="1">
+              <a:lnSpc>
+                <a:spcPct val="100000"/>
+              </a:lnSpc>
+              <a:spcBef>
+                <a:spcPct val="30000"/>
+              </a:spcBef>
+              <a:spcAft>
+                <a:spcPct val="0"/>
+              </a:spcAft>
+              <a:buClrTx/>
+              <a:buSzTx/>
+              <a:buFontTx/>
+              <a:buNone/>
+              <a:tabLst/>
+              <a:defRPr/>
+            </a:pPr>
+            <a:r>
+              <a:rPr lang="lt-LT" dirty="0" smtClean="0"/>
+              <a:t>Pasinaudota Python programavimo kalba.</a:t>
+            </a:r>
+          </a:p>
+        </p:txBody>
+      </p:sp>
+      <p:sp>
+        <p:nvSpPr>
+          <p:cNvPr id="4" name="Slide Number Placeholder 3"/>
+          <p:cNvSpPr>
+            <a:spLocks noGrp="1"/>
+          </p:cNvSpPr>
+          <p:nvPr>
+            <p:ph type="sldNum" sz="quarter" idx="10"/>
+          </p:nvPr>
+        </p:nvSpPr>
+        <p:spPr/>
+        <p:txBody>
+          <a:bodyPr/>
+          <a:lstStyle/>
+          <a:p>
+            <a:fld id="{0B818F40-E61D-4892-A54C-D65725374B6F}" type="slidenum">
+              <a:rPr lang="en-US" altLang="lt-LT" smtClean="0"/>
+              <a:pPr/>
+              <a:t>9</a:t>
+            </a:fld>
+            <a:endParaRPr lang="en-US" altLang="lt-LT"/>
+          </a:p>
+        </p:txBody>
+      </p:sp>
+    </p:spTree>
+    <p:extLst>
+      <p:ext uri="{BB962C8B-B14F-4D97-AF65-F5344CB8AC3E}">
+        <p14:creationId xmlns:p14="http://schemas.microsoft.com/office/powerpoint/2010/main" val="349189971"/>
       </p:ext>
     </p:extLst>
   </p:cSld>
@@ -4290,7 +4393,7 @@
           <a:p>
             <a:r>
               <a:rPr lang="lt-LT" dirty="0" smtClean="0"/>
-              <a:t>Konvoliucinių neuroninių tinklų sluoksniai</a:t>
+              <a:t>Duomenys</a:t>
             </a:r>
             <a:endParaRPr lang="lt-LT" dirty="0"/>
           </a:p>
@@ -4312,25 +4415,18 @@
           <a:lstStyle/>
           <a:p>
             <a:r>
-              <a:rPr lang="lt-LT" b="1" dirty="0" smtClean="0"/>
-              <a:t>Telkimo sluoksnis </a:t>
-            </a:r>
-            <a:r>
               <a:rPr lang="lt-LT" dirty="0" smtClean="0"/>
-              <a:t>– sumažina duotąją matricą. Dažniausiai – vidutinės arba maksimalios reikšmės telkimas;</a:t>
-            </a:r>
-            <a:endParaRPr lang="lt-LT" b="1" dirty="0" smtClean="0"/>
-          </a:p>
-          <a:p>
-            <a:r>
-              <a:rPr lang="lt-LT" b="1" dirty="0" smtClean="0"/>
-              <a:t>Konvoliucinis sluoksnis </a:t>
-            </a:r>
+              <a:t>24-ių ASL abėcėlės raidžių gestai;</a:t>
+            </a:r>
+          </a:p>
+          <a:p>
             <a:r>
               <a:rPr lang="lt-LT" dirty="0" smtClean="0"/>
-              <a:t>– naujos matricos gavimas naudojantis konvoliuciniu filtru.</a:t>
-            </a:r>
-            <a:endParaRPr lang="lt-LT" b="1" dirty="0"/>
+              <a:t>Kiekvienai raidei – katalogas;</a:t>
+            </a:r>
+          </a:p>
+          <a:p>
+            <a:endParaRPr lang="lt-LT" dirty="0"/>
           </a:p>
         </p:txBody>
       </p:sp>
@@ -4383,7 +4479,7 @@
     </p:spTree>
     <p:extLst>
       <p:ext uri="{BB962C8B-B14F-4D97-AF65-F5344CB8AC3E}">
-        <p14:creationId xmlns:p14="http://schemas.microsoft.com/office/powerpoint/2010/main" val="3460386851"/>
+        <p14:creationId xmlns:p14="http://schemas.microsoft.com/office/powerpoint/2010/main" val="1721791269"/>
       </p:ext>
     </p:extLst>
   </p:cSld>
@@ -4427,7 +4523,7 @@
           <a:p>
             <a:r>
               <a:rPr lang="lt-LT" dirty="0" smtClean="0"/>
-              <a:t>Bandymai</a:t>
+              <a:t>Įprastiniai metodai</a:t>
             </a:r>
             <a:endParaRPr lang="lt-LT" dirty="0"/>
           </a:p>
@@ -4450,32 +4546,29 @@
           <a:p>
             <a:r>
               <a:rPr lang="lt-LT" dirty="0" smtClean="0"/>
-              <a:t>Duomenys;</a:t>
+              <a:t>OpenCV;</a:t>
             </a:r>
           </a:p>
           <a:p>
             <a:r>
               <a:rPr lang="lt-LT" dirty="0" smtClean="0"/>
-              <a:t>Įprastiniai metodai;</a:t>
+              <a:t>Trukmė: ~5 valandas;</a:t>
             </a:r>
           </a:p>
           <a:p>
             <a:r>
               <a:rPr lang="lt-LT" dirty="0" smtClean="0"/>
-              <a:t>Konvoliucinio neuroninio tinklo modelis.</a:t>
-            </a:r>
-          </a:p>
-          <a:p>
-            <a:endParaRPr lang="lt-LT" dirty="0" smtClean="0"/>
+              <a:t>400 kadrų kiekvienai ASL raidei;</a:t>
+            </a:r>
+          </a:p>
+          <a:p>
+            <a:r>
+              <a:rPr lang="lt-LT" dirty="0" smtClean="0"/>
+              <a:t>95-98% tikslumas po apmokymo;</a:t>
+            </a:r>
           </a:p>
           <a:p>
             <a:endParaRPr lang="lt-LT" dirty="0"/>
-          </a:p>
-          <a:p>
-            <a:r>
-              <a:rPr lang="lt-LT" dirty="0" smtClean="0"/>
-              <a:t>Pasinaudota Python programavimo kalba.</a:t>
-            </a:r>
           </a:p>
         </p:txBody>
       </p:sp>
@@ -4528,7 +4621,7 @@
     </p:spTree>
     <p:extLst>
       <p:ext uri="{BB962C8B-B14F-4D97-AF65-F5344CB8AC3E}">
-        <p14:creationId xmlns:p14="http://schemas.microsoft.com/office/powerpoint/2010/main" val="2210381755"/>
+        <p14:creationId xmlns:p14="http://schemas.microsoft.com/office/powerpoint/2010/main" val="2589070294"/>
       </p:ext>
     </p:extLst>
   </p:cSld>
@@ -4572,299 +4665,8 @@
           <a:p>
             <a:r>
               <a:rPr lang="lt-LT" dirty="0" smtClean="0"/>
-              <a:t>Duomenys</a:t>
-            </a:r>
-            <a:endParaRPr lang="lt-LT" dirty="0"/>
-          </a:p>
-        </p:txBody>
-      </p:sp>
-      <p:sp>
-        <p:nvSpPr>
-          <p:cNvPr id="3" name="Content Placeholder 2"/>
-          <p:cNvSpPr>
-            <a:spLocks noGrp="1"/>
-          </p:cNvSpPr>
-          <p:nvPr>
-            <p:ph idx="1"/>
-          </p:nvPr>
-        </p:nvSpPr>
-        <p:spPr/>
-        <p:txBody>
-          <a:bodyPr/>
-          <a:lstStyle/>
-          <a:p>
-            <a:r>
-              <a:rPr lang="lt-LT" dirty="0" smtClean="0"/>
-              <a:t>24-ių ASL abėcėlės raidžių gestai;</a:t>
-            </a:r>
-          </a:p>
-          <a:p>
-            <a:r>
-              <a:rPr lang="lt-LT" dirty="0" smtClean="0"/>
-              <a:t>Kiekvienai raidei – katalogas;</a:t>
-            </a:r>
-          </a:p>
-          <a:p>
-            <a:endParaRPr lang="lt-LT" dirty="0"/>
-          </a:p>
-        </p:txBody>
-      </p:sp>
-      <p:sp>
-        <p:nvSpPr>
-          <p:cNvPr id="4" name="Date Placeholder 3"/>
-          <p:cNvSpPr>
-            <a:spLocks noGrp="1"/>
-          </p:cNvSpPr>
-          <p:nvPr>
-            <p:ph type="dt" sz="half" idx="10"/>
-          </p:nvPr>
-        </p:nvSpPr>
-        <p:spPr/>
-        <p:txBody>
-          <a:bodyPr/>
-          <a:lstStyle/>
-          <a:p>
-            <a:r>
-              <a:rPr lang="lt-LT" altLang="lt-LT" smtClean="0"/>
-              <a:t>2017-06-26</a:t>
-            </a:r>
-            <a:endParaRPr lang="en-US" altLang="lt-LT"/>
-          </a:p>
-        </p:txBody>
-      </p:sp>
-      <p:sp>
-        <p:nvSpPr>
-          <p:cNvPr id="5" name="Footer Placeholder 4"/>
-          <p:cNvSpPr>
-            <a:spLocks noGrp="1"/>
-          </p:cNvSpPr>
-          <p:nvPr>
-            <p:ph type="ftr" sz="quarter" idx="11"/>
-          </p:nvPr>
-        </p:nvSpPr>
-        <p:spPr/>
-        <p:txBody>
-          <a:bodyPr/>
-          <a:lstStyle/>
-          <a:p>
-            <a:r>
-              <a:rPr lang="lt-LT" altLang="lt-LT" smtClean="0"/>
-              <a:t>VU, MIF</a:t>
-            </a:r>
-            <a:endParaRPr lang="en-US" altLang="lt-LT"/>
-          </a:p>
-        </p:txBody>
-      </p:sp>
-    </p:spTree>
-    <p:extLst>
-      <p:ext uri="{BB962C8B-B14F-4D97-AF65-F5344CB8AC3E}">
-        <p14:creationId xmlns:p14="http://schemas.microsoft.com/office/powerpoint/2010/main" val="1721791269"/>
-      </p:ext>
-    </p:extLst>
-  </p:cSld>
-  <p:clrMapOvr>
-    <a:masterClrMapping/>
-  </p:clrMapOvr>
-</p:sld>
-</file>
-
-<file path=ppt/slides/slide13.xml><?xml version="1.0" encoding="utf-8"?>
-<p:sld xmlns:a="http://schemas.openxmlformats.org/drawingml/2006/main" xmlns:r="http://schemas.openxmlformats.org/officeDocument/2006/relationships" xmlns:p="http://schemas.openxmlformats.org/presentationml/2006/main">
-  <p:cSld>
-    <p:spTree>
-      <p:nvGrpSpPr>
-        <p:cNvPr id="1" name=""/>
-        <p:cNvGrpSpPr/>
-        <p:nvPr/>
-      </p:nvGrpSpPr>
-      <p:grpSpPr>
-        <a:xfrm>
-          <a:off x="0" y="0"/>
-          <a:ext cx="0" cy="0"/>
-          <a:chOff x="0" y="0"/>
-          <a:chExt cx="0" cy="0"/>
-        </a:xfrm>
-      </p:grpSpPr>
-      <p:sp>
-        <p:nvSpPr>
-          <p:cNvPr id="2" name="Title 1"/>
-          <p:cNvSpPr>
-            <a:spLocks noGrp="1"/>
-          </p:cNvSpPr>
-          <p:nvPr>
-            <p:ph type="title"/>
-          </p:nvPr>
-        </p:nvSpPr>
-        <p:spPr/>
-        <p:txBody>
-          <a:bodyPr/>
-          <a:lstStyle/>
-          <a:p>
-            <a:r>
-              <a:rPr lang="lt-LT" dirty="0" smtClean="0"/>
-              <a:t>Įprastiniai metodai</a:t>
-            </a:r>
-            <a:endParaRPr lang="lt-LT" dirty="0"/>
-          </a:p>
-        </p:txBody>
-      </p:sp>
-      <p:sp>
-        <p:nvSpPr>
-          <p:cNvPr id="3" name="Content Placeholder 2"/>
-          <p:cNvSpPr>
-            <a:spLocks noGrp="1"/>
-          </p:cNvSpPr>
-          <p:nvPr>
-            <p:ph idx="1"/>
-          </p:nvPr>
-        </p:nvSpPr>
-        <p:spPr/>
-        <p:txBody>
-          <a:bodyPr/>
-          <a:lstStyle/>
-          <a:p>
-            <a:r>
-              <a:rPr lang="lt-LT" dirty="0" smtClean="0"/>
-              <a:t>OpenCV;</a:t>
-            </a:r>
-          </a:p>
-          <a:p>
-            <a:r>
-              <a:rPr lang="lt-LT" dirty="0" smtClean="0"/>
-              <a:t>Trukmė: ~5 valandas;</a:t>
-            </a:r>
-          </a:p>
-          <a:p>
-            <a:r>
-              <a:rPr lang="lt-LT" dirty="0" smtClean="0"/>
-              <a:t>400 kadrų kiekvienai ASL raidei;</a:t>
-            </a:r>
-          </a:p>
-          <a:p>
-            <a:r>
-              <a:rPr lang="lt-LT" dirty="0" smtClean="0"/>
-              <a:t>95-98% tikslumas po apmokymo;</a:t>
-            </a:r>
-          </a:p>
-          <a:p>
-            <a:endParaRPr lang="lt-LT" dirty="0"/>
-          </a:p>
-        </p:txBody>
-      </p:sp>
-      <p:sp>
-        <p:nvSpPr>
-          <p:cNvPr id="4" name="Date Placeholder 3"/>
-          <p:cNvSpPr>
-            <a:spLocks noGrp="1"/>
-          </p:cNvSpPr>
-          <p:nvPr>
-            <p:ph type="dt" sz="half" idx="10"/>
-          </p:nvPr>
-        </p:nvSpPr>
-        <p:spPr/>
-        <p:txBody>
-          <a:bodyPr/>
-          <a:lstStyle/>
-          <a:p>
-            <a:r>
-              <a:rPr lang="lt-LT" altLang="lt-LT" smtClean="0"/>
-              <a:t>2017-06-26</a:t>
-            </a:r>
-            <a:endParaRPr lang="en-US" altLang="lt-LT"/>
-          </a:p>
-        </p:txBody>
-      </p:sp>
-      <p:sp>
-        <p:nvSpPr>
-          <p:cNvPr id="5" name="Footer Placeholder 4"/>
-          <p:cNvSpPr>
-            <a:spLocks noGrp="1"/>
-          </p:cNvSpPr>
-          <p:nvPr>
-            <p:ph type="ftr" sz="quarter" idx="11"/>
-          </p:nvPr>
-        </p:nvSpPr>
-        <p:spPr/>
-        <p:txBody>
-          <a:bodyPr/>
-          <a:lstStyle/>
-          <a:p>
-            <a:r>
-              <a:rPr lang="lt-LT" altLang="lt-LT" smtClean="0"/>
-              <a:t>VU, MIF</a:t>
-            </a:r>
-            <a:endParaRPr lang="en-US" altLang="lt-LT"/>
-          </a:p>
-        </p:txBody>
-      </p:sp>
-    </p:spTree>
-    <p:extLst>
-      <p:ext uri="{BB962C8B-B14F-4D97-AF65-F5344CB8AC3E}">
-        <p14:creationId xmlns:p14="http://schemas.microsoft.com/office/powerpoint/2010/main" val="2589070294"/>
-      </p:ext>
-    </p:extLst>
-  </p:cSld>
-  <p:clrMapOvr>
-    <a:masterClrMapping/>
-  </p:clrMapOvr>
-</p:sld>
-</file>
-
-<file path=ppt/slides/slide14.xml><?xml version="1.0" encoding="utf-8"?>
-<p:sld xmlns:a="http://schemas.openxmlformats.org/drawingml/2006/main" xmlns:r="http://schemas.openxmlformats.org/officeDocument/2006/relationships" xmlns:p="http://schemas.openxmlformats.org/presentationml/2006/main">
-  <p:cSld>
-    <p:spTree>
-      <p:nvGrpSpPr>
-        <p:cNvPr id="1" name=""/>
-        <p:cNvGrpSpPr/>
-        <p:nvPr/>
-      </p:nvGrpSpPr>
-      <p:grpSpPr>
-        <a:xfrm>
-          <a:off x="0" y="0"/>
-          <a:ext cx="0" cy="0"/>
-          <a:chOff x="0" y="0"/>
-          <a:chExt cx="0" cy="0"/>
-        </a:xfrm>
-      </p:grpSpPr>
-      <p:sp>
-        <p:nvSpPr>
-          <p:cNvPr id="2" name="Title 1"/>
-          <p:cNvSpPr>
-            <a:spLocks noGrp="1"/>
-          </p:cNvSpPr>
-          <p:nvPr>
-            <p:ph type="title"/>
-          </p:nvPr>
-        </p:nvSpPr>
-        <p:spPr/>
-        <p:txBody>
-          <a:bodyPr/>
-          <a:lstStyle/>
-          <a:p>
-            <a:r>
-              <a:rPr lang="lt-LT" dirty="0" smtClean="0"/>
               <a:t>Kadro konvertacija</a:t>
             </a:r>
-            <a:endParaRPr lang="lt-LT" dirty="0"/>
-          </a:p>
-        </p:txBody>
-      </p:sp>
-      <p:sp>
-        <p:nvSpPr>
-          <p:cNvPr id="3" name="Content Placeholder 2"/>
-          <p:cNvSpPr>
-            <a:spLocks noGrp="1"/>
-          </p:cNvSpPr>
-          <p:nvPr>
-            <p:ph idx="1"/>
-          </p:nvPr>
-        </p:nvSpPr>
-        <p:spPr/>
-        <p:txBody>
-          <a:bodyPr/>
-          <a:lstStyle/>
-          <a:p>
             <a:endParaRPr lang="lt-LT" dirty="0"/>
           </a:p>
         </p:txBody>
@@ -5330,7 +5132,7 @@
 </p:sld>
 </file>
 
-<file path=ppt/slides/slide15.xml><?xml version="1.0" encoding="utf-8"?>
+<file path=ppt/slides/slide13.xml><?xml version="1.0" encoding="utf-8"?>
 <p:sld xmlns:a="http://schemas.openxmlformats.org/drawingml/2006/main" xmlns:r="http://schemas.openxmlformats.org/officeDocument/2006/relationships" xmlns:p="http://schemas.openxmlformats.org/presentationml/2006/main">
   <p:cSld>
     <p:spTree>
@@ -5594,7 +5396,7 @@
 </p:sld>
 </file>
 
-<file path=ppt/slides/slide16.xml><?xml version="1.0" encoding="utf-8"?>
+<file path=ppt/slides/slide14.xml><?xml version="1.0" encoding="utf-8"?>
 <p:sld xmlns:a="http://schemas.openxmlformats.org/drawingml/2006/main" xmlns:r="http://schemas.openxmlformats.org/officeDocument/2006/relationships" xmlns:p="http://schemas.openxmlformats.org/presentationml/2006/main">
   <p:cSld>
     <p:spTree>
@@ -5748,7 +5550,7 @@
 </p:sld>
 </file>
 
-<file path=ppt/slides/slide17.xml><?xml version="1.0" encoding="utf-8"?>
+<file path=ppt/slides/slide15.xml><?xml version="1.0" encoding="utf-8"?>
 <p:sld xmlns:a="http://schemas.openxmlformats.org/drawingml/2006/main" xmlns:r="http://schemas.openxmlformats.org/officeDocument/2006/relationships" xmlns:p="http://schemas.openxmlformats.org/presentationml/2006/main">
   <p:cSld>
     <p:spTree>
@@ -5907,7 +5709,7 @@
 </p:sld>
 </file>
 
-<file path=ppt/slides/slide18.xml><?xml version="1.0" encoding="utf-8"?>
+<file path=ppt/slides/slide16.xml><?xml version="1.0" encoding="utf-8"?>
 <p:sld xmlns:a="http://schemas.openxmlformats.org/drawingml/2006/main" xmlns:r="http://schemas.openxmlformats.org/officeDocument/2006/relationships" xmlns:p="http://schemas.openxmlformats.org/presentationml/2006/main">
   <p:cSld>
     <p:spTree>
@@ -6081,7 +5883,7 @@
 </p:sld>
 </file>
 
-<file path=ppt/slides/slide19.xml><?xml version="1.0" encoding="utf-8"?>
+<file path=ppt/slides/slide17.xml><?xml version="1.0" encoding="utf-8"?>
 <p:sld xmlns:a="http://schemas.openxmlformats.org/drawingml/2006/main" xmlns:r="http://schemas.openxmlformats.org/officeDocument/2006/relationships" xmlns:p="http://schemas.openxmlformats.org/presentationml/2006/main">
   <p:cSld>
     <p:spTree>
@@ -6311,166 +6113,7 @@
 </p:sld>
 </file>
 
-<file path=ppt/slides/slide2.xml><?xml version="1.0" encoding="utf-8"?>
-<p:sld xmlns:a="http://schemas.openxmlformats.org/drawingml/2006/main" xmlns:r="http://schemas.openxmlformats.org/officeDocument/2006/relationships" xmlns:p="http://schemas.openxmlformats.org/presentationml/2006/main">
-  <p:cSld>
-    <p:spTree>
-      <p:nvGrpSpPr>
-        <p:cNvPr id="1" name=""/>
-        <p:cNvGrpSpPr/>
-        <p:nvPr/>
-      </p:nvGrpSpPr>
-      <p:grpSpPr>
-        <a:xfrm>
-          <a:off x="0" y="0"/>
-          <a:ext cx="0" cy="0"/>
-          <a:chOff x="0" y="0"/>
-          <a:chExt cx="0" cy="0"/>
-        </a:xfrm>
-      </p:grpSpPr>
-      <p:sp>
-        <p:nvSpPr>
-          <p:cNvPr id="2" name="Title 1"/>
-          <p:cNvSpPr>
-            <a:spLocks noGrp="1"/>
-          </p:cNvSpPr>
-          <p:nvPr>
-            <p:ph type="title"/>
-          </p:nvPr>
-        </p:nvSpPr>
-        <p:spPr/>
-        <p:txBody>
-          <a:bodyPr/>
-          <a:lstStyle/>
-          <a:p>
-            <a:r>
-              <a:rPr lang="lt-LT" dirty="0" smtClean="0"/>
-              <a:t>Turinys</a:t>
-            </a:r>
-            <a:endParaRPr lang="lt-LT" dirty="0"/>
-          </a:p>
-        </p:txBody>
-      </p:sp>
-      <p:sp>
-        <p:nvSpPr>
-          <p:cNvPr id="3" name="Content Placeholder 2"/>
-          <p:cNvSpPr>
-            <a:spLocks noGrp="1"/>
-          </p:cNvSpPr>
-          <p:nvPr>
-            <p:ph idx="1"/>
-          </p:nvPr>
-        </p:nvSpPr>
-        <p:spPr/>
-        <p:txBody>
-          <a:bodyPr/>
-          <a:lstStyle/>
-          <a:p>
-            <a:r>
-              <a:rPr lang="lt-LT" dirty="0" smtClean="0"/>
-              <a:t>Darbo tikslas ir uždaviniai;</a:t>
-            </a:r>
-          </a:p>
-          <a:p>
-            <a:r>
-              <a:rPr lang="lt-LT" dirty="0" smtClean="0"/>
-              <a:t>Tyrimas</a:t>
-            </a:r>
-          </a:p>
-          <a:p>
-            <a:pPr lvl="1"/>
-            <a:r>
-              <a:rPr lang="lt-LT" dirty="0" smtClean="0"/>
-              <a:t>Gestų kalba;</a:t>
-            </a:r>
-          </a:p>
-          <a:p>
-            <a:pPr lvl="1"/>
-            <a:r>
-              <a:rPr lang="lt-LT" dirty="0" smtClean="0"/>
-              <a:t>Neuroniniai tinklai;</a:t>
-            </a:r>
-          </a:p>
-          <a:p>
-            <a:pPr lvl="1"/>
-            <a:r>
-              <a:rPr lang="lt-LT" dirty="0" smtClean="0"/>
-              <a:t>Bandymai.</a:t>
-            </a:r>
-            <a:endParaRPr lang="lt-LT" dirty="0" smtClean="0"/>
-          </a:p>
-          <a:p>
-            <a:endParaRPr lang="lt-LT" dirty="0"/>
-          </a:p>
-        </p:txBody>
-      </p:sp>
-      <p:sp>
-        <p:nvSpPr>
-          <p:cNvPr id="4" name="Date Placeholder 3"/>
-          <p:cNvSpPr>
-            <a:spLocks noGrp="1"/>
-          </p:cNvSpPr>
-          <p:nvPr>
-            <p:ph type="dt" sz="half" idx="10"/>
-          </p:nvPr>
-        </p:nvSpPr>
-        <p:spPr/>
-        <p:txBody>
-          <a:bodyPr/>
-          <a:lstStyle/>
-          <a:p>
-            <a:r>
-              <a:rPr lang="lt-LT" altLang="lt-LT" smtClean="0"/>
-              <a:t>2017-06-26</a:t>
-            </a:r>
-            <a:endParaRPr lang="en-US" altLang="lt-LT"/>
-          </a:p>
-        </p:txBody>
-      </p:sp>
-      <p:sp>
-        <p:nvSpPr>
-          <p:cNvPr id="5" name="Footer Placeholder 4"/>
-          <p:cNvSpPr>
-            <a:spLocks noGrp="1"/>
-          </p:cNvSpPr>
-          <p:nvPr>
-            <p:ph type="ftr" sz="quarter" idx="11"/>
-          </p:nvPr>
-        </p:nvSpPr>
-        <p:spPr/>
-        <p:txBody>
-          <a:bodyPr/>
-          <a:lstStyle/>
-          <a:p>
-            <a:r>
-              <a:rPr lang="lt-LT" altLang="lt-LT" smtClean="0"/>
-              <a:t>VU, MIF</a:t>
-            </a:r>
-            <a:endParaRPr lang="en-US" altLang="lt-LT"/>
-          </a:p>
-        </p:txBody>
-      </p:sp>
-    </p:spTree>
-    <p:extLst>
-      <p:ext uri="{BB962C8B-B14F-4D97-AF65-F5344CB8AC3E}">
-        <p14:creationId xmlns:p14="http://schemas.microsoft.com/office/powerpoint/2010/main" val="1785479336"/>
-      </p:ext>
-    </p:extLst>
-  </p:cSld>
-  <p:clrMapOvr>
-    <a:masterClrMapping/>
-  </p:clrMapOvr>
-  <p:timing>
-    <p:tnLst>
-      <p:par>
-        <p:cTn id="1" dur="indefinite" restart="never" nodeType="tmRoot"/>
-      </p:par>
-    </p:tnLst>
-  </p:timing>
-</p:sld>
-</file>
-
-<file path=ppt/slides/slide20.xml><?xml version="1.0" encoding="utf-8"?>
+<file path=ppt/slides/slide18.xml><?xml version="1.0" encoding="utf-8"?>
 <p:sld xmlns:a="http://schemas.openxmlformats.org/drawingml/2006/main" xmlns:r="http://schemas.openxmlformats.org/officeDocument/2006/relationships" xmlns:p="http://schemas.openxmlformats.org/presentationml/2006/main">
   <p:cSld>
     <p:spTree>
@@ -6707,7 +6350,7 @@
 </p:sld>
 </file>
 
-<file path=ppt/slides/slide21.xml><?xml version="1.0" encoding="utf-8"?>
+<file path=ppt/slides/slide19.xml><?xml version="1.0" encoding="utf-8"?>
 <p:sld xmlns:a="http://schemas.openxmlformats.org/drawingml/2006/main" xmlns:r="http://schemas.openxmlformats.org/officeDocument/2006/relationships" xmlns:p="http://schemas.openxmlformats.org/presentationml/2006/main">
   <p:cSld>
     <p:spTree>
@@ -6924,7 +6567,165 @@
 </p:sld>
 </file>
 
-<file path=ppt/slides/slide22.xml><?xml version="1.0" encoding="utf-8"?>
+<file path=ppt/slides/slide2.xml><?xml version="1.0" encoding="utf-8"?>
+<p:sld xmlns:a="http://schemas.openxmlformats.org/drawingml/2006/main" xmlns:r="http://schemas.openxmlformats.org/officeDocument/2006/relationships" xmlns:p="http://schemas.openxmlformats.org/presentationml/2006/main">
+  <p:cSld>
+    <p:spTree>
+      <p:nvGrpSpPr>
+        <p:cNvPr id="1" name=""/>
+        <p:cNvGrpSpPr/>
+        <p:nvPr/>
+      </p:nvGrpSpPr>
+      <p:grpSpPr>
+        <a:xfrm>
+          <a:off x="0" y="0"/>
+          <a:ext cx="0" cy="0"/>
+          <a:chOff x="0" y="0"/>
+          <a:chExt cx="0" cy="0"/>
+        </a:xfrm>
+      </p:grpSpPr>
+      <p:sp>
+        <p:nvSpPr>
+          <p:cNvPr id="2" name="Title 1"/>
+          <p:cNvSpPr>
+            <a:spLocks noGrp="1"/>
+          </p:cNvSpPr>
+          <p:nvPr>
+            <p:ph type="title"/>
+          </p:nvPr>
+        </p:nvSpPr>
+        <p:spPr/>
+        <p:txBody>
+          <a:bodyPr/>
+          <a:lstStyle/>
+          <a:p>
+            <a:r>
+              <a:rPr lang="lt-LT" dirty="0" smtClean="0"/>
+              <a:t>Turinys</a:t>
+            </a:r>
+            <a:endParaRPr lang="lt-LT" dirty="0"/>
+          </a:p>
+        </p:txBody>
+      </p:sp>
+      <p:sp>
+        <p:nvSpPr>
+          <p:cNvPr id="3" name="Content Placeholder 2"/>
+          <p:cNvSpPr>
+            <a:spLocks noGrp="1"/>
+          </p:cNvSpPr>
+          <p:nvPr>
+            <p:ph idx="1"/>
+          </p:nvPr>
+        </p:nvSpPr>
+        <p:spPr/>
+        <p:txBody>
+          <a:bodyPr/>
+          <a:lstStyle/>
+          <a:p>
+            <a:r>
+              <a:rPr lang="lt-LT" dirty="0" smtClean="0"/>
+              <a:t>Darbo tikslas ir uždaviniai;</a:t>
+            </a:r>
+          </a:p>
+          <a:p>
+            <a:r>
+              <a:rPr lang="lt-LT" dirty="0" smtClean="0"/>
+              <a:t>Tyrimas</a:t>
+            </a:r>
+          </a:p>
+          <a:p>
+            <a:pPr lvl="1"/>
+            <a:r>
+              <a:rPr lang="lt-LT" dirty="0" smtClean="0"/>
+              <a:t>Gestų kalba;</a:t>
+            </a:r>
+          </a:p>
+          <a:p>
+            <a:pPr lvl="1"/>
+            <a:r>
+              <a:rPr lang="lt-LT" dirty="0" smtClean="0"/>
+              <a:t>Neuroniniai tinklai;</a:t>
+            </a:r>
+          </a:p>
+          <a:p>
+            <a:pPr lvl="1"/>
+            <a:r>
+              <a:rPr lang="lt-LT" dirty="0" smtClean="0"/>
+              <a:t>Bandymai.</a:t>
+            </a:r>
+          </a:p>
+          <a:p>
+            <a:endParaRPr lang="lt-LT" dirty="0"/>
+          </a:p>
+        </p:txBody>
+      </p:sp>
+      <p:sp>
+        <p:nvSpPr>
+          <p:cNvPr id="4" name="Date Placeholder 3"/>
+          <p:cNvSpPr>
+            <a:spLocks noGrp="1"/>
+          </p:cNvSpPr>
+          <p:nvPr>
+            <p:ph type="dt" sz="half" idx="10"/>
+          </p:nvPr>
+        </p:nvSpPr>
+        <p:spPr/>
+        <p:txBody>
+          <a:bodyPr/>
+          <a:lstStyle/>
+          <a:p>
+            <a:r>
+              <a:rPr lang="lt-LT" altLang="lt-LT" smtClean="0"/>
+              <a:t>2017-06-26</a:t>
+            </a:r>
+            <a:endParaRPr lang="en-US" altLang="lt-LT"/>
+          </a:p>
+        </p:txBody>
+      </p:sp>
+      <p:sp>
+        <p:nvSpPr>
+          <p:cNvPr id="5" name="Footer Placeholder 4"/>
+          <p:cNvSpPr>
+            <a:spLocks noGrp="1"/>
+          </p:cNvSpPr>
+          <p:nvPr>
+            <p:ph type="ftr" sz="quarter" idx="11"/>
+          </p:nvPr>
+        </p:nvSpPr>
+        <p:spPr/>
+        <p:txBody>
+          <a:bodyPr/>
+          <a:lstStyle/>
+          <a:p>
+            <a:r>
+              <a:rPr lang="lt-LT" altLang="lt-LT" smtClean="0"/>
+              <a:t>VU, MIF</a:t>
+            </a:r>
+            <a:endParaRPr lang="en-US" altLang="lt-LT"/>
+          </a:p>
+        </p:txBody>
+      </p:sp>
+    </p:spTree>
+    <p:extLst>
+      <p:ext uri="{BB962C8B-B14F-4D97-AF65-F5344CB8AC3E}">
+        <p14:creationId xmlns:p14="http://schemas.microsoft.com/office/powerpoint/2010/main" val="1785479336"/>
+      </p:ext>
+    </p:extLst>
+  </p:cSld>
+  <p:clrMapOvr>
+    <a:masterClrMapping/>
+  </p:clrMapOvr>
+  <p:timing>
+    <p:tnLst>
+      <p:par>
+        <p:cTn id="1" dur="indefinite" restart="never" nodeType="tmRoot"/>
+      </p:par>
+    </p:tnLst>
+  </p:timing>
+</p:sld>
+</file>
+
+<file path=ppt/slides/slide20.xml><?xml version="1.0" encoding="utf-8"?>
 <p:sld xmlns:a="http://schemas.openxmlformats.org/drawingml/2006/main" xmlns:r="http://schemas.openxmlformats.org/officeDocument/2006/relationships" xmlns:p="http://schemas.openxmlformats.org/presentationml/2006/main">
   <p:cSld>
     <p:spTree>
@@ -7147,7 +6948,7 @@
 </p:sld>
 </file>
 
-<file path=ppt/slides/slide23.xml><?xml version="1.0" encoding="utf-8"?>
+<file path=ppt/slides/slide21.xml><?xml version="1.0" encoding="utf-8"?>
 <p:sld xmlns:a="http://schemas.openxmlformats.org/drawingml/2006/main" xmlns:r="http://schemas.openxmlformats.org/officeDocument/2006/relationships" xmlns:p="http://schemas.openxmlformats.org/presentationml/2006/main">
   <p:cSld>
     <p:spTree>
@@ -9385,7 +9186,7 @@
 </p:sld>
 </file>
 
-<file path=ppt/slides/slide24.xml><?xml version="1.0" encoding="utf-8"?>
+<file path=ppt/slides/slide22.xml><?xml version="1.0" encoding="utf-8"?>
 <p:sld xmlns:a="http://schemas.openxmlformats.org/drawingml/2006/main" xmlns:r="http://schemas.openxmlformats.org/officeDocument/2006/relationships" xmlns:p="http://schemas.openxmlformats.org/presentationml/2006/main">
   <p:cSld>
     <p:spTree>
@@ -9419,7 +9220,7 @@
           <a:p>
             <a:r>
               <a:rPr lang="lt-LT" dirty="0" smtClean="0"/>
-              <a:t>Rezultatai</a:t>
+              <a:t>Rezultatai ir išvados</a:t>
             </a:r>
             <a:endParaRPr lang="lt-LT" dirty="0"/>
           </a:p>
@@ -9440,6 +9241,34 @@
           <a:bodyPr/>
           <a:lstStyle/>
           <a:p>
+            <a:r>
+              <a:rPr lang="lt-LT" dirty="0" smtClean="0"/>
+              <a:t>Konvoliuciniai neuroniniai tinklai – galingas ir lengvai apmokomas įrankis;</a:t>
+            </a:r>
+          </a:p>
+          <a:p>
+            <a:r>
+              <a:rPr lang="lt-LT" dirty="0" smtClean="0"/>
+              <a:t>Dalinis apmokymas greičiau ir tiksliau už nuodugų;</a:t>
+            </a:r>
+          </a:p>
+          <a:p>
+            <a:r>
+              <a:rPr lang="lt-LT" dirty="0" smtClean="0"/>
+              <a:t>Didesni duomenų kiekiai;</a:t>
+            </a:r>
+          </a:p>
+          <a:p>
+            <a:r>
+              <a:rPr lang="lt-LT" dirty="0" smtClean="0"/>
+              <a:t>Skirtingos duomenų bazės;</a:t>
+            </a:r>
+          </a:p>
+          <a:p>
+            <a:r>
+              <a:rPr lang="lt-LT" dirty="0" smtClean="0"/>
+              <a:t>Dinaminių judesių atpažinimas.</a:t>
+            </a:r>
             <a:endParaRPr lang="lt-LT" dirty="0"/>
           </a:p>
         </p:txBody>
@@ -9503,7 +9332,7 @@
 </p:sld>
 </file>
 
-<file path=ppt/slides/slide25.xml><?xml version="1.0" encoding="utf-8"?>
+<file path=ppt/slides/slide23.xml><?xml version="1.0" encoding="utf-8"?>
 <p:sld xmlns:a="http://schemas.openxmlformats.org/drawingml/2006/main" xmlns:r="http://schemas.openxmlformats.org/officeDocument/2006/relationships" xmlns:p="http://schemas.openxmlformats.org/presentationml/2006/main">
   <p:cSld>
     <p:spTree>
@@ -9527,7 +9356,7 @@
             <a:spLocks noGrp="1"/>
           </p:cNvSpPr>
           <p:nvPr>
-            <p:ph type="title"/>
+            <p:ph type="ctrTitle"/>
           </p:nvPr>
         </p:nvSpPr>
         <p:spPr/>
@@ -9537,7 +9366,7 @@
           <a:p>
             <a:r>
               <a:rPr lang="lt-LT" dirty="0" smtClean="0"/>
-              <a:t>Išvados</a:t>
+              <a:t>Ačiū už dėmesį!</a:t>
             </a:r>
             <a:endParaRPr lang="lt-LT" dirty="0"/>
           </a:p>
@@ -9545,12 +9374,12 @@
       </p:sp>
       <p:sp>
         <p:nvSpPr>
-          <p:cNvPr id="3" name="Content Placeholder 2"/>
-          <p:cNvSpPr>
-            <a:spLocks noGrp="1"/>
-          </p:cNvSpPr>
-          <p:nvPr>
-            <p:ph idx="1"/>
+          <p:cNvPr id="6" name="Subtitle 5"/>
+          <p:cNvSpPr>
+            <a:spLocks noGrp="1"/>
+          </p:cNvSpPr>
+          <p:nvPr>
+            <p:ph type="subTitle" idx="1"/>
           </p:nvPr>
         </p:nvSpPr>
         <p:spPr/>
@@ -9558,7 +9387,7 @@
           <a:bodyPr/>
           <a:lstStyle/>
           <a:p>
-            <a:endParaRPr lang="lt-LT"/>
+            <a:endParaRPr lang="lt-LT" dirty="0"/>
           </a:p>
         </p:txBody>
       </p:sp>
@@ -9569,7 +9398,7 @@
             <a:spLocks noGrp="1"/>
           </p:cNvSpPr>
           <p:nvPr>
-            <p:ph type="dt" sz="half" idx="10"/>
+            <p:ph type="dt" sz="half" idx="2"/>
           </p:nvPr>
         </p:nvSpPr>
         <p:spPr/>
@@ -9592,10 +9421,15 @@
             <a:spLocks noGrp="1"/>
           </p:cNvSpPr>
           <p:nvPr>
-            <p:ph type="ftr" sz="quarter" idx="11"/>
-          </p:nvPr>
-        </p:nvSpPr>
-        <p:spPr/>
+            <p:ph type="ftr" sz="quarter" idx="4294967295"/>
+          </p:nvPr>
+        </p:nvSpPr>
+        <p:spPr>
+          <a:xfrm>
+            <a:off x="3240088" y="6245225"/>
+            <a:ext cx="5903912" cy="476250"/>
+          </a:xfrm>
+        </p:spPr>
         <p:txBody>
           <a:bodyPr/>
           <a:lstStyle/>
@@ -9611,20 +9445,13 @@
     </p:spTree>
     <p:extLst>
       <p:ext uri="{BB962C8B-B14F-4D97-AF65-F5344CB8AC3E}">
-        <p14:creationId xmlns:p14="http://schemas.microsoft.com/office/powerpoint/2010/main" val="889969444"/>
+        <p14:creationId xmlns:p14="http://schemas.microsoft.com/office/powerpoint/2010/main" val="3955261710"/>
       </p:ext>
     </p:extLst>
   </p:cSld>
   <p:clrMapOvr>
     <a:masterClrMapping/>
   </p:clrMapOvr>
-  <p:timing>
-    <p:tnLst>
-      <p:par>
-        <p:cTn id="1" dur="indefinite" restart="never" nodeType="tmRoot"/>
-      </p:par>
-    </p:tnLst>
-  </p:timing>
 </p:sld>
 </file>
 
@@ -9812,7 +9639,22 @@
           <a:bodyPr/>
           <a:lstStyle/>
           <a:p>
-            <a:endParaRPr lang="lt-LT" dirty="0"/>
+            <a:r>
+              <a:rPr lang="lt-LT" dirty="0" smtClean="0"/>
+              <a:t>Išsiaiškinti gestų kalbos ypatybes;</a:t>
+            </a:r>
+          </a:p>
+          <a:p>
+            <a:r>
+              <a:rPr lang="lt-LT" dirty="0" smtClean="0"/>
+              <a:t>Ištirti galimybes atpažinti gestų kalbą;</a:t>
+            </a:r>
+          </a:p>
+          <a:p>
+            <a:r>
+              <a:rPr lang="lt-LT" dirty="0" smtClean="0"/>
+              <a:t>Išbandyti skirtingus būdus atpažinti statinę gestų kalbą.</a:t>
+            </a:r>
           </a:p>
         </p:txBody>
       </p:sp>
@@ -10525,6 +10367,69 @@
           </a:p>
         </p:txBody>
       </p:sp>
+      <p:pic>
+        <p:nvPicPr>
+          <p:cNvPr id="6" name="Content Placeholder 5"/>
+          <p:cNvPicPr>
+            <a:picLocks noChangeAspect="1"/>
+          </p:cNvPicPr>
+          <p:nvPr/>
+        </p:nvPicPr>
+        <p:blipFill>
+          <a:blip r:embed="rId2">
+            <a:extLst>
+              <a:ext uri="{28A0092B-C50C-407E-A947-70E740481C1C}">
+                <a14:useLocalDpi xmlns:a14="http://schemas.microsoft.com/office/drawing/2010/main" val="0"/>
+              </a:ext>
+            </a:extLst>
+          </a:blip>
+          <a:stretch>
+            <a:fillRect/>
+          </a:stretch>
+        </p:blipFill>
+        <p:spPr bwMode="auto">
+          <a:xfrm>
+            <a:off x="1033265" y="3573016"/>
+            <a:ext cx="7077470" cy="2249428"/>
+          </a:xfrm>
+          <a:prstGeom prst="rect">
+            <a:avLst/>
+          </a:prstGeom>
+          <a:noFill/>
+          <a:ln>
+            <a:noFill/>
+          </a:ln>
+          <a:effectLst/>
+          <a:extLst>
+            <a:ext uri="{909E8E84-426E-40DD-AFC4-6F175D3DCCD1}">
+              <a14:hiddenFill xmlns:a14="http://schemas.microsoft.com/office/drawing/2010/main">
+                <a:solidFill>
+                  <a:schemeClr val="accent1"/>
+                </a:solidFill>
+              </a14:hiddenFill>
+            </a:ext>
+            <a:ext uri="{91240B29-F687-4F45-9708-019B960494DF}">
+              <a14:hiddenLine xmlns:a14="http://schemas.microsoft.com/office/drawing/2010/main" w="9525">
+                <a:solidFill>
+                  <a:schemeClr val="tx1"/>
+                </a:solidFill>
+                <a:miter lim="800000"/>
+                <a:headEnd/>
+                <a:tailEnd/>
+              </a14:hiddenLine>
+            </a:ext>
+            <a:ext uri="{AF507438-7753-43E0-B8FC-AC1667EBCBE1}">
+              <a14:hiddenEffects xmlns:a14="http://schemas.microsoft.com/office/drawing/2010/main">
+                <a:effectLst>
+                  <a:outerShdw dist="35921" dir="2700000" algn="ctr" rotWithShape="0">
+                    <a:schemeClr val="bg2"/>
+                  </a:outerShdw>
+                </a:effectLst>
+              </a14:hiddenEffects>
+            </a:ext>
+          </a:extLst>
+        </p:spPr>
+      </p:pic>
     </p:spTree>
     <p:extLst>
       <p:ext uri="{BB962C8B-B14F-4D97-AF65-F5344CB8AC3E}">
@@ -10579,41 +10484,51 @@
           <a:p>
             <a:r>
               <a:rPr lang="lt-LT" dirty="0" smtClean="0"/>
-              <a:t>Konvoliuciniai neuroniniai tinklai</a:t>
+              <a:t>Bandymai</a:t>
             </a:r>
             <a:endParaRPr lang="lt-LT" dirty="0"/>
           </a:p>
         </p:txBody>
       </p:sp>
-      <p:pic>
-        <p:nvPicPr>
-          <p:cNvPr id="6" name="Content Placeholder 5"/>
-          <p:cNvPicPr>
-            <a:picLocks noGrp="1" noChangeAspect="1"/>
-          </p:cNvPicPr>
+      <p:sp>
+        <p:nvSpPr>
+          <p:cNvPr id="3" name="Content Placeholder 2"/>
+          <p:cNvSpPr>
+            <a:spLocks noGrp="1"/>
+          </p:cNvSpPr>
           <p:nvPr>
             <p:ph idx="1"/>
           </p:nvPr>
-        </p:nvPicPr>
-        <p:blipFill>
-          <a:blip r:embed="rId2">
-            <a:extLst>
-              <a:ext uri="{28A0092B-C50C-407E-A947-70E740481C1C}">
-                <a14:useLocalDpi xmlns:a14="http://schemas.microsoft.com/office/drawing/2010/main" val="0"/>
-              </a:ext>
-            </a:extLst>
-          </a:blip>
-          <a:stretch>
-            <a:fillRect/>
-          </a:stretch>
-        </p:blipFill>
-        <p:spPr>
-          <a:xfrm>
-            <a:off x="1033265" y="2738467"/>
-            <a:ext cx="7077470" cy="2249428"/>
-          </a:xfrm>
-        </p:spPr>
-      </p:pic>
+        </p:nvSpPr>
+        <p:spPr/>
+        <p:txBody>
+          <a:bodyPr/>
+          <a:lstStyle/>
+          <a:p>
+            <a:r>
+              <a:rPr lang="lt-LT" dirty="0" smtClean="0"/>
+              <a:t>Duomenys;</a:t>
+            </a:r>
+          </a:p>
+          <a:p>
+            <a:r>
+              <a:rPr lang="lt-LT" dirty="0" smtClean="0"/>
+              <a:t>Įprastiniai metodai;</a:t>
+            </a:r>
+          </a:p>
+          <a:p>
+            <a:r>
+              <a:rPr lang="lt-LT" dirty="0" smtClean="0"/>
+              <a:t>Konvoliucinio neuroninio tinklo modelis</a:t>
+            </a:r>
+            <a:r>
+              <a:rPr lang="lt-LT" dirty="0" smtClean="0"/>
+              <a:t>.</a:t>
+            </a:r>
+            <a:endParaRPr lang="lt-LT" dirty="0" smtClean="0"/>
+          </a:p>
+        </p:txBody>
+      </p:sp>
       <p:sp>
         <p:nvSpPr>
           <p:cNvPr id="4" name="Date Placeholder 3"/>
@@ -10663,20 +10578,13 @@
     </p:spTree>
     <p:extLst>
       <p:ext uri="{BB962C8B-B14F-4D97-AF65-F5344CB8AC3E}">
-        <p14:creationId xmlns:p14="http://schemas.microsoft.com/office/powerpoint/2010/main" val="705607996"/>
+        <p14:creationId xmlns:p14="http://schemas.microsoft.com/office/powerpoint/2010/main" val="2210381755"/>
       </p:ext>
     </p:extLst>
   </p:cSld>
   <p:clrMapOvr>
     <a:masterClrMapping/>
   </p:clrMapOvr>
-  <p:timing>
-    <p:tnLst>
-      <p:par>
-        <p:cTn id="1" dur="indefinite" restart="never" nodeType="tmRoot"/>
-      </p:par>
-    </p:tnLst>
-  </p:timing>
 </p:sld>
 </file>
 

--- a/Gestų kalbos atpažinimas naudojant internetinę kamerą.pptx
+++ b/Gestų kalbos atpažinimas naudojant internetinę kamerą.pptx
@@ -5,35 +5,33 @@
     <p:sldMasterId id="2147483648" r:id="rId1"/>
   </p:sldMasterIdLst>
   <p:notesMasterIdLst>
-    <p:notesMasterId r:id="rId25"/>
+    <p:notesMasterId r:id="rId23"/>
   </p:notesMasterIdLst>
   <p:handoutMasterIdLst>
-    <p:handoutMasterId r:id="rId26"/>
+    <p:handoutMasterId r:id="rId24"/>
   </p:handoutMasterIdLst>
   <p:sldIdLst>
     <p:sldId id="256" r:id="rId2"/>
     <p:sldId id="257" r:id="rId3"/>
     <p:sldId id="258" r:id="rId4"/>
     <p:sldId id="259" r:id="rId5"/>
-    <p:sldId id="262" r:id="rId6"/>
-    <p:sldId id="263" r:id="rId7"/>
-    <p:sldId id="264" r:id="rId8"/>
-    <p:sldId id="266" r:id="rId9"/>
-    <p:sldId id="268" r:id="rId10"/>
-    <p:sldId id="270" r:id="rId11"/>
-    <p:sldId id="269" r:id="rId12"/>
-    <p:sldId id="271" r:id="rId13"/>
-    <p:sldId id="272" r:id="rId14"/>
-    <p:sldId id="278" r:id="rId15"/>
-    <p:sldId id="279" r:id="rId16"/>
-    <p:sldId id="274" r:id="rId17"/>
-    <p:sldId id="273" r:id="rId18"/>
-    <p:sldId id="275" r:id="rId19"/>
-    <p:sldId id="276" r:id="rId20"/>
-    <p:sldId id="277" r:id="rId21"/>
-    <p:sldId id="260" r:id="rId22"/>
-    <p:sldId id="280" r:id="rId23"/>
-    <p:sldId id="281" r:id="rId24"/>
+    <p:sldId id="263" r:id="rId6"/>
+    <p:sldId id="264" r:id="rId7"/>
+    <p:sldId id="266" r:id="rId8"/>
+    <p:sldId id="268" r:id="rId9"/>
+    <p:sldId id="270" r:id="rId10"/>
+    <p:sldId id="269" r:id="rId11"/>
+    <p:sldId id="271" r:id="rId12"/>
+    <p:sldId id="272" r:id="rId13"/>
+    <p:sldId id="278" r:id="rId14"/>
+    <p:sldId id="279" r:id="rId15"/>
+    <p:sldId id="274" r:id="rId16"/>
+    <p:sldId id="273" r:id="rId17"/>
+    <p:sldId id="275" r:id="rId18"/>
+    <p:sldId id="276" r:id="rId19"/>
+    <p:sldId id="277" r:id="rId20"/>
+    <p:sldId id="260" r:id="rId21"/>
+    <p:sldId id="280" r:id="rId22"/>
   </p:sldIdLst>
   <p:sldSz cx="9144000" cy="6858000" type="screen4x3"/>
   <p:notesSz cx="6858000" cy="9144000"/>
@@ -1337,7 +1335,7 @@
             <a:fld id="{0B818F40-E61D-4892-A54C-D65725374B6F}" type="slidenum">
               <a:rPr lang="en-US" altLang="lt-LT" smtClean="0"/>
               <a:pPr/>
-              <a:t>9</a:t>
+              <a:t>8</a:t>
             </a:fld>
             <a:endParaRPr lang="en-US" altLang="lt-LT"/>
           </a:p>
@@ -4338,7 +4336,13 @@
           <a:p>
             <a:r>
               <a:rPr lang="lt-LT" altLang="lt-LT" sz="2000" dirty="0" smtClean="0"/>
-              <a:t>PS 3 k. 1 gr.</a:t>
+              <a:t>VU MIF</a:t>
+            </a:r>
+          </a:p>
+          <a:p>
+            <a:r>
+              <a:rPr lang="lt-LT" altLang="lt-LT" sz="2000" dirty="0" smtClean="0"/>
+              <a:t>Programų sistemų katedra</a:t>
             </a:r>
             <a:endParaRPr lang="lt-LT" altLang="lt-LT" sz="2000" dirty="0"/>
           </a:p>
@@ -4393,137 +4397,15 @@
           <a:p>
             <a:r>
               <a:rPr lang="lt-LT" dirty="0" smtClean="0"/>
-              <a:t>Duomenys</a:t>
-            </a:r>
-            <a:endParaRPr lang="lt-LT" dirty="0"/>
-          </a:p>
-        </p:txBody>
-      </p:sp>
-      <p:sp>
-        <p:nvSpPr>
-          <p:cNvPr id="3" name="Content Placeholder 2"/>
-          <p:cNvSpPr>
-            <a:spLocks noGrp="1"/>
-          </p:cNvSpPr>
-          <p:nvPr>
-            <p:ph idx="1"/>
-          </p:nvPr>
-        </p:nvSpPr>
-        <p:spPr/>
-        <p:txBody>
-          <a:bodyPr/>
-          <a:lstStyle/>
-          <a:p>
+              <a:t>Įpra</a:t>
+            </a:r>
             <a:r>
               <a:rPr lang="lt-LT" dirty="0" smtClean="0"/>
-              <a:t>24-ių ASL abėcėlės raidžių gestai;</a:t>
-            </a:r>
-          </a:p>
-          <a:p>
+              <a:t>stiniai </a:t>
+            </a:r>
             <a:r>
               <a:rPr lang="lt-LT" dirty="0" smtClean="0"/>
-              <a:t>Kiekvienai raidei – katalogas;</a:t>
-            </a:r>
-          </a:p>
-          <a:p>
-            <a:endParaRPr lang="lt-LT" dirty="0"/>
-          </a:p>
-        </p:txBody>
-      </p:sp>
-      <p:sp>
-        <p:nvSpPr>
-          <p:cNvPr id="4" name="Date Placeholder 3"/>
-          <p:cNvSpPr>
-            <a:spLocks noGrp="1"/>
-          </p:cNvSpPr>
-          <p:nvPr>
-            <p:ph type="dt" sz="half" idx="10"/>
-          </p:nvPr>
-        </p:nvSpPr>
-        <p:spPr/>
-        <p:txBody>
-          <a:bodyPr/>
-          <a:lstStyle/>
-          <a:p>
-            <a:r>
-              <a:rPr lang="lt-LT" altLang="lt-LT" smtClean="0"/>
-              <a:t>2017-06-26</a:t>
-            </a:r>
-            <a:endParaRPr lang="en-US" altLang="lt-LT"/>
-          </a:p>
-        </p:txBody>
-      </p:sp>
-      <p:sp>
-        <p:nvSpPr>
-          <p:cNvPr id="5" name="Footer Placeholder 4"/>
-          <p:cNvSpPr>
-            <a:spLocks noGrp="1"/>
-          </p:cNvSpPr>
-          <p:nvPr>
-            <p:ph type="ftr" sz="quarter" idx="11"/>
-          </p:nvPr>
-        </p:nvSpPr>
-        <p:spPr/>
-        <p:txBody>
-          <a:bodyPr/>
-          <a:lstStyle/>
-          <a:p>
-            <a:r>
-              <a:rPr lang="lt-LT" altLang="lt-LT" smtClean="0"/>
-              <a:t>VU, MIF</a:t>
-            </a:r>
-            <a:endParaRPr lang="en-US" altLang="lt-LT"/>
-          </a:p>
-        </p:txBody>
-      </p:sp>
-    </p:spTree>
-    <p:extLst>
-      <p:ext uri="{BB962C8B-B14F-4D97-AF65-F5344CB8AC3E}">
-        <p14:creationId xmlns:p14="http://schemas.microsoft.com/office/powerpoint/2010/main" val="1721791269"/>
-      </p:ext>
-    </p:extLst>
-  </p:cSld>
-  <p:clrMapOvr>
-    <a:masterClrMapping/>
-  </p:clrMapOvr>
-</p:sld>
-</file>
-
-<file path=ppt/slides/slide11.xml><?xml version="1.0" encoding="utf-8"?>
-<p:sld xmlns:a="http://schemas.openxmlformats.org/drawingml/2006/main" xmlns:r="http://schemas.openxmlformats.org/officeDocument/2006/relationships" xmlns:p="http://schemas.openxmlformats.org/presentationml/2006/main">
-  <p:cSld>
-    <p:spTree>
-      <p:nvGrpSpPr>
-        <p:cNvPr id="1" name=""/>
-        <p:cNvGrpSpPr/>
-        <p:nvPr/>
-      </p:nvGrpSpPr>
-      <p:grpSpPr>
-        <a:xfrm>
-          <a:off x="0" y="0"/>
-          <a:ext cx="0" cy="0"/>
-          <a:chOff x="0" y="0"/>
-          <a:chExt cx="0" cy="0"/>
-        </a:xfrm>
-      </p:grpSpPr>
-      <p:sp>
-        <p:nvSpPr>
-          <p:cNvPr id="2" name="Title 1"/>
-          <p:cNvSpPr>
-            <a:spLocks noGrp="1"/>
-          </p:cNvSpPr>
-          <p:nvPr>
-            <p:ph type="title"/>
-          </p:nvPr>
-        </p:nvSpPr>
-        <p:spPr/>
-        <p:txBody>
-          <a:bodyPr/>
-          <a:lstStyle/>
-          <a:p>
-            <a:r>
-              <a:rPr lang="lt-LT" dirty="0" smtClean="0"/>
-              <a:t>Įprastiniai metodai</a:t>
+              <a:t>metodai</a:t>
             </a:r>
             <a:endParaRPr lang="lt-LT" dirty="0"/>
           </a:p>
@@ -4631,7 +4513,7 @@
 </p:sld>
 </file>
 
-<file path=ppt/slides/slide12.xml><?xml version="1.0" encoding="utf-8"?>
+<file path=ppt/slides/slide11.xml><?xml version="1.0" encoding="utf-8"?>
 <p:sld xmlns:a="http://schemas.openxmlformats.org/drawingml/2006/main" xmlns:r="http://schemas.openxmlformats.org/officeDocument/2006/relationships" xmlns:p="http://schemas.openxmlformats.org/presentationml/2006/main">
   <p:cSld>
     <p:spTree>
@@ -5132,7 +5014,7 @@
 </p:sld>
 </file>
 
-<file path=ppt/slides/slide13.xml><?xml version="1.0" encoding="utf-8"?>
+<file path=ppt/slides/slide12.xml><?xml version="1.0" encoding="utf-8"?>
 <p:sld xmlns:a="http://schemas.openxmlformats.org/drawingml/2006/main" xmlns:r="http://schemas.openxmlformats.org/officeDocument/2006/relationships" xmlns:p="http://schemas.openxmlformats.org/presentationml/2006/main">
   <p:cSld>
     <p:spTree>
@@ -5223,7 +5105,7 @@
           <a:lstStyle/>
           <a:p>
             <a:r>
-              <a:rPr lang="lt-LT" altLang="lt-LT" dirty="0" smtClean="0"/>
+              <a:rPr lang="lt-LT" altLang="lt-LT" smtClean="0"/>
               <a:t>2017-06-26</a:t>
             </a:r>
             <a:endParaRPr lang="en-US" altLang="lt-LT" dirty="0"/>
@@ -5396,7 +5278,7 @@
 </p:sld>
 </file>
 
-<file path=ppt/slides/slide14.xml><?xml version="1.0" encoding="utf-8"?>
+<file path=ppt/slides/slide13.xml><?xml version="1.0" encoding="utf-8"?>
 <p:sld xmlns:a="http://schemas.openxmlformats.org/drawingml/2006/main" xmlns:r="http://schemas.openxmlformats.org/officeDocument/2006/relationships" xmlns:p="http://schemas.openxmlformats.org/presentationml/2006/main">
   <p:cSld>
     <p:spTree>
@@ -5464,14 +5346,22 @@
           </a:p>
           <a:p>
             <a:r>
+              <a:rPr lang="lt-LT" b="1" dirty="0" smtClean="0"/>
+              <a:t>Trukmė</a:t>
+            </a:r>
+            <a:r>
               <a:rPr lang="lt-LT" dirty="0" smtClean="0"/>
-              <a:t>Trukmė: 2,5 h.;</a:t>
-            </a:r>
-          </a:p>
-          <a:p>
+              <a:t>: 2,5 h.;</a:t>
+            </a:r>
+          </a:p>
+          <a:p>
+            <a:r>
+              <a:rPr lang="lt-LT" b="1" dirty="0" smtClean="0"/>
+              <a:t>Duomenys</a:t>
+            </a:r>
             <a:r>
               <a:rPr lang="lt-LT" dirty="0" smtClean="0"/>
-              <a:t>Duomenys: 400 kadrų mokymui ir 200 pasitikrinimui</a:t>
+              <a:t>: 400 kadrų mokymui ir 200 pasitikrinimui</a:t>
             </a:r>
             <a:r>
               <a:rPr lang="lt-LT" dirty="0"/>
@@ -5484,8 +5374,12 @@
           </a:p>
           <a:p>
             <a:r>
+              <a:rPr lang="lt-LT" b="1" dirty="0" smtClean="0"/>
+              <a:t>Rezultatas</a:t>
+            </a:r>
+            <a:r>
               <a:rPr lang="lt-LT" dirty="0" smtClean="0"/>
-              <a:t>Rezultatas: 50-60%.</a:t>
+              <a:t>: 50-60%.</a:t>
             </a:r>
             <a:endParaRPr lang="lt-LT" dirty="0"/>
           </a:p>
@@ -5550,7 +5444,7 @@
 </p:sld>
 </file>
 
-<file path=ppt/slides/slide15.xml><?xml version="1.0" encoding="utf-8"?>
+<file path=ppt/slides/slide14.xml><?xml version="1.0" encoding="utf-8"?>
 <p:sld xmlns:a="http://schemas.openxmlformats.org/drawingml/2006/main" xmlns:r="http://schemas.openxmlformats.org/officeDocument/2006/relationships" xmlns:p="http://schemas.openxmlformats.org/presentationml/2006/main">
   <p:cSld>
     <p:spTree>
@@ -5709,7 +5603,7 @@
 </p:sld>
 </file>
 
-<file path=ppt/slides/slide16.xml><?xml version="1.0" encoding="utf-8"?>
+<file path=ppt/slides/slide15.xml><?xml version="1.0" encoding="utf-8"?>
 <p:sld xmlns:a="http://schemas.openxmlformats.org/drawingml/2006/main" xmlns:r="http://schemas.openxmlformats.org/officeDocument/2006/relationships" xmlns:p="http://schemas.openxmlformats.org/presentationml/2006/main">
   <p:cSld>
     <p:spTree>
@@ -5883,7 +5777,7 @@
 </p:sld>
 </file>
 
-<file path=ppt/slides/slide17.xml><?xml version="1.0" encoding="utf-8"?>
+<file path=ppt/slides/slide16.xml><?xml version="1.0" encoding="utf-8"?>
 <p:sld xmlns:a="http://schemas.openxmlformats.org/drawingml/2006/main" xmlns:r="http://schemas.openxmlformats.org/officeDocument/2006/relationships" xmlns:p="http://schemas.openxmlformats.org/presentationml/2006/main">
   <p:cSld>
     <p:spTree>
@@ -6113,7 +6007,7 @@
 </p:sld>
 </file>
 
-<file path=ppt/slides/slide18.xml><?xml version="1.0" encoding="utf-8"?>
+<file path=ppt/slides/slide17.xml><?xml version="1.0" encoding="utf-8"?>
 <p:sld xmlns:a="http://schemas.openxmlformats.org/drawingml/2006/main" xmlns:r="http://schemas.openxmlformats.org/officeDocument/2006/relationships" xmlns:p="http://schemas.openxmlformats.org/presentationml/2006/main">
   <p:cSld>
     <p:spTree>
@@ -6350,7 +6244,7 @@
 </p:sld>
 </file>
 
-<file path=ppt/slides/slide19.xml><?xml version="1.0" encoding="utf-8"?>
+<file path=ppt/slides/slide18.xml><?xml version="1.0" encoding="utf-8"?>
 <p:sld xmlns:a="http://schemas.openxmlformats.org/drawingml/2006/main" xmlns:r="http://schemas.openxmlformats.org/officeDocument/2006/relationships" xmlns:p="http://schemas.openxmlformats.org/presentationml/2006/main">
   <p:cSld>
     <p:spTree>
@@ -6567,165 +6461,7 @@
 </p:sld>
 </file>
 
-<file path=ppt/slides/slide2.xml><?xml version="1.0" encoding="utf-8"?>
-<p:sld xmlns:a="http://schemas.openxmlformats.org/drawingml/2006/main" xmlns:r="http://schemas.openxmlformats.org/officeDocument/2006/relationships" xmlns:p="http://schemas.openxmlformats.org/presentationml/2006/main">
-  <p:cSld>
-    <p:spTree>
-      <p:nvGrpSpPr>
-        <p:cNvPr id="1" name=""/>
-        <p:cNvGrpSpPr/>
-        <p:nvPr/>
-      </p:nvGrpSpPr>
-      <p:grpSpPr>
-        <a:xfrm>
-          <a:off x="0" y="0"/>
-          <a:ext cx="0" cy="0"/>
-          <a:chOff x="0" y="0"/>
-          <a:chExt cx="0" cy="0"/>
-        </a:xfrm>
-      </p:grpSpPr>
-      <p:sp>
-        <p:nvSpPr>
-          <p:cNvPr id="2" name="Title 1"/>
-          <p:cNvSpPr>
-            <a:spLocks noGrp="1"/>
-          </p:cNvSpPr>
-          <p:nvPr>
-            <p:ph type="title"/>
-          </p:nvPr>
-        </p:nvSpPr>
-        <p:spPr/>
-        <p:txBody>
-          <a:bodyPr/>
-          <a:lstStyle/>
-          <a:p>
-            <a:r>
-              <a:rPr lang="lt-LT" dirty="0" smtClean="0"/>
-              <a:t>Turinys</a:t>
-            </a:r>
-            <a:endParaRPr lang="lt-LT" dirty="0"/>
-          </a:p>
-        </p:txBody>
-      </p:sp>
-      <p:sp>
-        <p:nvSpPr>
-          <p:cNvPr id="3" name="Content Placeholder 2"/>
-          <p:cNvSpPr>
-            <a:spLocks noGrp="1"/>
-          </p:cNvSpPr>
-          <p:nvPr>
-            <p:ph idx="1"/>
-          </p:nvPr>
-        </p:nvSpPr>
-        <p:spPr/>
-        <p:txBody>
-          <a:bodyPr/>
-          <a:lstStyle/>
-          <a:p>
-            <a:r>
-              <a:rPr lang="lt-LT" dirty="0" smtClean="0"/>
-              <a:t>Darbo tikslas ir uždaviniai;</a:t>
-            </a:r>
-          </a:p>
-          <a:p>
-            <a:r>
-              <a:rPr lang="lt-LT" dirty="0" smtClean="0"/>
-              <a:t>Tyrimas</a:t>
-            </a:r>
-          </a:p>
-          <a:p>
-            <a:pPr lvl="1"/>
-            <a:r>
-              <a:rPr lang="lt-LT" dirty="0" smtClean="0"/>
-              <a:t>Gestų kalba;</a:t>
-            </a:r>
-          </a:p>
-          <a:p>
-            <a:pPr lvl="1"/>
-            <a:r>
-              <a:rPr lang="lt-LT" dirty="0" smtClean="0"/>
-              <a:t>Neuroniniai tinklai;</a:t>
-            </a:r>
-          </a:p>
-          <a:p>
-            <a:pPr lvl="1"/>
-            <a:r>
-              <a:rPr lang="lt-LT" dirty="0" smtClean="0"/>
-              <a:t>Bandymai.</a:t>
-            </a:r>
-          </a:p>
-          <a:p>
-            <a:endParaRPr lang="lt-LT" dirty="0"/>
-          </a:p>
-        </p:txBody>
-      </p:sp>
-      <p:sp>
-        <p:nvSpPr>
-          <p:cNvPr id="4" name="Date Placeholder 3"/>
-          <p:cNvSpPr>
-            <a:spLocks noGrp="1"/>
-          </p:cNvSpPr>
-          <p:nvPr>
-            <p:ph type="dt" sz="half" idx="10"/>
-          </p:nvPr>
-        </p:nvSpPr>
-        <p:spPr/>
-        <p:txBody>
-          <a:bodyPr/>
-          <a:lstStyle/>
-          <a:p>
-            <a:r>
-              <a:rPr lang="lt-LT" altLang="lt-LT" smtClean="0"/>
-              <a:t>2017-06-26</a:t>
-            </a:r>
-            <a:endParaRPr lang="en-US" altLang="lt-LT"/>
-          </a:p>
-        </p:txBody>
-      </p:sp>
-      <p:sp>
-        <p:nvSpPr>
-          <p:cNvPr id="5" name="Footer Placeholder 4"/>
-          <p:cNvSpPr>
-            <a:spLocks noGrp="1"/>
-          </p:cNvSpPr>
-          <p:nvPr>
-            <p:ph type="ftr" sz="quarter" idx="11"/>
-          </p:nvPr>
-        </p:nvSpPr>
-        <p:spPr/>
-        <p:txBody>
-          <a:bodyPr/>
-          <a:lstStyle/>
-          <a:p>
-            <a:r>
-              <a:rPr lang="lt-LT" altLang="lt-LT" smtClean="0"/>
-              <a:t>VU, MIF</a:t>
-            </a:r>
-            <a:endParaRPr lang="en-US" altLang="lt-LT"/>
-          </a:p>
-        </p:txBody>
-      </p:sp>
-    </p:spTree>
-    <p:extLst>
-      <p:ext uri="{BB962C8B-B14F-4D97-AF65-F5344CB8AC3E}">
-        <p14:creationId xmlns:p14="http://schemas.microsoft.com/office/powerpoint/2010/main" val="1785479336"/>
-      </p:ext>
-    </p:extLst>
-  </p:cSld>
-  <p:clrMapOvr>
-    <a:masterClrMapping/>
-  </p:clrMapOvr>
-  <p:timing>
-    <p:tnLst>
-      <p:par>
-        <p:cTn id="1" dur="indefinite" restart="never" nodeType="tmRoot"/>
-      </p:par>
-    </p:tnLst>
-  </p:timing>
-</p:sld>
-</file>
-
-<file path=ppt/slides/slide20.xml><?xml version="1.0" encoding="utf-8"?>
+<file path=ppt/slides/slide19.xml><?xml version="1.0" encoding="utf-8"?>
 <p:sld xmlns:a="http://schemas.openxmlformats.org/drawingml/2006/main" xmlns:r="http://schemas.openxmlformats.org/officeDocument/2006/relationships" xmlns:p="http://schemas.openxmlformats.org/presentationml/2006/main">
   <p:cSld>
     <p:spTree>
@@ -6948,7 +6684,174 @@
 </p:sld>
 </file>
 
-<file path=ppt/slides/slide21.xml><?xml version="1.0" encoding="utf-8"?>
+<file path=ppt/slides/slide2.xml><?xml version="1.0" encoding="utf-8"?>
+<p:sld xmlns:a="http://schemas.openxmlformats.org/drawingml/2006/main" xmlns:r="http://schemas.openxmlformats.org/officeDocument/2006/relationships" xmlns:p="http://schemas.openxmlformats.org/presentationml/2006/main" show="0">
+  <p:cSld>
+    <p:spTree>
+      <p:nvGrpSpPr>
+        <p:cNvPr id="1" name=""/>
+        <p:cNvGrpSpPr/>
+        <p:nvPr/>
+      </p:nvGrpSpPr>
+      <p:grpSpPr>
+        <a:xfrm>
+          <a:off x="0" y="0"/>
+          <a:ext cx="0" cy="0"/>
+          <a:chOff x="0" y="0"/>
+          <a:chExt cx="0" cy="0"/>
+        </a:xfrm>
+      </p:grpSpPr>
+      <p:sp>
+        <p:nvSpPr>
+          <p:cNvPr id="2" name="Title 1"/>
+          <p:cNvSpPr>
+            <a:spLocks noGrp="1"/>
+          </p:cNvSpPr>
+          <p:nvPr>
+            <p:ph type="title"/>
+          </p:nvPr>
+        </p:nvSpPr>
+        <p:spPr/>
+        <p:txBody>
+          <a:bodyPr/>
+          <a:lstStyle/>
+          <a:p>
+            <a:r>
+              <a:rPr lang="lt-LT" dirty="0" smtClean="0"/>
+              <a:t>Turinys</a:t>
+            </a:r>
+            <a:endParaRPr lang="lt-LT" dirty="0"/>
+          </a:p>
+        </p:txBody>
+      </p:sp>
+      <p:sp>
+        <p:nvSpPr>
+          <p:cNvPr id="3" name="Content Placeholder 2"/>
+          <p:cNvSpPr>
+            <a:spLocks noGrp="1"/>
+          </p:cNvSpPr>
+          <p:nvPr>
+            <p:ph idx="1"/>
+          </p:nvPr>
+        </p:nvSpPr>
+        <p:spPr/>
+        <p:txBody>
+          <a:bodyPr/>
+          <a:lstStyle/>
+          <a:p>
+            <a:r>
+              <a:rPr lang="lt-LT" dirty="0" smtClean="0"/>
+              <a:t>Darbo tikslas ir uždaviniai;</a:t>
+            </a:r>
+          </a:p>
+          <a:p>
+            <a:r>
+              <a:rPr lang="lt-LT" dirty="0" smtClean="0"/>
+              <a:t>Tyrimas</a:t>
+            </a:r>
+          </a:p>
+          <a:p>
+            <a:pPr lvl="1"/>
+            <a:r>
+              <a:rPr lang="lt-LT" dirty="0" smtClean="0"/>
+              <a:t>Gestų kalba</a:t>
+            </a:r>
+            <a:r>
+              <a:rPr lang="lt-LT" dirty="0" smtClean="0"/>
+              <a:t>;</a:t>
+            </a:r>
+          </a:p>
+          <a:p>
+            <a:pPr lvl="1"/>
+            <a:r>
+              <a:rPr lang="lt-LT" dirty="0" smtClean="0"/>
+              <a:t>Bandymai</a:t>
+            </a:r>
+            <a:r>
+              <a:rPr lang="lt-LT" dirty="0" smtClean="0"/>
+              <a:t>.</a:t>
+            </a:r>
+          </a:p>
+          <a:p>
+            <a:endParaRPr lang="lt-LT" dirty="0"/>
+          </a:p>
+        </p:txBody>
+      </p:sp>
+      <p:sp>
+        <p:nvSpPr>
+          <p:cNvPr id="4" name="Date Placeholder 3"/>
+          <p:cNvSpPr>
+            <a:spLocks noGrp="1"/>
+          </p:cNvSpPr>
+          <p:nvPr>
+            <p:ph type="dt" sz="half" idx="10"/>
+          </p:nvPr>
+        </p:nvSpPr>
+        <p:spPr/>
+        <p:txBody>
+          <a:bodyPr/>
+          <a:lstStyle/>
+          <a:p>
+            <a:r>
+              <a:rPr lang="lt-LT" altLang="lt-LT" smtClean="0"/>
+              <a:t>2017-06-26</a:t>
+            </a:r>
+            <a:endParaRPr lang="en-US" altLang="lt-LT"/>
+          </a:p>
+        </p:txBody>
+      </p:sp>
+      <p:sp>
+        <p:nvSpPr>
+          <p:cNvPr id="5" name="Footer Placeholder 4"/>
+          <p:cNvSpPr>
+            <a:spLocks noGrp="1"/>
+          </p:cNvSpPr>
+          <p:nvPr>
+            <p:ph type="ftr" sz="quarter" idx="11"/>
+          </p:nvPr>
+        </p:nvSpPr>
+        <p:spPr/>
+        <p:txBody>
+          <a:bodyPr/>
+          <a:lstStyle/>
+          <a:p>
+            <a:r>
+              <a:rPr lang="lt-LT" altLang="lt-LT" smtClean="0"/>
+              <a:t>VU, MIF</a:t>
+            </a:r>
+            <a:endParaRPr lang="en-US" altLang="lt-LT"/>
+          </a:p>
+        </p:txBody>
+      </p:sp>
+    </p:spTree>
+    <p:extLst>
+      <p:ext uri="{BB962C8B-B14F-4D97-AF65-F5344CB8AC3E}">
+        <p14:creationId xmlns:p14="http://schemas.microsoft.com/office/powerpoint/2010/main" val="1785479336"/>
+      </p:ext>
+    </p:extLst>
+  </p:cSld>
+  <p:clrMapOvr>
+    <a:masterClrMapping/>
+  </p:clrMapOvr>
+  <mc:AlternateContent xmlns:mc="http://schemas.openxmlformats.org/markup-compatibility/2006">
+    <mc:Choice xmlns:p14="http://schemas.microsoft.com/office/powerpoint/2010/main" Requires="p14">
+      <p:transition spd="slow" p14:dur="2000"/>
+    </mc:Choice>
+    <mc:Fallback>
+      <p:transition spd="slow"/>
+    </mc:Fallback>
+  </mc:AlternateContent>
+  <p:timing>
+    <p:tnLst>
+      <p:par>
+        <p:cTn id="1" dur="indefinite" restart="never" nodeType="tmRoot"/>
+      </p:par>
+    </p:tnLst>
+  </p:timing>
+</p:sld>
+</file>
+
+<file path=ppt/slides/slide20.xml><?xml version="1.0" encoding="utf-8"?>
 <p:sld xmlns:a="http://schemas.openxmlformats.org/drawingml/2006/main" xmlns:r="http://schemas.openxmlformats.org/officeDocument/2006/relationships" xmlns:p="http://schemas.openxmlformats.org/presentationml/2006/main">
   <p:cSld>
     <p:spTree>
@@ -9186,7 +9089,7 @@
 </p:sld>
 </file>
 
-<file path=ppt/slides/slide22.xml><?xml version="1.0" encoding="utf-8"?>
+<file path=ppt/slides/slide21.xml><?xml version="1.0" encoding="utf-8"?>
 <p:sld xmlns:a="http://schemas.openxmlformats.org/drawingml/2006/main" xmlns:r="http://schemas.openxmlformats.org/officeDocument/2006/relationships" xmlns:p="http://schemas.openxmlformats.org/presentationml/2006/main">
   <p:cSld>
     <p:spTree>
@@ -9255,21 +9158,16 @@
           <a:p>
             <a:r>
               <a:rPr lang="lt-LT" dirty="0" smtClean="0"/>
-              <a:t>Didesni duomenų kiekiai;</a:t>
-            </a:r>
+              <a:t>Didesni duomenų rinkiniai ir skirtingos duomenų bazės leistų padidinti tikslumą;</a:t>
+            </a:r>
+            <a:endParaRPr lang="lt-LT" dirty="0"/>
           </a:p>
           <a:p>
             <a:r>
               <a:rPr lang="lt-LT" dirty="0" smtClean="0"/>
-              <a:t>Skirtingos duomenų bazės;</a:t>
-            </a:r>
-          </a:p>
-          <a:p>
-            <a:r>
-              <a:rPr lang="lt-LT" dirty="0" smtClean="0"/>
-              <a:t>Dinaminių judesių atpažinimas.</a:t>
-            </a:r>
-            <a:endParaRPr lang="lt-LT" dirty="0"/>
+              <a:t>Pilnai išvystytas modelis būtų ypač naudingas gestakalbiams ir bendrajantiems su jais.</a:t>
+            </a:r>
+            <a:endParaRPr lang="lt-LT" dirty="0" smtClean="0"/>
           </a:p>
         </p:txBody>
       </p:sp>
@@ -9323,129 +9221,6 @@
     <p:extLst>
       <p:ext uri="{BB962C8B-B14F-4D97-AF65-F5344CB8AC3E}">
         <p14:creationId xmlns:p14="http://schemas.microsoft.com/office/powerpoint/2010/main" val="319944346"/>
-      </p:ext>
-    </p:extLst>
-  </p:cSld>
-  <p:clrMapOvr>
-    <a:masterClrMapping/>
-  </p:clrMapOvr>
-</p:sld>
-</file>
-
-<file path=ppt/slides/slide23.xml><?xml version="1.0" encoding="utf-8"?>
-<p:sld xmlns:a="http://schemas.openxmlformats.org/drawingml/2006/main" xmlns:r="http://schemas.openxmlformats.org/officeDocument/2006/relationships" xmlns:p="http://schemas.openxmlformats.org/presentationml/2006/main">
-  <p:cSld>
-    <p:spTree>
-      <p:nvGrpSpPr>
-        <p:cNvPr id="1" name=""/>
-        <p:cNvGrpSpPr/>
-        <p:nvPr/>
-      </p:nvGrpSpPr>
-      <p:grpSpPr>
-        <a:xfrm>
-          <a:off x="0" y="0"/>
-          <a:ext cx="0" cy="0"/>
-          <a:chOff x="0" y="0"/>
-          <a:chExt cx="0" cy="0"/>
-        </a:xfrm>
-      </p:grpSpPr>
-      <p:sp>
-        <p:nvSpPr>
-          <p:cNvPr id="2" name="Title 1"/>
-          <p:cNvSpPr>
-            <a:spLocks noGrp="1"/>
-          </p:cNvSpPr>
-          <p:nvPr>
-            <p:ph type="ctrTitle"/>
-          </p:nvPr>
-        </p:nvSpPr>
-        <p:spPr/>
-        <p:txBody>
-          <a:bodyPr/>
-          <a:lstStyle/>
-          <a:p>
-            <a:r>
-              <a:rPr lang="lt-LT" dirty="0" smtClean="0"/>
-              <a:t>Ačiū už dėmesį!</a:t>
-            </a:r>
-            <a:endParaRPr lang="lt-LT" dirty="0"/>
-          </a:p>
-        </p:txBody>
-      </p:sp>
-      <p:sp>
-        <p:nvSpPr>
-          <p:cNvPr id="6" name="Subtitle 5"/>
-          <p:cNvSpPr>
-            <a:spLocks noGrp="1"/>
-          </p:cNvSpPr>
-          <p:nvPr>
-            <p:ph type="subTitle" idx="1"/>
-          </p:nvPr>
-        </p:nvSpPr>
-        <p:spPr/>
-        <p:txBody>
-          <a:bodyPr/>
-          <a:lstStyle/>
-          <a:p>
-            <a:endParaRPr lang="lt-LT" dirty="0"/>
-          </a:p>
-        </p:txBody>
-      </p:sp>
-      <p:sp>
-        <p:nvSpPr>
-          <p:cNvPr id="4" name="Date Placeholder 3"/>
-          <p:cNvSpPr>
-            <a:spLocks noGrp="1"/>
-          </p:cNvSpPr>
-          <p:nvPr>
-            <p:ph type="dt" sz="half" idx="2"/>
-          </p:nvPr>
-        </p:nvSpPr>
-        <p:spPr/>
-        <p:txBody>
-          <a:bodyPr/>
-          <a:lstStyle/>
-          <a:p>
-            <a:r>
-              <a:rPr lang="lt-LT" altLang="lt-LT" smtClean="0"/>
-              <a:t>2017-06-26</a:t>
-            </a:r>
-            <a:endParaRPr lang="en-US" altLang="lt-LT"/>
-          </a:p>
-        </p:txBody>
-      </p:sp>
-      <p:sp>
-        <p:nvSpPr>
-          <p:cNvPr id="5" name="Footer Placeholder 4"/>
-          <p:cNvSpPr>
-            <a:spLocks noGrp="1"/>
-          </p:cNvSpPr>
-          <p:nvPr>
-            <p:ph type="ftr" sz="quarter" idx="4294967295"/>
-          </p:nvPr>
-        </p:nvSpPr>
-        <p:spPr>
-          <a:xfrm>
-            <a:off x="3240088" y="6245225"/>
-            <a:ext cx="5903912" cy="476250"/>
-          </a:xfrm>
-        </p:spPr>
-        <p:txBody>
-          <a:bodyPr/>
-          <a:lstStyle/>
-          <a:p>
-            <a:r>
-              <a:rPr lang="lt-LT" altLang="lt-LT" smtClean="0"/>
-              <a:t>VU, MIF</a:t>
-            </a:r>
-            <a:endParaRPr lang="en-US" altLang="lt-LT"/>
-          </a:p>
-        </p:txBody>
-      </p:sp>
-    </p:spTree>
-    <p:extLst>
-      <p:ext uri="{BB962C8B-B14F-4D97-AF65-F5344CB8AC3E}">
-        <p14:creationId xmlns:p14="http://schemas.microsoft.com/office/powerpoint/2010/main" val="3955261710"/>
       </p:ext>
     </p:extLst>
   </p:cSld>
@@ -9505,14 +9280,26 @@
             <p:ph idx="1"/>
           </p:nvPr>
         </p:nvSpPr>
-        <p:spPr/>
+        <p:spPr>
+          <a:xfrm>
+            <a:off x="457200" y="2420888"/>
+            <a:ext cx="8229600" cy="3705275"/>
+          </a:xfrm>
+        </p:spPr>
         <p:txBody>
           <a:bodyPr/>
           <a:lstStyle/>
           <a:p>
+            <a:pPr marL="0" indent="0">
+              <a:buNone/>
+            </a:pPr>
             <a:r>
               <a:rPr lang="lt-LT" dirty="0" smtClean="0"/>
-              <a:t>Išsiaiškinti, ištirti ir išanalizuoti galimybes gestų kalbą internetinės kameros pagalba versti į rašytinę ar žodinę kalbą.</a:t>
+              <a:t>Išsiaiškinti, ištirti ir išanalizuoti galimybes gestų kalbą internetinės kameros pagalba versti į rašytinę ar žodinę kalbą</a:t>
+            </a:r>
+            <a:r>
+              <a:rPr lang="lt-LT" dirty="0" smtClean="0"/>
+              <a:t>.</a:t>
             </a:r>
             <a:endParaRPr lang="lt-LT" dirty="0"/>
           </a:p>
@@ -9758,7 +9545,7 @@
           <a:p>
             <a:r>
               <a:rPr lang="lt-LT" dirty="0" smtClean="0"/>
-              <a:t>Tyrimas</a:t>
+              <a:t>Gestų kalba</a:t>
             </a:r>
             <a:endParaRPr lang="lt-LT" dirty="0"/>
           </a:p>
@@ -9781,20 +9568,27 @@
           <a:p>
             <a:r>
               <a:rPr lang="lt-LT" dirty="0" smtClean="0"/>
-              <a:t>Gestų kalba;</a:t>
+              <a:t>360 milijonų žmonių su klausos problemomis;</a:t>
             </a:r>
           </a:p>
           <a:p>
             <a:r>
               <a:rPr lang="lt-LT" dirty="0" smtClean="0"/>
-              <a:t>Neuroniniai tinklai;</a:t>
+              <a:t>32 milijonai iš jų – vaikai;</a:t>
             </a:r>
           </a:p>
           <a:p>
             <a:r>
               <a:rPr lang="lt-LT" dirty="0" smtClean="0"/>
-              <a:t>Bandymai.</a:t>
-            </a:r>
+              <a:t>ASL – populiariausia kalba po „didžiojo ketverto“;</a:t>
+            </a:r>
+          </a:p>
+          <a:p>
+            <a:r>
+              <a:rPr lang="lt-LT" dirty="0" smtClean="0"/>
+              <a:t>Statiniai ir dinaminiai judesiai.</a:t>
+            </a:r>
+            <a:endParaRPr lang="lt-LT" dirty="0"/>
           </a:p>
         </p:txBody>
       </p:sp>
@@ -9847,7 +9641,7 @@
     </p:spTree>
     <p:extLst>
       <p:ext uri="{BB962C8B-B14F-4D97-AF65-F5344CB8AC3E}">
-        <p14:creationId xmlns:p14="http://schemas.microsoft.com/office/powerpoint/2010/main" val="1940319778"/>
+        <p14:creationId xmlns:p14="http://schemas.microsoft.com/office/powerpoint/2010/main" val="368103784"/>
       </p:ext>
     </p:extLst>
   </p:cSld>
@@ -9904,153 +9698,6 @@
           </a:p>
         </p:txBody>
       </p:sp>
-      <p:sp>
-        <p:nvSpPr>
-          <p:cNvPr id="3" name="Content Placeholder 2"/>
-          <p:cNvSpPr>
-            <a:spLocks noGrp="1"/>
-          </p:cNvSpPr>
-          <p:nvPr>
-            <p:ph idx="1"/>
-          </p:nvPr>
-        </p:nvSpPr>
-        <p:spPr/>
-        <p:txBody>
-          <a:bodyPr/>
-          <a:lstStyle/>
-          <a:p>
-            <a:r>
-              <a:rPr lang="lt-LT" dirty="0" smtClean="0"/>
-              <a:t>360 milijonų žmonių su klausos problemomis;</a:t>
-            </a:r>
-          </a:p>
-          <a:p>
-            <a:r>
-              <a:rPr lang="lt-LT" dirty="0" smtClean="0"/>
-              <a:t>32 milijonai iš jų – vaikai;</a:t>
-            </a:r>
-          </a:p>
-          <a:p>
-            <a:r>
-              <a:rPr lang="lt-LT" dirty="0" smtClean="0"/>
-              <a:t>ASL – populiariausia kalba po „didžiojo ketverto“;</a:t>
-            </a:r>
-          </a:p>
-          <a:p>
-            <a:r>
-              <a:rPr lang="lt-LT" dirty="0" smtClean="0"/>
-              <a:t>Statiniai ir dinaminiai judesiai.</a:t>
-            </a:r>
-            <a:endParaRPr lang="lt-LT" dirty="0"/>
-          </a:p>
-        </p:txBody>
-      </p:sp>
-      <p:sp>
-        <p:nvSpPr>
-          <p:cNvPr id="4" name="Date Placeholder 3"/>
-          <p:cNvSpPr>
-            <a:spLocks noGrp="1"/>
-          </p:cNvSpPr>
-          <p:nvPr>
-            <p:ph type="dt" sz="half" idx="10"/>
-          </p:nvPr>
-        </p:nvSpPr>
-        <p:spPr/>
-        <p:txBody>
-          <a:bodyPr/>
-          <a:lstStyle/>
-          <a:p>
-            <a:r>
-              <a:rPr lang="lt-LT" altLang="lt-LT" smtClean="0"/>
-              <a:t>2017-06-26</a:t>
-            </a:r>
-            <a:endParaRPr lang="en-US" altLang="lt-LT"/>
-          </a:p>
-        </p:txBody>
-      </p:sp>
-      <p:sp>
-        <p:nvSpPr>
-          <p:cNvPr id="5" name="Footer Placeholder 4"/>
-          <p:cNvSpPr>
-            <a:spLocks noGrp="1"/>
-          </p:cNvSpPr>
-          <p:nvPr>
-            <p:ph type="ftr" sz="quarter" idx="11"/>
-          </p:nvPr>
-        </p:nvSpPr>
-        <p:spPr/>
-        <p:txBody>
-          <a:bodyPr/>
-          <a:lstStyle/>
-          <a:p>
-            <a:r>
-              <a:rPr lang="lt-LT" altLang="lt-LT" smtClean="0"/>
-              <a:t>VU, MIF</a:t>
-            </a:r>
-            <a:endParaRPr lang="en-US" altLang="lt-LT"/>
-          </a:p>
-        </p:txBody>
-      </p:sp>
-    </p:spTree>
-    <p:extLst>
-      <p:ext uri="{BB962C8B-B14F-4D97-AF65-F5344CB8AC3E}">
-        <p14:creationId xmlns:p14="http://schemas.microsoft.com/office/powerpoint/2010/main" val="368103784"/>
-      </p:ext>
-    </p:extLst>
-  </p:cSld>
-  <p:clrMapOvr>
-    <a:masterClrMapping/>
-  </p:clrMapOvr>
-  <p:timing>
-    <p:tnLst>
-      <p:par>
-        <p:cTn id="1" dur="indefinite" restart="never" nodeType="tmRoot"/>
-      </p:par>
-    </p:tnLst>
-  </p:timing>
-</p:sld>
-</file>
-
-<file path=ppt/slides/slide7.xml><?xml version="1.0" encoding="utf-8"?>
-<p:sld xmlns:a="http://schemas.openxmlformats.org/drawingml/2006/main" xmlns:r="http://schemas.openxmlformats.org/officeDocument/2006/relationships" xmlns:p="http://schemas.openxmlformats.org/presentationml/2006/main">
-  <p:cSld>
-    <p:spTree>
-      <p:nvGrpSpPr>
-        <p:cNvPr id="1" name=""/>
-        <p:cNvGrpSpPr/>
-        <p:nvPr/>
-      </p:nvGrpSpPr>
-      <p:grpSpPr>
-        <a:xfrm>
-          <a:off x="0" y="0"/>
-          <a:ext cx="0" cy="0"/>
-          <a:chOff x="0" y="0"/>
-          <a:chExt cx="0" cy="0"/>
-        </a:xfrm>
-      </p:grpSpPr>
-      <p:sp>
-        <p:nvSpPr>
-          <p:cNvPr id="2" name="Title 1"/>
-          <p:cNvSpPr>
-            <a:spLocks noGrp="1"/>
-          </p:cNvSpPr>
-          <p:nvPr>
-            <p:ph type="title"/>
-          </p:nvPr>
-        </p:nvSpPr>
-        <p:spPr/>
-        <p:txBody>
-          <a:bodyPr/>
-          <a:lstStyle/>
-          <a:p>
-            <a:r>
-              <a:rPr lang="lt-LT" dirty="0" smtClean="0"/>
-              <a:t>Gestų kalba</a:t>
-            </a:r>
-            <a:endParaRPr lang="lt-LT" dirty="0"/>
-          </a:p>
-        </p:txBody>
-      </p:sp>
       <p:pic>
         <p:nvPicPr>
           <p:cNvPr id="6" name="Content Placeholder 5"/>
@@ -10246,8 +9893,8 @@
 </p:sld>
 </file>
 
-<file path=ppt/slides/slide8.xml><?xml version="1.0" encoding="utf-8"?>
-<p:sld xmlns:a="http://schemas.openxmlformats.org/drawingml/2006/main" xmlns:r="http://schemas.openxmlformats.org/officeDocument/2006/relationships" xmlns:p="http://schemas.openxmlformats.org/presentationml/2006/main">
+<file path=ppt/slides/slide7.xml><?xml version="1.0" encoding="utf-8"?>
+<p:sld xmlns:a="http://schemas.openxmlformats.org/drawingml/2006/main" xmlns:r="http://schemas.openxmlformats.org/officeDocument/2006/relationships" xmlns:p="http://schemas.openxmlformats.org/presentationml/2006/main" show="0">
   <p:cSld>
     <p:spTree>
       <p:nvGrpSpPr>
@@ -10440,6 +10087,14 @@
   <p:clrMapOvr>
     <a:masterClrMapping/>
   </p:clrMapOvr>
+  <mc:AlternateContent xmlns:mc="http://schemas.openxmlformats.org/markup-compatibility/2006">
+    <mc:Choice xmlns:p14="http://schemas.microsoft.com/office/powerpoint/2010/main" Requires="p14">
+      <p:transition spd="slow" p14:dur="2000"/>
+    </mc:Choice>
+    <mc:Fallback>
+      <p:transition spd="slow"/>
+    </mc:Fallback>
+  </mc:AlternateContent>
   <p:timing>
     <p:tnLst>
       <p:par>
@@ -10447,6 +10102,147 @@
       </p:par>
     </p:tnLst>
   </p:timing>
+</p:sld>
+</file>
+
+<file path=ppt/slides/slide8.xml><?xml version="1.0" encoding="utf-8"?>
+<p:sld xmlns:a="http://schemas.openxmlformats.org/drawingml/2006/main" xmlns:r="http://schemas.openxmlformats.org/officeDocument/2006/relationships" xmlns:p="http://schemas.openxmlformats.org/presentationml/2006/main" show="0">
+  <p:cSld>
+    <p:spTree>
+      <p:nvGrpSpPr>
+        <p:cNvPr id="1" name=""/>
+        <p:cNvGrpSpPr/>
+        <p:nvPr/>
+      </p:nvGrpSpPr>
+      <p:grpSpPr>
+        <a:xfrm>
+          <a:off x="0" y="0"/>
+          <a:ext cx="0" cy="0"/>
+          <a:chOff x="0" y="0"/>
+          <a:chExt cx="0" cy="0"/>
+        </a:xfrm>
+      </p:grpSpPr>
+      <p:sp>
+        <p:nvSpPr>
+          <p:cNvPr id="2" name="Title 1"/>
+          <p:cNvSpPr>
+            <a:spLocks noGrp="1"/>
+          </p:cNvSpPr>
+          <p:nvPr>
+            <p:ph type="title"/>
+          </p:nvPr>
+        </p:nvSpPr>
+        <p:spPr/>
+        <p:txBody>
+          <a:bodyPr/>
+          <a:lstStyle/>
+          <a:p>
+            <a:r>
+              <a:rPr lang="lt-LT" dirty="0" smtClean="0"/>
+              <a:t>Bandymai</a:t>
+            </a:r>
+            <a:endParaRPr lang="lt-LT" dirty="0"/>
+          </a:p>
+        </p:txBody>
+      </p:sp>
+      <p:sp>
+        <p:nvSpPr>
+          <p:cNvPr id="3" name="Content Placeholder 2"/>
+          <p:cNvSpPr>
+            <a:spLocks noGrp="1"/>
+          </p:cNvSpPr>
+          <p:nvPr>
+            <p:ph idx="1"/>
+          </p:nvPr>
+        </p:nvSpPr>
+        <p:spPr/>
+        <p:txBody>
+          <a:bodyPr/>
+          <a:lstStyle/>
+          <a:p>
+            <a:r>
+              <a:rPr lang="lt-LT" dirty="0" smtClean="0"/>
+              <a:t>Duomenys;</a:t>
+            </a:r>
+          </a:p>
+          <a:p>
+            <a:r>
+              <a:rPr lang="lt-LT" dirty="0" smtClean="0"/>
+              <a:t>Įprastiniai metodai;</a:t>
+            </a:r>
+          </a:p>
+          <a:p>
+            <a:r>
+              <a:rPr lang="lt-LT" dirty="0" smtClean="0"/>
+              <a:t>Konvoliucinio neuroninio tinklo modelis.</a:t>
+            </a:r>
+          </a:p>
+        </p:txBody>
+      </p:sp>
+      <p:sp>
+        <p:nvSpPr>
+          <p:cNvPr id="4" name="Date Placeholder 3"/>
+          <p:cNvSpPr>
+            <a:spLocks noGrp="1"/>
+          </p:cNvSpPr>
+          <p:nvPr>
+            <p:ph type="dt" sz="half" idx="10"/>
+          </p:nvPr>
+        </p:nvSpPr>
+        <p:spPr/>
+        <p:txBody>
+          <a:bodyPr/>
+          <a:lstStyle/>
+          <a:p>
+            <a:r>
+              <a:rPr lang="lt-LT" altLang="lt-LT" smtClean="0"/>
+              <a:t>2017-06-26</a:t>
+            </a:r>
+            <a:endParaRPr lang="en-US" altLang="lt-LT"/>
+          </a:p>
+        </p:txBody>
+      </p:sp>
+      <p:sp>
+        <p:nvSpPr>
+          <p:cNvPr id="5" name="Footer Placeholder 4"/>
+          <p:cNvSpPr>
+            <a:spLocks noGrp="1"/>
+          </p:cNvSpPr>
+          <p:nvPr>
+            <p:ph type="ftr" sz="quarter" idx="11"/>
+          </p:nvPr>
+        </p:nvSpPr>
+        <p:spPr/>
+        <p:txBody>
+          <a:bodyPr/>
+          <a:lstStyle/>
+          <a:p>
+            <a:r>
+              <a:rPr lang="lt-LT" altLang="lt-LT" smtClean="0"/>
+              <a:t>VU, MIF</a:t>
+            </a:r>
+            <a:endParaRPr lang="en-US" altLang="lt-LT"/>
+          </a:p>
+        </p:txBody>
+      </p:sp>
+    </p:spTree>
+    <p:extLst>
+      <p:ext uri="{BB962C8B-B14F-4D97-AF65-F5344CB8AC3E}">
+        <p14:creationId xmlns:p14="http://schemas.microsoft.com/office/powerpoint/2010/main" val="2210381755"/>
+      </p:ext>
+    </p:extLst>
+  </p:cSld>
+  <p:clrMapOvr>
+    <a:masterClrMapping/>
+  </p:clrMapOvr>
+  <mc:AlternateContent xmlns:mc="http://schemas.openxmlformats.org/markup-compatibility/2006">
+    <mc:Choice xmlns:p14="http://schemas.microsoft.com/office/powerpoint/2010/main" Requires="p14">
+      <p:transition spd="slow" p14:dur="2000"/>
+    </mc:Choice>
+    <mc:Fallback>
+      <p:transition spd="slow"/>
+    </mc:Fallback>
+  </mc:AlternateContent>
 </p:sld>
 </file>
 
@@ -10483,49 +10279,41 @@
           <a:lstStyle/>
           <a:p>
             <a:r>
+              <a:rPr lang="lt-LT" smtClean="0"/>
+              <a:t>Bandymų duomenys</a:t>
+            </a:r>
+            <a:endParaRPr lang="lt-LT" dirty="0"/>
+          </a:p>
+        </p:txBody>
+      </p:sp>
+      <p:sp>
+        <p:nvSpPr>
+          <p:cNvPr id="3" name="Content Placeholder 2"/>
+          <p:cNvSpPr>
+            <a:spLocks noGrp="1"/>
+          </p:cNvSpPr>
+          <p:nvPr>
+            <p:ph idx="1"/>
+          </p:nvPr>
+        </p:nvSpPr>
+        <p:spPr/>
+        <p:txBody>
+          <a:bodyPr/>
+          <a:lstStyle/>
+          <a:p>
+            <a:r>
               <a:rPr lang="lt-LT" dirty="0" smtClean="0"/>
-              <a:t>Bandymai</a:t>
-            </a:r>
+              <a:t>24-ių ASL abėcėlės raidžių gestai;</a:t>
+            </a:r>
+          </a:p>
+          <a:p>
+            <a:r>
+              <a:rPr lang="lt-LT" dirty="0" smtClean="0"/>
+              <a:t>Kiekvienai raidei – katalogas;</a:t>
+            </a:r>
+          </a:p>
+          <a:p>
             <a:endParaRPr lang="lt-LT" dirty="0"/>
-          </a:p>
-        </p:txBody>
-      </p:sp>
-      <p:sp>
-        <p:nvSpPr>
-          <p:cNvPr id="3" name="Content Placeholder 2"/>
-          <p:cNvSpPr>
-            <a:spLocks noGrp="1"/>
-          </p:cNvSpPr>
-          <p:nvPr>
-            <p:ph idx="1"/>
-          </p:nvPr>
-        </p:nvSpPr>
-        <p:spPr/>
-        <p:txBody>
-          <a:bodyPr/>
-          <a:lstStyle/>
-          <a:p>
-            <a:r>
-              <a:rPr lang="lt-LT" dirty="0" smtClean="0"/>
-              <a:t>Duomenys;</a:t>
-            </a:r>
-          </a:p>
-          <a:p>
-            <a:r>
-              <a:rPr lang="lt-LT" dirty="0" smtClean="0"/>
-              <a:t>Įprastiniai metodai;</a:t>
-            </a:r>
-          </a:p>
-          <a:p>
-            <a:r>
-              <a:rPr lang="lt-LT" dirty="0" smtClean="0"/>
-              <a:t>Konvoliucinio neuroninio tinklo modelis</a:t>
-            </a:r>
-            <a:r>
-              <a:rPr lang="lt-LT" dirty="0" smtClean="0"/>
-              <a:t>.</a:t>
-            </a:r>
-            <a:endParaRPr lang="lt-LT" dirty="0" smtClean="0"/>
           </a:p>
         </p:txBody>
       </p:sp>
@@ -10578,7 +10366,7 @@
     </p:spTree>
     <p:extLst>
       <p:ext uri="{BB962C8B-B14F-4D97-AF65-F5344CB8AC3E}">
-        <p14:creationId xmlns:p14="http://schemas.microsoft.com/office/powerpoint/2010/main" val="2210381755"/>
+        <p14:creationId xmlns:p14="http://schemas.microsoft.com/office/powerpoint/2010/main" val="1721791269"/>
       </p:ext>
     </p:extLst>
   </p:cSld>
